--- a/ProgrammingDocs/Gamepad_AT_2022.pptx
+++ b/ProgrammingDocs/Gamepad_AT_2022.pptx
@@ -5,13 +5,11 @@
     <p:sldMasterId id="2147483648" r:id="rId1"/>
   </p:sldMasterIdLst>
   <p:notesMasterIdLst>
-    <p:notesMasterId r:id="rId6"/>
+    <p:notesMasterId r:id="rId4"/>
   </p:notesMasterIdLst>
   <p:sldIdLst>
     <p:sldId id="256" r:id="rId2"/>
-    <p:sldId id="257" r:id="rId3"/>
-    <p:sldId id="258" r:id="rId4"/>
-    <p:sldId id="259" r:id="rId5"/>
+    <p:sldId id="259" r:id="rId3"/>
   </p:sldIdLst>
   <p:sldSz cx="12192000" cy="6858000"/>
   <p:notesSz cx="7099300" cy="9385300"/>
@@ -245,8 +243,11 @@
     </a:lvl9pPr>
   </p:defaultTextStyle>
   <p:extLst>
+    <p:ext uri="{EFAFB233-063F-42B5-8137-9DF3F51BA10A}">
+      <p15:sldGuideLst xmlns:p15="http://schemas.microsoft.com/office/powerpoint/2012/main"/>
+    </p:ext>
     <p:ext uri="http://customooxmlschemas.google.com/">
-      <go:slidesCustomData xmlns:go="http://customooxmlschemas.google.com/" xmlns:ahyp="http://schemas.microsoft.com/office/drawing/2018/hyperlinkcolor" xmlns:p15="http://schemas.microsoft.com/office/powerpoint/2012/main" xmlns:p14="http://schemas.microsoft.com/office/powerpoint/2010/main" xmlns:com="http://schemas.openxmlformats.org/drawingml/2006/compatibility" xmlns:pvml="urn:schemas-microsoft-com:office:powerpoint" xmlns:v="urn:schemas-microsoft-com:vml" xmlns:o="urn:schemas-microsoft-com:office:office" xmlns:dgm="http://schemas.openxmlformats.org/drawingml/2006/diagram" xmlns:c="http://schemas.openxmlformats.org/drawingml/2006/chart" xmlns:mv="urn:schemas-microsoft-com:mac:vml" xmlns:mc="http://schemas.openxmlformats.org/markup-compatibility/2006" xmlns="" r:id="rId9" roundtripDataSignature="AMtx7mg7/Uy38vozo7lv7lODiH/+yduhyA=="/>
+      <go:slidesCustomData xmlns="" xmlns:mc="http://schemas.openxmlformats.org/markup-compatibility/2006" xmlns:mv="urn:schemas-microsoft-com:mac:vml" xmlns:c="http://schemas.openxmlformats.org/drawingml/2006/chart" xmlns:dgm="http://schemas.openxmlformats.org/drawingml/2006/diagram" xmlns:o="urn:schemas-microsoft-com:office:office" xmlns:v="urn:schemas-microsoft-com:vml" xmlns:pvml="urn:schemas-microsoft-com:office:powerpoint" xmlns:com="http://schemas.openxmlformats.org/drawingml/2006/compatibility" xmlns:p14="http://schemas.microsoft.com/office/powerpoint/2010/main" xmlns:p15="http://schemas.microsoft.com/office/powerpoint/2012/main" xmlns:ahyp="http://schemas.microsoft.com/office/drawing/2018/hyperlinkcolor" xmlns:go="http://customooxmlschemas.google.com/" r:id="rId9" roundtripDataSignature="AMtx7mg7/Uy38vozo7lv7lODiH/+yduhyA=="/>
     </p:ext>
   </p:extLst>
 </p:presentation>
@@ -760,8 +761,8 @@
         </p:nvSpPr>
         <p:spPr>
           <a:xfrm>
-            <a:off x="1183450" y="703875"/>
-            <a:ext cx="4733100" cy="3519475"/>
+            <a:off x="422275" y="703263"/>
+            <a:ext cx="6254750" cy="3519487"/>
           </a:xfrm>
           <a:custGeom>
             <a:avLst/>
@@ -798,214 +799,6 @@
 </file>
 
 <file path=ppt/notesSlides/notesSlide2.xml><?xml version="1.0" encoding="utf-8"?>
-<p:notes xmlns:a="http://schemas.openxmlformats.org/drawingml/2006/main" xmlns:r="http://schemas.openxmlformats.org/officeDocument/2006/relationships" xmlns:p="http://schemas.openxmlformats.org/presentationml/2006/main" showMasterSp="0" showMasterPhAnim="0">
-  <p:cSld>
-    <p:spTree>
-      <p:nvGrpSpPr>
-        <p:cNvPr id="1" name="Shape 123"/>
-        <p:cNvGrpSpPr/>
-        <p:nvPr/>
-      </p:nvGrpSpPr>
-      <p:grpSpPr>
-        <a:xfrm>
-          <a:off x="0" y="0"/>
-          <a:ext cx="0" cy="0"/>
-          <a:chOff x="0" y="0"/>
-          <a:chExt cx="0" cy="0"/>
-        </a:xfrm>
-      </p:grpSpPr>
-      <p:sp>
-        <p:nvSpPr>
-          <p:cNvPr id="124" name="Google Shape;124;p2:notes"/>
-          <p:cNvSpPr txBox="1">
-            <a:spLocks noGrp="1"/>
-          </p:cNvSpPr>
-          <p:nvPr>
-            <p:ph type="body" idx="1"/>
-          </p:nvPr>
-        </p:nvSpPr>
-        <p:spPr>
-          <a:xfrm>
-            <a:off x="709925" y="4458000"/>
-            <a:ext cx="5679425" cy="4223375"/>
-          </a:xfrm>
-          <a:prstGeom prst="rect">
-            <a:avLst/>
-          </a:prstGeom>
-        </p:spPr>
-        <p:txBody>
-          <a:bodyPr spcFirstLastPara="1" wrap="square" lIns="91425" tIns="91425" rIns="91425" bIns="91425" anchor="t" anchorCtr="0">
-            <a:noAutofit/>
-          </a:bodyPr>
-          <a:lstStyle/>
-          <a:p>
-            <a:pPr marL="0" lvl="0" indent="0" algn="l" rtl="0">
-              <a:spcBef>
-                <a:spcPts val="0"/>
-              </a:spcBef>
-              <a:spcAft>
-                <a:spcPts val="0"/>
-              </a:spcAft>
-              <a:buNone/>
-            </a:pPr>
-            <a:endParaRPr/>
-          </a:p>
-        </p:txBody>
-      </p:sp>
-      <p:sp>
-        <p:nvSpPr>
-          <p:cNvPr id="125" name="Google Shape;125;p2:notes"/>
-          <p:cNvSpPr>
-            <a:spLocks noGrp="1" noRot="1" noChangeAspect="1"/>
-          </p:cNvSpPr>
-          <p:nvPr>
-            <p:ph type="sldImg" idx="2"/>
-          </p:nvPr>
-        </p:nvSpPr>
-        <p:spPr>
-          <a:xfrm>
-            <a:off x="1183450" y="703875"/>
-            <a:ext cx="4733100" cy="3519475"/>
-          </a:xfrm>
-          <a:custGeom>
-            <a:avLst/>
-            <a:gdLst/>
-            <a:ahLst/>
-            <a:cxnLst/>
-            <a:rect l="l" t="t" r="r" b="b"/>
-            <a:pathLst>
-              <a:path w="120000" h="120000" extrusionOk="0">
-                <a:moveTo>
-                  <a:pt x="0" y="0"/>
-                </a:moveTo>
-                <a:lnTo>
-                  <a:pt x="120000" y="0"/>
-                </a:lnTo>
-                <a:lnTo>
-                  <a:pt x="120000" y="120000"/>
-                </a:lnTo>
-                <a:lnTo>
-                  <a:pt x="0" y="120000"/>
-                </a:lnTo>
-                <a:close/>
-              </a:path>
-            </a:pathLst>
-          </a:custGeom>
-        </p:spPr>
-      </p:sp>
-    </p:spTree>
-  </p:cSld>
-  <p:clrMapOvr>
-    <a:masterClrMapping/>
-  </p:clrMapOvr>
-</p:notes>
-</file>
-
-<file path=ppt/notesSlides/notesSlide3.xml><?xml version="1.0" encoding="utf-8"?>
-<p:notes xmlns:a="http://schemas.openxmlformats.org/drawingml/2006/main" xmlns:r="http://schemas.openxmlformats.org/officeDocument/2006/relationships" xmlns:p="http://schemas.openxmlformats.org/presentationml/2006/main" showMasterSp="0" showMasterPhAnim="0">
-  <p:cSld>
-    <p:spTree>
-      <p:nvGrpSpPr>
-        <p:cNvPr id="1" name="Shape 165"/>
-        <p:cNvGrpSpPr/>
-        <p:nvPr/>
-      </p:nvGrpSpPr>
-      <p:grpSpPr>
-        <a:xfrm>
-          <a:off x="0" y="0"/>
-          <a:ext cx="0" cy="0"/>
-          <a:chOff x="0" y="0"/>
-          <a:chExt cx="0" cy="0"/>
-        </a:xfrm>
-      </p:grpSpPr>
-      <p:sp>
-        <p:nvSpPr>
-          <p:cNvPr id="166" name="Google Shape;166;p3:notes"/>
-          <p:cNvSpPr txBox="1">
-            <a:spLocks noGrp="1"/>
-          </p:cNvSpPr>
-          <p:nvPr>
-            <p:ph type="body" idx="1"/>
-          </p:nvPr>
-        </p:nvSpPr>
-        <p:spPr>
-          <a:xfrm>
-            <a:off x="709925" y="4458000"/>
-            <a:ext cx="5679425" cy="4223375"/>
-          </a:xfrm>
-          <a:prstGeom prst="rect">
-            <a:avLst/>
-          </a:prstGeom>
-        </p:spPr>
-        <p:txBody>
-          <a:bodyPr spcFirstLastPara="1" wrap="square" lIns="91425" tIns="91425" rIns="91425" bIns="91425" anchor="t" anchorCtr="0">
-            <a:noAutofit/>
-          </a:bodyPr>
-          <a:lstStyle/>
-          <a:p>
-            <a:pPr marL="0" lvl="0" indent="0" algn="l" rtl="0">
-              <a:spcBef>
-                <a:spcPts val="0"/>
-              </a:spcBef>
-              <a:spcAft>
-                <a:spcPts val="0"/>
-              </a:spcAft>
-              <a:buNone/>
-            </a:pPr>
-            <a:endParaRPr/>
-          </a:p>
-        </p:txBody>
-      </p:sp>
-      <p:sp>
-        <p:nvSpPr>
-          <p:cNvPr id="167" name="Google Shape;167;p3:notes"/>
-          <p:cNvSpPr>
-            <a:spLocks noGrp="1" noRot="1" noChangeAspect="1"/>
-          </p:cNvSpPr>
-          <p:nvPr>
-            <p:ph type="sldImg" idx="2"/>
-          </p:nvPr>
-        </p:nvSpPr>
-        <p:spPr>
-          <a:xfrm>
-            <a:off x="1183450" y="703875"/>
-            <a:ext cx="4733100" cy="3519475"/>
-          </a:xfrm>
-          <a:custGeom>
-            <a:avLst/>
-            <a:gdLst/>
-            <a:ahLst/>
-            <a:cxnLst/>
-            <a:rect l="l" t="t" r="r" b="b"/>
-            <a:pathLst>
-              <a:path w="120000" h="120000" extrusionOk="0">
-                <a:moveTo>
-                  <a:pt x="0" y="0"/>
-                </a:moveTo>
-                <a:lnTo>
-                  <a:pt x="120000" y="0"/>
-                </a:lnTo>
-                <a:lnTo>
-                  <a:pt x="120000" y="120000"/>
-                </a:lnTo>
-                <a:lnTo>
-                  <a:pt x="0" y="120000"/>
-                </a:lnTo>
-                <a:close/>
-              </a:path>
-            </a:pathLst>
-          </a:custGeom>
-        </p:spPr>
-      </p:sp>
-    </p:spTree>
-  </p:cSld>
-  <p:clrMapOvr>
-    <a:masterClrMapping/>
-  </p:clrMapOvr>
-</p:notes>
-</file>
-
-<file path=ppt/notesSlides/notesSlide4.xml><?xml version="1.0" encoding="utf-8"?>
 <p:notes xmlns:a="http://schemas.openxmlformats.org/drawingml/2006/main" xmlns:r="http://schemas.openxmlformats.org/officeDocument/2006/relationships" xmlns:p="http://schemas.openxmlformats.org/presentationml/2006/main" showMasterSp="0" showMasterPhAnim="0">
   <p:cSld>
     <p:spTree>
@@ -1072,8 +865,8 @@
         </p:nvSpPr>
         <p:spPr>
           <a:xfrm>
-            <a:off x="1183450" y="703875"/>
-            <a:ext cx="4733100" cy="3519475"/>
+            <a:off x="422275" y="703263"/>
+            <a:ext cx="6254750" cy="3519487"/>
           </a:xfrm>
           <a:custGeom>
             <a:avLst/>
@@ -12896,7 +12689,7 @@
         <p:spPr>
           <a:xfrm>
             <a:off x="6152914" y="1217060"/>
-            <a:ext cx="5909723" cy="4539704"/>
+            <a:ext cx="5909723" cy="2200562"/>
           </a:xfrm>
           <a:prstGeom prst="rect">
             <a:avLst/>
@@ -12933,7 +12726,7 @@
               <a:buAutoNum type="arabicPeriod"/>
             </a:pPr>
             <a:r>
-              <a:rPr lang="en-US" sz="1600" b="0" i="0" u="none" strike="noStrike" cap="none">
+              <a:rPr lang="en-US" b="0" i="0" u="none" strike="noStrike" cap="none" dirty="0">
                 <a:solidFill>
                   <a:srgbClr val="00B0F0"/>
                 </a:solidFill>
@@ -12942,27 +12735,10 @@
                 <a:cs typeface="Calibri"/>
                 <a:sym typeface="Calibri"/>
               </a:rPr>
-              <a:t>Left Trigger – Robot Backward</a:t>
+              <a:t>Left Bumper, Right Bumper &amp; A is to move to robo</a:t>
             </a:r>
-            <a:endParaRPr/>
-          </a:p>
-          <a:p>
-            <a:pPr marL="342900" marR="0" lvl="0" indent="-342900" algn="l" rtl="0">
-              <a:spcBef>
-                <a:spcPts val="600"/>
-              </a:spcBef>
-              <a:spcAft>
-                <a:spcPts val="0"/>
-              </a:spcAft>
-              <a:buClr>
-                <a:srgbClr val="00B0F0"/>
-              </a:buClr>
-              <a:buSzPts val="1600"/>
-              <a:buFont typeface="Calibri"/>
-              <a:buAutoNum type="arabicPeriod"/>
-            </a:pPr>
             <a:r>
-              <a:rPr lang="en-US" sz="1600" b="0" i="0" u="none" strike="noStrike" cap="none">
+              <a:rPr lang="en-US" dirty="0">
                 <a:solidFill>
                   <a:srgbClr val="00B0F0"/>
                 </a:solidFill>
@@ -12971,27 +12747,10 @@
                 <a:cs typeface="Calibri"/>
                 <a:sym typeface="Calibri"/>
               </a:rPr>
-              <a:t>Right Trigger – Robot Forward</a:t>
+              <a:t>t in </a:t>
             </a:r>
-            <a:endParaRPr/>
-          </a:p>
-          <a:p>
-            <a:pPr marL="342900" marR="0" lvl="0" indent="-342900" algn="l" rtl="0">
-              <a:spcBef>
-                <a:spcPts val="600"/>
-              </a:spcBef>
-              <a:spcAft>
-                <a:spcPts val="0"/>
-              </a:spcAft>
-              <a:buClr>
-                <a:srgbClr val="00B0F0"/>
-              </a:buClr>
-              <a:buSzPts val="1600"/>
-              <a:buFont typeface="Calibri"/>
-              <a:buAutoNum type="arabicPeriod"/>
-            </a:pPr>
             <a:r>
-              <a:rPr lang="en-US" sz="1600" b="0" i="0" u="none" strike="noStrike" cap="none">
+              <a:rPr lang="en-US" dirty="0" err="1">
                 <a:solidFill>
                   <a:srgbClr val="00B0F0"/>
                 </a:solidFill>
@@ -13000,9 +12759,9 @@
                 <a:cs typeface="Calibri"/>
                 <a:sym typeface="Calibri"/>
               </a:rPr>
-              <a:t>Left Bumper &amp; Left Stick +Y – Robot to Left Diagonal Up </a:t>
+              <a:t>Auton</a:t>
             </a:r>
-            <a:endParaRPr/>
+            <a:endParaRPr sz="1200" dirty="0"/>
           </a:p>
           <a:p>
             <a:pPr marL="342900" marR="0" lvl="0" indent="-342900" algn="l" rtl="0">
@@ -13020,7 +12779,7 @@
               <a:buAutoNum type="arabicPeriod"/>
             </a:pPr>
             <a:r>
-              <a:rPr lang="en-US" sz="1600" b="0" i="0" u="none" strike="noStrike" cap="none">
+              <a:rPr lang="en-US" b="0" i="0" u="none" strike="noStrike" cap="none" dirty="0">
                 <a:solidFill>
                   <a:srgbClr val="00B0F0"/>
                 </a:solidFill>
@@ -13029,27 +12788,10 @@
                 <a:cs typeface="Calibri"/>
                 <a:sym typeface="Calibri"/>
               </a:rPr>
-              <a:t>Left Bumper &amp; Left Stick -Y – Robot to Left Diagonal Down</a:t>
+              <a:t>Left Bumper, Right Bumper &amp; X is to stop both platform &amp; </a:t>
             </a:r>
-            <a:endParaRPr/>
-          </a:p>
-          <a:p>
-            <a:pPr marL="342900" marR="0" lvl="0" indent="-342900" algn="l" rtl="0">
-              <a:spcBef>
-                <a:spcPts val="600"/>
-              </a:spcBef>
-              <a:spcAft>
-                <a:spcPts val="0"/>
-              </a:spcAft>
-              <a:buClr>
-                <a:srgbClr val="00B0F0"/>
-              </a:buClr>
-              <a:buSzPts val="1600"/>
-              <a:buFont typeface="Calibri"/>
-              <a:buAutoNum type="arabicPeriod"/>
-            </a:pPr>
             <a:r>
-              <a:rPr lang="en-US" sz="1600" b="0" i="0" u="none" strike="noStrike" cap="none">
+              <a:rPr lang="en-US" dirty="0" err="1">
                 <a:solidFill>
                   <a:srgbClr val="00B0F0"/>
                 </a:solidFill>
@@ -13058,27 +12800,10 @@
                 <a:cs typeface="Calibri"/>
                 <a:sym typeface="Calibri"/>
               </a:rPr>
-              <a:t>Right Bumper &amp; Right Stick +Y – Robot to Right Diagonal Up</a:t>
+              <a:t>T</a:t>
             </a:r>
-            <a:endParaRPr/>
-          </a:p>
-          <a:p>
-            <a:pPr marL="342900" marR="0" lvl="0" indent="-342900" algn="l" rtl="0">
-              <a:spcBef>
-                <a:spcPts val="600"/>
-              </a:spcBef>
-              <a:spcAft>
-                <a:spcPts val="0"/>
-              </a:spcAft>
-              <a:buClr>
-                <a:srgbClr val="00B0F0"/>
-              </a:buClr>
-              <a:buSzPts val="1600"/>
-              <a:buFont typeface="Calibri"/>
-              <a:buAutoNum type="arabicPeriod"/>
-            </a:pPr>
             <a:r>
-              <a:rPr lang="en-US" sz="1600" b="0" i="0" u="none" strike="noStrike" cap="none">
+              <a:rPr lang="en-US" b="0" i="0" u="none" strike="noStrike" cap="none" dirty="0" err="1">
                 <a:solidFill>
                   <a:srgbClr val="00B0F0"/>
                 </a:solidFill>
@@ -13087,9 +12812,9 @@
                 <a:cs typeface="Calibri"/>
                 <a:sym typeface="Calibri"/>
               </a:rPr>
-              <a:t>Right Bumper &amp; Right Stick +Y – Robot to Right Diagonal Down</a:t>
+              <a:t>ophat</a:t>
             </a:r>
-            <a:endParaRPr/>
+            <a:endParaRPr lang="en-US" sz="1200" dirty="0"/>
           </a:p>
           <a:p>
             <a:pPr marL="342900" marR="0" lvl="0" indent="-342900" algn="l" rtl="0">
@@ -13107,7 +12832,7 @@
               <a:buAutoNum type="arabicPeriod"/>
             </a:pPr>
             <a:r>
-              <a:rPr lang="en-US" sz="1600" b="0" i="0" u="none" strike="noStrike" cap="none">
+              <a:rPr lang="en-US" b="0" i="0" u="none" strike="noStrike" cap="none" dirty="0">
                 <a:solidFill>
                   <a:srgbClr val="00B0F0"/>
                 </a:solidFill>
@@ -13116,9 +12841,9 @@
                 <a:cs typeface="Calibri"/>
                 <a:sym typeface="Calibri"/>
               </a:rPr>
-              <a:t>Right Stick +X – Robot to Right</a:t>
+              <a:t>Left Stick X&amp;Y and Right Stick X is for Platform Navigation Manually</a:t>
             </a:r>
-            <a:endParaRPr/>
+            <a:endParaRPr lang="en-US" sz="1200" dirty="0"/>
           </a:p>
           <a:p>
             <a:pPr marL="342900" marR="0" lvl="0" indent="-342900" algn="l" rtl="0">
@@ -13136,7 +12861,7 @@
               <a:buAutoNum type="arabicPeriod"/>
             </a:pPr>
             <a:r>
-              <a:rPr lang="en-US" sz="1600" b="0" i="0" u="none" strike="noStrike" cap="none">
+              <a:rPr lang="en-US" b="0" i="0" u="none" strike="noStrike" cap="none" dirty="0">
                 <a:solidFill>
                   <a:srgbClr val="00B0F0"/>
                 </a:solidFill>
@@ -13145,9 +12870,9 @@
                 <a:cs typeface="Calibri"/>
                 <a:sym typeface="Calibri"/>
               </a:rPr>
-              <a:t>Right Stick -X – Robot to Left</a:t>
+              <a:t>Left Bumper, Right Bumper, Left Trigger, Right Trigger &amp; X is Robot Reset</a:t>
             </a:r>
-            <a:endParaRPr/>
+            <a:endParaRPr lang="en-US" sz="1200" dirty="0"/>
           </a:p>
           <a:p>
             <a:pPr marL="342900" marR="0" lvl="0" indent="-342900" algn="l" rtl="0">
@@ -13165,7 +12890,7 @@
               <a:buAutoNum type="arabicPeriod"/>
             </a:pPr>
             <a:r>
-              <a:rPr lang="en-US" sz="1600" b="0" i="0" u="none" strike="noStrike" cap="none">
+              <a:rPr lang="en-US" b="0" i="0" u="none" strike="noStrike" cap="none" dirty="0">
                 <a:solidFill>
                   <a:srgbClr val="00B0F0"/>
                 </a:solidFill>
@@ -13174,27 +12899,10 @@
                 <a:cs typeface="Calibri"/>
                 <a:sym typeface="Calibri"/>
               </a:rPr>
-              <a:t>Left Stick +X – Robot to Right Turn</a:t>
+              <a:t>Left Bumper, Right Bumper &amp; Y to resume High Junction Cone Pickup from </a:t>
             </a:r>
-            <a:endParaRPr/>
-          </a:p>
-          <a:p>
-            <a:pPr marL="342900" marR="0" lvl="0" indent="-342900" algn="l" rtl="0">
-              <a:spcBef>
-                <a:spcPts val="600"/>
-              </a:spcBef>
-              <a:spcAft>
-                <a:spcPts val="0"/>
-              </a:spcAft>
-              <a:buClr>
-                <a:srgbClr val="00B0F0"/>
-              </a:buClr>
-              <a:buSzPts val="1600"/>
-              <a:buFont typeface="Calibri"/>
-              <a:buAutoNum type="arabicPeriod"/>
-            </a:pPr>
             <a:r>
-              <a:rPr lang="en-US" sz="1600" b="0" i="0" u="none" strike="noStrike" cap="none">
+              <a:rPr lang="en-US" b="0" i="0" u="none" strike="noStrike" cap="none" dirty="0" err="1">
                 <a:solidFill>
                   <a:srgbClr val="00B0F0"/>
                 </a:solidFill>
@@ -13203,27 +12911,10 @@
                 <a:cs typeface="Calibri"/>
                 <a:sym typeface="Calibri"/>
               </a:rPr>
-              <a:t>Left Stick -X – Robot to Left Turn</a:t>
+              <a:t>Auton</a:t>
             </a:r>
-            <a:endParaRPr/>
-          </a:p>
-          <a:p>
-            <a:pPr marL="342900" marR="0" lvl="0" indent="-342900" algn="l" rtl="0">
-              <a:spcBef>
-                <a:spcPts val="600"/>
-              </a:spcBef>
-              <a:spcAft>
-                <a:spcPts val="0"/>
-              </a:spcAft>
-              <a:buClr>
-                <a:srgbClr val="00B0F0"/>
-              </a:buClr>
-              <a:buSzPts val="1600"/>
-              <a:buFont typeface="Calibri"/>
-              <a:buAutoNum type="arabicPeriod"/>
-            </a:pPr>
             <a:r>
-              <a:rPr lang="en-US" sz="1600" b="0" i="0" u="none" strike="noStrike" cap="none">
+              <a:rPr lang="en-US" b="0" i="0" u="none" strike="noStrike" cap="none" dirty="0">
                 <a:solidFill>
                   <a:srgbClr val="00B0F0"/>
                 </a:solidFill>
@@ -13232,27 +12923,10 @@
                 <a:cs typeface="Calibri"/>
                 <a:sym typeface="Calibri"/>
               </a:rPr>
-              <a:t>B – Enable Turbo Speed Mode</a:t>
+              <a:t> to </a:t>
             </a:r>
-            <a:endParaRPr/>
-          </a:p>
-          <a:p>
-            <a:pPr marL="342900" marR="0" lvl="0" indent="-342900" algn="l" rtl="0">
-              <a:spcBef>
-                <a:spcPts val="600"/>
-              </a:spcBef>
-              <a:spcAft>
-                <a:spcPts val="0"/>
-              </a:spcAft>
-              <a:buClr>
-                <a:srgbClr val="00B0F0"/>
-              </a:buClr>
-              <a:buSzPts val="1600"/>
-              <a:buFont typeface="Calibri"/>
-              <a:buAutoNum type="arabicPeriod"/>
-            </a:pPr>
             <a:r>
-              <a:rPr lang="en-US" sz="1600" b="0" i="0" u="none" strike="noStrike" cap="none">
+              <a:rPr lang="en-US" b="0" i="0" u="none" strike="noStrike" cap="none" dirty="0" err="1">
                 <a:solidFill>
                   <a:srgbClr val="00B0F0"/>
                 </a:solidFill>
@@ -13261,9 +12935,9 @@
                 <a:cs typeface="Calibri"/>
                 <a:sym typeface="Calibri"/>
               </a:rPr>
-              <a:t>X – Disable Turbo Speed Mode</a:t>
+              <a:t>TeleOp</a:t>
             </a:r>
-            <a:endParaRPr/>
+            <a:endParaRPr sz="1200" dirty="0"/>
           </a:p>
           <a:p>
             <a:pPr marL="342900" marR="0" lvl="0" indent="-342900" algn="l" rtl="0">
@@ -13281,7 +12955,7 @@
               <a:buAutoNum type="arabicPeriod"/>
             </a:pPr>
             <a:r>
-              <a:rPr lang="en-US" sz="1600" b="0" i="0" u="none" strike="noStrike" cap="none">
+              <a:rPr lang="en-US" b="0" i="0" u="none" strike="noStrike" cap="none" dirty="0">
                 <a:solidFill>
                   <a:srgbClr val="00B0F0"/>
                 </a:solidFill>
@@ -13290,27 +12964,10 @@
                 <a:cs typeface="Calibri"/>
                 <a:sym typeface="Calibri"/>
               </a:rPr>
-              <a:t>Y – Red Alliance Carousel</a:t>
+              <a:t>Left Bumper, Right Bumper &amp; B to resume Medium Junction Cone Pickup from </a:t>
             </a:r>
-            <a:endParaRPr/>
-          </a:p>
-          <a:p>
-            <a:pPr marL="342900" marR="0" lvl="0" indent="-342900" algn="l" rtl="0">
-              <a:spcBef>
-                <a:spcPts val="600"/>
-              </a:spcBef>
-              <a:spcAft>
-                <a:spcPts val="0"/>
-              </a:spcAft>
-              <a:buClr>
-                <a:srgbClr val="00B0F0"/>
-              </a:buClr>
-              <a:buSzPts val="1600"/>
-              <a:buFont typeface="Calibri"/>
-              <a:buAutoNum type="arabicPeriod"/>
-            </a:pPr>
             <a:r>
-              <a:rPr lang="en-US" sz="1600" b="0" i="0" u="none" strike="noStrike" cap="none">
+              <a:rPr lang="en-US" b="0" i="0" u="none" strike="noStrike" cap="none" dirty="0" err="1">
                 <a:solidFill>
                   <a:srgbClr val="00B0F0"/>
                 </a:solidFill>
@@ -13319,9 +12976,33 @@
                 <a:cs typeface="Calibri"/>
                 <a:sym typeface="Calibri"/>
               </a:rPr>
-              <a:t>A – Blue Alliance Carousel</a:t>
+              <a:t>Auton</a:t>
             </a:r>
-            <a:endParaRPr/>
+            <a:r>
+              <a:rPr lang="en-US" b="0" i="0" u="none" strike="noStrike" cap="none" dirty="0">
+                <a:solidFill>
+                  <a:srgbClr val="00B0F0"/>
+                </a:solidFill>
+                <a:latin typeface="Calibri"/>
+                <a:ea typeface="Calibri"/>
+                <a:cs typeface="Calibri"/>
+                <a:sym typeface="Calibri"/>
+              </a:rPr>
+              <a:t> to </a:t>
+            </a:r>
+            <a:r>
+              <a:rPr lang="en-US" b="0" i="0" u="none" strike="noStrike" cap="none" dirty="0" err="1">
+                <a:solidFill>
+                  <a:srgbClr val="00B0F0"/>
+                </a:solidFill>
+                <a:latin typeface="Calibri"/>
+                <a:ea typeface="Calibri"/>
+                <a:cs typeface="Calibri"/>
+                <a:sym typeface="Calibri"/>
+              </a:rPr>
+              <a:t>TeleOp</a:t>
+            </a:r>
+            <a:endParaRPr sz="1200" dirty="0"/>
           </a:p>
         </p:txBody>
       </p:sp>
@@ -13334,4095 +13015,6 @@
 </file>
 
 <file path=ppt/slides/slide2.xml><?xml version="1.0" encoding="utf-8"?>
-<p:sld xmlns:a="http://schemas.openxmlformats.org/drawingml/2006/main" xmlns:r="http://schemas.openxmlformats.org/officeDocument/2006/relationships" xmlns:p="http://schemas.openxmlformats.org/presentationml/2006/main">
-  <p:cSld>
-    <p:spTree>
-      <p:nvGrpSpPr>
-        <p:cNvPr id="1" name="Shape 126"/>
-        <p:cNvGrpSpPr/>
-        <p:nvPr/>
-      </p:nvGrpSpPr>
-      <p:grpSpPr>
-        <a:xfrm>
-          <a:off x="0" y="0"/>
-          <a:ext cx="0" cy="0"/>
-          <a:chOff x="0" y="0"/>
-          <a:chExt cx="0" cy="0"/>
-        </a:xfrm>
-      </p:grpSpPr>
-      <p:grpSp>
-        <p:nvGrpSpPr>
-          <p:cNvPr id="127" name="Google Shape;127;p2"/>
-          <p:cNvGrpSpPr/>
-          <p:nvPr/>
-        </p:nvGrpSpPr>
-        <p:grpSpPr>
-          <a:xfrm>
-            <a:off x="1595307" y="2986102"/>
-            <a:ext cx="1744905" cy="1304700"/>
-            <a:chOff x="1595307" y="2986102"/>
-            <a:chExt cx="1744905" cy="1304700"/>
-          </a:xfrm>
-        </p:grpSpPr>
-        <p:cxnSp>
-          <p:nvCxnSpPr>
-            <p:cNvPr id="128" name="Google Shape;128;p2"/>
-            <p:cNvCxnSpPr/>
-            <p:nvPr/>
-          </p:nvCxnSpPr>
-          <p:spPr>
-            <a:xfrm>
-              <a:off x="1971413" y="3632433"/>
-              <a:ext cx="1023457" cy="0"/>
-            </a:xfrm>
-            <a:prstGeom prst="straightConnector1">
-              <a:avLst/>
-            </a:prstGeom>
-            <a:noFill/>
-            <a:ln w="28575" cap="flat" cmpd="sng">
-              <a:solidFill>
-                <a:srgbClr val="00B0F0"/>
-              </a:solidFill>
-              <a:prstDash val="solid"/>
-              <a:miter lim="800000"/>
-              <a:headEnd type="triangle" w="med" len="med"/>
-              <a:tailEnd type="triangle" w="med" len="med"/>
-            </a:ln>
-          </p:spPr>
-        </p:cxnSp>
-        <p:cxnSp>
-          <p:nvCxnSpPr>
-            <p:cNvPr id="129" name="Google Shape;129;p2"/>
-            <p:cNvCxnSpPr/>
-            <p:nvPr/>
-          </p:nvCxnSpPr>
-          <p:spPr>
-            <a:xfrm>
-              <a:off x="2459372" y="3300401"/>
-              <a:ext cx="0" cy="697619"/>
-            </a:xfrm>
-            <a:prstGeom prst="straightConnector1">
-              <a:avLst/>
-            </a:prstGeom>
-            <a:noFill/>
-            <a:ln w="28575" cap="flat" cmpd="sng">
-              <a:solidFill>
-                <a:srgbClr val="00B0F0"/>
-              </a:solidFill>
-              <a:prstDash val="solid"/>
-              <a:miter lim="800000"/>
-              <a:headEnd type="triangle" w="med" len="med"/>
-              <a:tailEnd type="triangle" w="med" len="med"/>
-            </a:ln>
-          </p:spPr>
-        </p:cxnSp>
-        <p:sp>
-          <p:nvSpPr>
-            <p:cNvPr id="130" name="Google Shape;130;p2"/>
-            <p:cNvSpPr txBox="1"/>
-            <p:nvPr/>
-          </p:nvSpPr>
-          <p:spPr>
-            <a:xfrm>
-              <a:off x="2878822" y="3429000"/>
-              <a:ext cx="461390" cy="369332"/>
-            </a:xfrm>
-            <a:prstGeom prst="rect">
-              <a:avLst/>
-            </a:prstGeom>
-            <a:noFill/>
-            <a:ln>
-              <a:noFill/>
-            </a:ln>
-          </p:spPr>
-          <p:txBody>
-            <a:bodyPr spcFirstLastPara="1" wrap="square" lIns="91425" tIns="45700" rIns="91425" bIns="45700" anchor="ctr" anchorCtr="0">
-              <a:spAutoFit/>
-            </a:bodyPr>
-            <a:lstStyle/>
-            <a:p>
-              <a:pPr marL="0" marR="0" lvl="0" indent="0" algn="ctr" rtl="0">
-                <a:spcBef>
-                  <a:spcPts val="0"/>
-                </a:spcBef>
-                <a:spcAft>
-                  <a:spcPts val="0"/>
-                </a:spcAft>
-                <a:buNone/>
-              </a:pPr>
-              <a:r>
-                <a:rPr lang="en-US" sz="1800" b="0" i="0" u="none" strike="noStrike" cap="none">
-                  <a:solidFill>
-                    <a:schemeClr val="lt1"/>
-                  </a:solidFill>
-                  <a:latin typeface="Calibri"/>
-                  <a:ea typeface="Calibri"/>
-                  <a:cs typeface="Calibri"/>
-                  <a:sym typeface="Calibri"/>
-                </a:rPr>
-                <a:t>+X</a:t>
-              </a:r>
-              <a:endParaRPr/>
-            </a:p>
-          </p:txBody>
-        </p:sp>
-        <p:sp>
-          <p:nvSpPr>
-            <p:cNvPr id="131" name="Google Shape;131;p2"/>
-            <p:cNvSpPr txBox="1"/>
-            <p:nvPr/>
-          </p:nvSpPr>
-          <p:spPr>
-            <a:xfrm>
-              <a:off x="1595307" y="3447766"/>
-              <a:ext cx="440421" cy="369332"/>
-            </a:xfrm>
-            <a:prstGeom prst="rect">
-              <a:avLst/>
-            </a:prstGeom>
-            <a:noFill/>
-            <a:ln>
-              <a:noFill/>
-            </a:ln>
-          </p:spPr>
-          <p:txBody>
-            <a:bodyPr spcFirstLastPara="1" wrap="square" lIns="91425" tIns="45700" rIns="91425" bIns="45700" anchor="ctr" anchorCtr="0">
-              <a:spAutoFit/>
-            </a:bodyPr>
-            <a:lstStyle/>
-            <a:p>
-              <a:pPr marL="0" marR="0" lvl="0" indent="0" algn="ctr" rtl="0">
-                <a:spcBef>
-                  <a:spcPts val="0"/>
-                </a:spcBef>
-                <a:spcAft>
-                  <a:spcPts val="0"/>
-                </a:spcAft>
-                <a:buNone/>
-              </a:pPr>
-              <a:r>
-                <a:rPr lang="en-US" sz="1800" b="0" i="0" u="none" strike="noStrike" cap="none">
-                  <a:solidFill>
-                    <a:schemeClr val="lt1"/>
-                  </a:solidFill>
-                  <a:latin typeface="Calibri"/>
-                  <a:ea typeface="Calibri"/>
-                  <a:cs typeface="Calibri"/>
-                  <a:sym typeface="Calibri"/>
-                </a:rPr>
-                <a:t>-X</a:t>
-              </a:r>
-              <a:endParaRPr/>
-            </a:p>
-          </p:txBody>
-        </p:sp>
-        <p:sp>
-          <p:nvSpPr>
-            <p:cNvPr id="132" name="Google Shape;132;p2"/>
-            <p:cNvSpPr txBox="1"/>
-            <p:nvPr/>
-          </p:nvSpPr>
-          <p:spPr>
-            <a:xfrm>
-              <a:off x="2181136" y="2986102"/>
-              <a:ext cx="461391" cy="369332"/>
-            </a:xfrm>
-            <a:prstGeom prst="rect">
-              <a:avLst/>
-            </a:prstGeom>
-            <a:noFill/>
-            <a:ln>
-              <a:noFill/>
-            </a:ln>
-          </p:spPr>
-          <p:txBody>
-            <a:bodyPr spcFirstLastPara="1" wrap="square" lIns="91425" tIns="45700" rIns="91425" bIns="45700" anchor="ctr" anchorCtr="0">
-              <a:spAutoFit/>
-            </a:bodyPr>
-            <a:lstStyle/>
-            <a:p>
-              <a:pPr marL="0" marR="0" lvl="0" indent="0" algn="ctr" rtl="0">
-                <a:spcBef>
-                  <a:spcPts val="0"/>
-                </a:spcBef>
-                <a:spcAft>
-                  <a:spcPts val="0"/>
-                </a:spcAft>
-                <a:buNone/>
-              </a:pPr>
-              <a:r>
-                <a:rPr lang="en-US" sz="1800" b="0" i="0" u="none" strike="noStrike" cap="none">
-                  <a:solidFill>
-                    <a:schemeClr val="lt1"/>
-                  </a:solidFill>
-                  <a:latin typeface="Calibri"/>
-                  <a:ea typeface="Calibri"/>
-                  <a:cs typeface="Calibri"/>
-                  <a:sym typeface="Calibri"/>
-                </a:rPr>
-                <a:t>+Y</a:t>
-              </a:r>
-              <a:endParaRPr/>
-            </a:p>
-          </p:txBody>
-        </p:sp>
-        <p:sp>
-          <p:nvSpPr>
-            <p:cNvPr id="133" name="Google Shape;133;p2"/>
-            <p:cNvSpPr txBox="1"/>
-            <p:nvPr/>
-          </p:nvSpPr>
-          <p:spPr>
-            <a:xfrm>
-              <a:off x="2199312" y="3921470"/>
-              <a:ext cx="457203" cy="369332"/>
-            </a:xfrm>
-            <a:prstGeom prst="rect">
-              <a:avLst/>
-            </a:prstGeom>
-            <a:noFill/>
-            <a:ln>
-              <a:noFill/>
-            </a:ln>
-          </p:spPr>
-          <p:txBody>
-            <a:bodyPr spcFirstLastPara="1" wrap="square" lIns="91425" tIns="45700" rIns="91425" bIns="45700" anchor="ctr" anchorCtr="0">
-              <a:spAutoFit/>
-            </a:bodyPr>
-            <a:lstStyle/>
-            <a:p>
-              <a:pPr marL="0" marR="0" lvl="0" indent="0" algn="ctr" rtl="0">
-                <a:spcBef>
-                  <a:spcPts val="0"/>
-                </a:spcBef>
-                <a:spcAft>
-                  <a:spcPts val="0"/>
-                </a:spcAft>
-                <a:buNone/>
-              </a:pPr>
-              <a:r>
-                <a:rPr lang="en-US" sz="1800" b="0" i="0" u="none" strike="noStrike" cap="none">
-                  <a:solidFill>
-                    <a:schemeClr val="lt1"/>
-                  </a:solidFill>
-                  <a:latin typeface="Calibri"/>
-                  <a:ea typeface="Calibri"/>
-                  <a:cs typeface="Calibri"/>
-                  <a:sym typeface="Calibri"/>
-                </a:rPr>
-                <a:t>-Y</a:t>
-              </a:r>
-              <a:endParaRPr/>
-            </a:p>
-          </p:txBody>
-        </p:sp>
-      </p:grpSp>
-      <p:grpSp>
-        <p:nvGrpSpPr>
-          <p:cNvPr id="134" name="Google Shape;134;p2"/>
-          <p:cNvGrpSpPr/>
-          <p:nvPr/>
-        </p:nvGrpSpPr>
-        <p:grpSpPr>
-          <a:xfrm>
-            <a:off x="3219542" y="2961316"/>
-            <a:ext cx="1744905" cy="1304700"/>
-            <a:chOff x="1595307" y="2986102"/>
-            <a:chExt cx="1744905" cy="1304700"/>
-          </a:xfrm>
-        </p:grpSpPr>
-        <p:cxnSp>
-          <p:nvCxnSpPr>
-            <p:cNvPr id="135" name="Google Shape;135;p2"/>
-            <p:cNvCxnSpPr/>
-            <p:nvPr/>
-          </p:nvCxnSpPr>
-          <p:spPr>
-            <a:xfrm>
-              <a:off x="1971413" y="3632433"/>
-              <a:ext cx="1023457" cy="0"/>
-            </a:xfrm>
-            <a:prstGeom prst="straightConnector1">
-              <a:avLst/>
-            </a:prstGeom>
-            <a:noFill/>
-            <a:ln w="28575" cap="flat" cmpd="sng">
-              <a:solidFill>
-                <a:srgbClr val="00B0F0"/>
-              </a:solidFill>
-              <a:prstDash val="solid"/>
-              <a:miter lim="800000"/>
-              <a:headEnd type="triangle" w="med" len="med"/>
-              <a:tailEnd type="triangle" w="med" len="med"/>
-            </a:ln>
-          </p:spPr>
-        </p:cxnSp>
-        <p:cxnSp>
-          <p:nvCxnSpPr>
-            <p:cNvPr id="136" name="Google Shape;136;p2"/>
-            <p:cNvCxnSpPr/>
-            <p:nvPr/>
-          </p:nvCxnSpPr>
-          <p:spPr>
-            <a:xfrm>
-              <a:off x="2459372" y="3300401"/>
-              <a:ext cx="0" cy="697619"/>
-            </a:xfrm>
-            <a:prstGeom prst="straightConnector1">
-              <a:avLst/>
-            </a:prstGeom>
-            <a:noFill/>
-            <a:ln w="28575" cap="flat" cmpd="sng">
-              <a:solidFill>
-                <a:srgbClr val="00B0F0"/>
-              </a:solidFill>
-              <a:prstDash val="solid"/>
-              <a:miter lim="800000"/>
-              <a:headEnd type="triangle" w="med" len="med"/>
-              <a:tailEnd type="triangle" w="med" len="med"/>
-            </a:ln>
-          </p:spPr>
-        </p:cxnSp>
-        <p:sp>
-          <p:nvSpPr>
-            <p:cNvPr id="137" name="Google Shape;137;p2"/>
-            <p:cNvSpPr txBox="1"/>
-            <p:nvPr/>
-          </p:nvSpPr>
-          <p:spPr>
-            <a:xfrm>
-              <a:off x="2878822" y="3429000"/>
-              <a:ext cx="461390" cy="369332"/>
-            </a:xfrm>
-            <a:prstGeom prst="rect">
-              <a:avLst/>
-            </a:prstGeom>
-            <a:noFill/>
-            <a:ln>
-              <a:noFill/>
-            </a:ln>
-          </p:spPr>
-          <p:txBody>
-            <a:bodyPr spcFirstLastPara="1" wrap="square" lIns="91425" tIns="45700" rIns="91425" bIns="45700" anchor="ctr" anchorCtr="0">
-              <a:spAutoFit/>
-            </a:bodyPr>
-            <a:lstStyle/>
-            <a:p>
-              <a:pPr marL="0" marR="0" lvl="0" indent="0" algn="ctr" rtl="0">
-                <a:spcBef>
-                  <a:spcPts val="0"/>
-                </a:spcBef>
-                <a:spcAft>
-                  <a:spcPts val="0"/>
-                </a:spcAft>
-                <a:buNone/>
-              </a:pPr>
-              <a:r>
-                <a:rPr lang="en-US" sz="1800" b="0" i="0" u="none" strike="noStrike" cap="none">
-                  <a:solidFill>
-                    <a:schemeClr val="lt1"/>
-                  </a:solidFill>
-                  <a:latin typeface="Calibri"/>
-                  <a:ea typeface="Calibri"/>
-                  <a:cs typeface="Calibri"/>
-                  <a:sym typeface="Calibri"/>
-                </a:rPr>
-                <a:t>+X</a:t>
-              </a:r>
-              <a:endParaRPr/>
-            </a:p>
-          </p:txBody>
-        </p:sp>
-        <p:sp>
-          <p:nvSpPr>
-            <p:cNvPr id="138" name="Google Shape;138;p2"/>
-            <p:cNvSpPr txBox="1"/>
-            <p:nvPr/>
-          </p:nvSpPr>
-          <p:spPr>
-            <a:xfrm>
-              <a:off x="1595307" y="3447766"/>
-              <a:ext cx="440421" cy="369332"/>
-            </a:xfrm>
-            <a:prstGeom prst="rect">
-              <a:avLst/>
-            </a:prstGeom>
-            <a:noFill/>
-            <a:ln>
-              <a:noFill/>
-            </a:ln>
-          </p:spPr>
-          <p:txBody>
-            <a:bodyPr spcFirstLastPara="1" wrap="square" lIns="91425" tIns="45700" rIns="91425" bIns="45700" anchor="ctr" anchorCtr="0">
-              <a:spAutoFit/>
-            </a:bodyPr>
-            <a:lstStyle/>
-            <a:p>
-              <a:pPr marL="0" marR="0" lvl="0" indent="0" algn="ctr" rtl="0">
-                <a:spcBef>
-                  <a:spcPts val="0"/>
-                </a:spcBef>
-                <a:spcAft>
-                  <a:spcPts val="0"/>
-                </a:spcAft>
-                <a:buNone/>
-              </a:pPr>
-              <a:r>
-                <a:rPr lang="en-US" sz="1800" b="0" i="0" u="none" strike="noStrike" cap="none">
-                  <a:solidFill>
-                    <a:schemeClr val="lt1"/>
-                  </a:solidFill>
-                  <a:latin typeface="Calibri"/>
-                  <a:ea typeface="Calibri"/>
-                  <a:cs typeface="Calibri"/>
-                  <a:sym typeface="Calibri"/>
-                </a:rPr>
-                <a:t>-X</a:t>
-              </a:r>
-              <a:endParaRPr/>
-            </a:p>
-          </p:txBody>
-        </p:sp>
-        <p:sp>
-          <p:nvSpPr>
-            <p:cNvPr id="139" name="Google Shape;139;p2"/>
-            <p:cNvSpPr txBox="1"/>
-            <p:nvPr/>
-          </p:nvSpPr>
-          <p:spPr>
-            <a:xfrm>
-              <a:off x="2181136" y="2986102"/>
-              <a:ext cx="461391" cy="369332"/>
-            </a:xfrm>
-            <a:prstGeom prst="rect">
-              <a:avLst/>
-            </a:prstGeom>
-            <a:noFill/>
-            <a:ln>
-              <a:noFill/>
-            </a:ln>
-          </p:spPr>
-          <p:txBody>
-            <a:bodyPr spcFirstLastPara="1" wrap="square" lIns="91425" tIns="45700" rIns="91425" bIns="45700" anchor="ctr" anchorCtr="0">
-              <a:spAutoFit/>
-            </a:bodyPr>
-            <a:lstStyle/>
-            <a:p>
-              <a:pPr marL="0" marR="0" lvl="0" indent="0" algn="ctr" rtl="0">
-                <a:spcBef>
-                  <a:spcPts val="0"/>
-                </a:spcBef>
-                <a:spcAft>
-                  <a:spcPts val="0"/>
-                </a:spcAft>
-                <a:buNone/>
-              </a:pPr>
-              <a:r>
-                <a:rPr lang="en-US" sz="1800" b="0" i="0" u="none" strike="noStrike" cap="none">
-                  <a:solidFill>
-                    <a:schemeClr val="lt1"/>
-                  </a:solidFill>
-                  <a:latin typeface="Calibri"/>
-                  <a:ea typeface="Calibri"/>
-                  <a:cs typeface="Calibri"/>
-                  <a:sym typeface="Calibri"/>
-                </a:rPr>
-                <a:t>+Y</a:t>
-              </a:r>
-              <a:endParaRPr/>
-            </a:p>
-          </p:txBody>
-        </p:sp>
-        <p:sp>
-          <p:nvSpPr>
-            <p:cNvPr id="140" name="Google Shape;140;p2"/>
-            <p:cNvSpPr txBox="1"/>
-            <p:nvPr/>
-          </p:nvSpPr>
-          <p:spPr>
-            <a:xfrm>
-              <a:off x="2199312" y="3921470"/>
-              <a:ext cx="457203" cy="369332"/>
-            </a:xfrm>
-            <a:prstGeom prst="rect">
-              <a:avLst/>
-            </a:prstGeom>
-            <a:noFill/>
-            <a:ln>
-              <a:noFill/>
-            </a:ln>
-          </p:spPr>
-          <p:txBody>
-            <a:bodyPr spcFirstLastPara="1" wrap="square" lIns="91425" tIns="45700" rIns="91425" bIns="45700" anchor="ctr" anchorCtr="0">
-              <a:spAutoFit/>
-            </a:bodyPr>
-            <a:lstStyle/>
-            <a:p>
-              <a:pPr marL="0" marR="0" lvl="0" indent="0" algn="ctr" rtl="0">
-                <a:spcBef>
-                  <a:spcPts val="0"/>
-                </a:spcBef>
-                <a:spcAft>
-                  <a:spcPts val="0"/>
-                </a:spcAft>
-                <a:buNone/>
-              </a:pPr>
-              <a:r>
-                <a:rPr lang="en-US" sz="1800" b="0" i="0" u="none" strike="noStrike" cap="none">
-                  <a:solidFill>
-                    <a:schemeClr val="lt1"/>
-                  </a:solidFill>
-                  <a:latin typeface="Calibri"/>
-                  <a:ea typeface="Calibri"/>
-                  <a:cs typeface="Calibri"/>
-                  <a:sym typeface="Calibri"/>
-                </a:rPr>
-                <a:t>-Y</a:t>
-              </a:r>
-              <a:endParaRPr/>
-            </a:p>
-          </p:txBody>
-        </p:sp>
-      </p:grpSp>
-      <p:sp>
-        <p:nvSpPr>
-          <p:cNvPr id="141" name="Google Shape;141;p2"/>
-          <p:cNvSpPr/>
-          <p:nvPr/>
-        </p:nvSpPr>
-        <p:spPr>
-          <a:xfrm>
-            <a:off x="1769693" y="4201453"/>
-            <a:ext cx="1449849" cy="344546"/>
-          </a:xfrm>
-          <a:prstGeom prst="ellipse">
-            <a:avLst/>
-          </a:prstGeom>
-          <a:noFill/>
-          <a:ln>
-            <a:noFill/>
-          </a:ln>
-        </p:spPr>
-        <p:txBody>
-          <a:bodyPr spcFirstLastPara="1" wrap="square" lIns="91425" tIns="45700" rIns="91425" bIns="45700" anchor="ctr" anchorCtr="0">
-            <a:noAutofit/>
-          </a:bodyPr>
-          <a:lstStyle/>
-          <a:p>
-            <a:pPr marL="0" marR="0" lvl="0" indent="0" algn="ctr" rtl="0">
-              <a:spcBef>
-                <a:spcPts val="0"/>
-              </a:spcBef>
-              <a:spcAft>
-                <a:spcPts val="0"/>
-              </a:spcAft>
-              <a:buNone/>
-            </a:pPr>
-            <a:r>
-              <a:rPr lang="en-US" sz="1600" b="0" i="0" u="none" strike="noStrike" cap="none">
-                <a:solidFill>
-                  <a:srgbClr val="00B0F0"/>
-                </a:solidFill>
-                <a:latin typeface="Calibri"/>
-                <a:ea typeface="Calibri"/>
-                <a:cs typeface="Calibri"/>
-                <a:sym typeface="Calibri"/>
-              </a:rPr>
-              <a:t>Left Stick</a:t>
-            </a:r>
-            <a:endParaRPr/>
-          </a:p>
-        </p:txBody>
-      </p:sp>
-      <p:sp>
-        <p:nvSpPr>
-          <p:cNvPr id="142" name="Google Shape;142;p2"/>
-          <p:cNvSpPr/>
-          <p:nvPr/>
-        </p:nvSpPr>
-        <p:spPr>
-          <a:xfrm>
-            <a:off x="3219542" y="4231761"/>
-            <a:ext cx="1588989" cy="344546"/>
-          </a:xfrm>
-          <a:prstGeom prst="ellipse">
-            <a:avLst/>
-          </a:prstGeom>
-          <a:noFill/>
-          <a:ln>
-            <a:noFill/>
-          </a:ln>
-        </p:spPr>
-        <p:txBody>
-          <a:bodyPr spcFirstLastPara="1" wrap="square" lIns="91425" tIns="45700" rIns="91425" bIns="45700" anchor="ctr" anchorCtr="0">
-            <a:noAutofit/>
-          </a:bodyPr>
-          <a:lstStyle/>
-          <a:p>
-            <a:pPr marL="0" marR="0" lvl="0" indent="0" algn="ctr" rtl="0">
-              <a:spcBef>
-                <a:spcPts val="0"/>
-              </a:spcBef>
-              <a:spcAft>
-                <a:spcPts val="0"/>
-              </a:spcAft>
-              <a:buNone/>
-            </a:pPr>
-            <a:r>
-              <a:rPr lang="en-US" sz="1600" b="0" i="0" u="none" strike="noStrike" cap="none">
-                <a:solidFill>
-                  <a:srgbClr val="00B0F0"/>
-                </a:solidFill>
-                <a:latin typeface="Calibri"/>
-                <a:ea typeface="Calibri"/>
-                <a:cs typeface="Calibri"/>
-                <a:sym typeface="Calibri"/>
-              </a:rPr>
-              <a:t>Right Stick</a:t>
-            </a:r>
-            <a:endParaRPr/>
-          </a:p>
-        </p:txBody>
-      </p:sp>
-      <p:grpSp>
-        <p:nvGrpSpPr>
-          <p:cNvPr id="143" name="Google Shape;143;p2"/>
-          <p:cNvGrpSpPr/>
-          <p:nvPr/>
-        </p:nvGrpSpPr>
-        <p:grpSpPr>
-          <a:xfrm>
-            <a:off x="727260" y="2118702"/>
-            <a:ext cx="2112941" cy="1212368"/>
-            <a:chOff x="1504855" y="3032268"/>
-            <a:chExt cx="2112941" cy="1212368"/>
-          </a:xfrm>
-        </p:grpSpPr>
-        <p:cxnSp>
-          <p:nvCxnSpPr>
-            <p:cNvPr id="144" name="Google Shape;144;p2"/>
-            <p:cNvCxnSpPr/>
-            <p:nvPr/>
-          </p:nvCxnSpPr>
-          <p:spPr>
-            <a:xfrm>
-              <a:off x="1971413" y="3632433"/>
-              <a:ext cx="1023457" cy="0"/>
-            </a:xfrm>
-            <a:prstGeom prst="straightConnector1">
-              <a:avLst/>
-            </a:prstGeom>
-            <a:noFill/>
-            <a:ln w="28575" cap="flat" cmpd="sng">
-              <a:solidFill>
-                <a:srgbClr val="00B0F0"/>
-              </a:solidFill>
-              <a:prstDash val="solid"/>
-              <a:miter lim="800000"/>
-              <a:headEnd type="triangle" w="med" len="med"/>
-              <a:tailEnd type="triangle" w="med" len="med"/>
-            </a:ln>
-          </p:spPr>
-        </p:cxnSp>
-        <p:cxnSp>
-          <p:nvCxnSpPr>
-            <p:cNvPr id="145" name="Google Shape;145;p2"/>
-            <p:cNvCxnSpPr/>
-            <p:nvPr/>
-          </p:nvCxnSpPr>
-          <p:spPr>
-            <a:xfrm>
-              <a:off x="2459372" y="3300401"/>
-              <a:ext cx="0" cy="697619"/>
-            </a:xfrm>
-            <a:prstGeom prst="straightConnector1">
-              <a:avLst/>
-            </a:prstGeom>
-            <a:noFill/>
-            <a:ln w="28575" cap="flat" cmpd="sng">
-              <a:solidFill>
-                <a:srgbClr val="00B0F0"/>
-              </a:solidFill>
-              <a:prstDash val="solid"/>
-              <a:miter lim="800000"/>
-              <a:headEnd type="triangle" w="med" len="med"/>
-              <a:tailEnd type="triangle" w="med" len="med"/>
-            </a:ln>
-          </p:spPr>
-        </p:cxnSp>
-        <p:sp>
-          <p:nvSpPr>
-            <p:cNvPr id="146" name="Google Shape;146;p2"/>
-            <p:cNvSpPr txBox="1"/>
-            <p:nvPr/>
-          </p:nvSpPr>
-          <p:spPr>
-            <a:xfrm>
-              <a:off x="2845265" y="3491944"/>
-              <a:ext cx="772531" cy="276999"/>
-            </a:xfrm>
-            <a:prstGeom prst="rect">
-              <a:avLst/>
-            </a:prstGeom>
-            <a:noFill/>
-            <a:ln>
-              <a:noFill/>
-            </a:ln>
-          </p:spPr>
-          <p:txBody>
-            <a:bodyPr spcFirstLastPara="1" wrap="square" lIns="91425" tIns="45700" rIns="91425" bIns="45700" anchor="ctr" anchorCtr="0">
-              <a:spAutoFit/>
-            </a:bodyPr>
-            <a:lstStyle/>
-            <a:p>
-              <a:pPr marL="0" marR="0" lvl="0" indent="0" algn="ctr" rtl="0">
-                <a:spcBef>
-                  <a:spcPts val="0"/>
-                </a:spcBef>
-                <a:spcAft>
-                  <a:spcPts val="0"/>
-                </a:spcAft>
-                <a:buNone/>
-              </a:pPr>
-              <a:r>
-                <a:rPr lang="en-US" sz="1200" b="1" i="0" u="none" strike="noStrike" cap="none">
-                  <a:solidFill>
-                    <a:schemeClr val="lt1"/>
-                  </a:solidFill>
-                  <a:latin typeface="Calibri"/>
-                  <a:ea typeface="Calibri"/>
-                  <a:cs typeface="Calibri"/>
-                  <a:sym typeface="Calibri"/>
-                </a:rPr>
-                <a:t>RIGHT</a:t>
-              </a:r>
-              <a:endParaRPr/>
-            </a:p>
-          </p:txBody>
-        </p:sp>
-        <p:sp>
-          <p:nvSpPr>
-            <p:cNvPr id="147" name="Google Shape;147;p2"/>
-            <p:cNvSpPr txBox="1"/>
-            <p:nvPr/>
-          </p:nvSpPr>
-          <p:spPr>
-            <a:xfrm>
-              <a:off x="1504855" y="3493932"/>
-              <a:ext cx="597986" cy="276999"/>
-            </a:xfrm>
-            <a:prstGeom prst="rect">
-              <a:avLst/>
-            </a:prstGeom>
-            <a:noFill/>
-            <a:ln>
-              <a:noFill/>
-            </a:ln>
-          </p:spPr>
-          <p:txBody>
-            <a:bodyPr spcFirstLastPara="1" wrap="square" lIns="91425" tIns="45700" rIns="91425" bIns="45700" anchor="ctr" anchorCtr="0">
-              <a:spAutoFit/>
-            </a:bodyPr>
-            <a:lstStyle/>
-            <a:p>
-              <a:pPr marL="0" marR="0" lvl="0" indent="0" algn="ctr" rtl="0">
-                <a:spcBef>
-                  <a:spcPts val="0"/>
-                </a:spcBef>
-                <a:spcAft>
-                  <a:spcPts val="0"/>
-                </a:spcAft>
-                <a:buNone/>
-              </a:pPr>
-              <a:r>
-                <a:rPr lang="en-US" sz="1200" b="1" i="0" u="none" strike="noStrike" cap="none">
-                  <a:solidFill>
-                    <a:schemeClr val="lt1"/>
-                  </a:solidFill>
-                  <a:latin typeface="Calibri"/>
-                  <a:ea typeface="Calibri"/>
-                  <a:cs typeface="Calibri"/>
-                  <a:sym typeface="Calibri"/>
-                </a:rPr>
-                <a:t>LEFT</a:t>
-              </a:r>
-              <a:endParaRPr/>
-            </a:p>
-          </p:txBody>
-        </p:sp>
-        <p:sp>
-          <p:nvSpPr>
-            <p:cNvPr id="148" name="Google Shape;148;p2"/>
-            <p:cNvSpPr txBox="1"/>
-            <p:nvPr/>
-          </p:nvSpPr>
-          <p:spPr>
-            <a:xfrm>
-              <a:off x="2231470" y="3032268"/>
-              <a:ext cx="461391" cy="276999"/>
-            </a:xfrm>
-            <a:prstGeom prst="rect">
-              <a:avLst/>
-            </a:prstGeom>
-            <a:noFill/>
-            <a:ln>
-              <a:noFill/>
-            </a:ln>
-          </p:spPr>
-          <p:txBody>
-            <a:bodyPr spcFirstLastPara="1" wrap="square" lIns="91425" tIns="45700" rIns="91425" bIns="45700" anchor="ctr" anchorCtr="0">
-              <a:spAutoFit/>
-            </a:bodyPr>
-            <a:lstStyle/>
-            <a:p>
-              <a:pPr marL="0" marR="0" lvl="0" indent="0" algn="ctr" rtl="0">
-                <a:spcBef>
-                  <a:spcPts val="0"/>
-                </a:spcBef>
-                <a:spcAft>
-                  <a:spcPts val="0"/>
-                </a:spcAft>
-                <a:buNone/>
-              </a:pPr>
-              <a:r>
-                <a:rPr lang="en-US" sz="1200" b="1" i="0" u="none" strike="noStrike" cap="none">
-                  <a:solidFill>
-                    <a:schemeClr val="lt1"/>
-                  </a:solidFill>
-                  <a:latin typeface="Calibri"/>
-                  <a:ea typeface="Calibri"/>
-                  <a:cs typeface="Calibri"/>
-                  <a:sym typeface="Calibri"/>
-                </a:rPr>
-                <a:t>UP</a:t>
-              </a:r>
-              <a:endParaRPr/>
-            </a:p>
-          </p:txBody>
-        </p:sp>
-        <p:sp>
-          <p:nvSpPr>
-            <p:cNvPr id="149" name="Google Shape;149;p2"/>
-            <p:cNvSpPr txBox="1"/>
-            <p:nvPr/>
-          </p:nvSpPr>
-          <p:spPr>
-            <a:xfrm>
-              <a:off x="2014763" y="3967637"/>
-              <a:ext cx="868256" cy="276999"/>
-            </a:xfrm>
-            <a:prstGeom prst="rect">
-              <a:avLst/>
-            </a:prstGeom>
-            <a:noFill/>
-            <a:ln>
-              <a:noFill/>
-            </a:ln>
-          </p:spPr>
-          <p:txBody>
-            <a:bodyPr spcFirstLastPara="1" wrap="square" lIns="91425" tIns="45700" rIns="91425" bIns="45700" anchor="ctr" anchorCtr="0">
-              <a:spAutoFit/>
-            </a:bodyPr>
-            <a:lstStyle/>
-            <a:p>
-              <a:pPr marL="0" marR="0" lvl="0" indent="0" algn="ctr" rtl="0">
-                <a:spcBef>
-                  <a:spcPts val="0"/>
-                </a:spcBef>
-                <a:spcAft>
-                  <a:spcPts val="0"/>
-                </a:spcAft>
-                <a:buNone/>
-              </a:pPr>
-              <a:r>
-                <a:rPr lang="en-US" sz="1200" b="1" i="0" u="none" strike="noStrike" cap="none">
-                  <a:solidFill>
-                    <a:schemeClr val="lt1"/>
-                  </a:solidFill>
-                  <a:latin typeface="Calibri"/>
-                  <a:ea typeface="Calibri"/>
-                  <a:cs typeface="Calibri"/>
-                  <a:sym typeface="Calibri"/>
-                </a:rPr>
-                <a:t>DOWN</a:t>
-              </a:r>
-              <a:endParaRPr/>
-            </a:p>
-          </p:txBody>
-        </p:sp>
-      </p:grpSp>
-      <p:sp>
-        <p:nvSpPr>
-          <p:cNvPr id="150" name="Google Shape;150;p2"/>
-          <p:cNvSpPr/>
-          <p:nvPr/>
-        </p:nvSpPr>
-        <p:spPr>
-          <a:xfrm>
-            <a:off x="978064" y="1826015"/>
-            <a:ext cx="1449849" cy="344546"/>
-          </a:xfrm>
-          <a:prstGeom prst="ellipse">
-            <a:avLst/>
-          </a:prstGeom>
-          <a:noFill/>
-          <a:ln>
-            <a:noFill/>
-          </a:ln>
-        </p:spPr>
-        <p:txBody>
-          <a:bodyPr spcFirstLastPara="1" wrap="square" lIns="91425" tIns="45700" rIns="91425" bIns="45700" anchor="ctr" anchorCtr="0">
-            <a:noAutofit/>
-          </a:bodyPr>
-          <a:lstStyle/>
-          <a:p>
-            <a:pPr marL="0" marR="0" lvl="0" indent="0" algn="ctr" rtl="0">
-              <a:spcBef>
-                <a:spcPts val="0"/>
-              </a:spcBef>
-              <a:spcAft>
-                <a:spcPts val="0"/>
-              </a:spcAft>
-              <a:buNone/>
-            </a:pPr>
-            <a:r>
-              <a:rPr lang="en-US" sz="1600" b="0" i="0" u="none" strike="noStrike" cap="none">
-                <a:solidFill>
-                  <a:schemeClr val="lt1"/>
-                </a:solidFill>
-                <a:latin typeface="Calibri"/>
-                <a:ea typeface="Calibri"/>
-                <a:cs typeface="Calibri"/>
-                <a:sym typeface="Calibri"/>
-              </a:rPr>
-              <a:t>DPAD</a:t>
-            </a:r>
-            <a:endParaRPr/>
-          </a:p>
-        </p:txBody>
-      </p:sp>
-      <p:sp>
-        <p:nvSpPr>
-          <p:cNvPr id="151" name="Google Shape;151;p2"/>
-          <p:cNvSpPr txBox="1"/>
-          <p:nvPr/>
-        </p:nvSpPr>
-        <p:spPr>
-          <a:xfrm>
-            <a:off x="4888949" y="2118702"/>
-            <a:ext cx="461391" cy="369332"/>
-          </a:xfrm>
-          <a:prstGeom prst="rect">
-            <a:avLst/>
-          </a:prstGeom>
-          <a:noFill/>
-          <a:ln>
-            <a:noFill/>
-          </a:ln>
-        </p:spPr>
-        <p:txBody>
-          <a:bodyPr spcFirstLastPara="1" wrap="square" lIns="91425" tIns="45700" rIns="91425" bIns="45700" anchor="ctr" anchorCtr="0">
-            <a:spAutoFit/>
-          </a:bodyPr>
-          <a:lstStyle/>
-          <a:p>
-            <a:pPr marL="0" marR="0" lvl="0" indent="0" algn="ctr" rtl="0">
-              <a:spcBef>
-                <a:spcPts val="0"/>
-              </a:spcBef>
-              <a:spcAft>
-                <a:spcPts val="0"/>
-              </a:spcAft>
-              <a:buNone/>
-            </a:pPr>
-            <a:r>
-              <a:rPr lang="en-US" sz="1800" b="0" i="0" u="none" strike="noStrike" cap="none">
-                <a:solidFill>
-                  <a:schemeClr val="lt1"/>
-                </a:solidFill>
-                <a:latin typeface="Calibri"/>
-                <a:ea typeface="Calibri"/>
-                <a:cs typeface="Calibri"/>
-                <a:sym typeface="Calibri"/>
-              </a:rPr>
-              <a:t>Y</a:t>
-            </a:r>
-            <a:endParaRPr/>
-          </a:p>
-        </p:txBody>
-      </p:sp>
-      <p:sp>
-        <p:nvSpPr>
-          <p:cNvPr id="152" name="Google Shape;152;p2"/>
-          <p:cNvSpPr txBox="1"/>
-          <p:nvPr/>
-        </p:nvSpPr>
-        <p:spPr>
-          <a:xfrm>
-            <a:off x="5261778" y="2486045"/>
-            <a:ext cx="461391" cy="369332"/>
-          </a:xfrm>
-          <a:prstGeom prst="rect">
-            <a:avLst/>
-          </a:prstGeom>
-          <a:noFill/>
-          <a:ln>
-            <a:noFill/>
-          </a:ln>
-        </p:spPr>
-        <p:txBody>
-          <a:bodyPr spcFirstLastPara="1" wrap="square" lIns="91425" tIns="45700" rIns="91425" bIns="45700" anchor="ctr" anchorCtr="0">
-            <a:spAutoFit/>
-          </a:bodyPr>
-          <a:lstStyle/>
-          <a:p>
-            <a:pPr marL="0" marR="0" lvl="0" indent="0" algn="ctr" rtl="0">
-              <a:spcBef>
-                <a:spcPts val="0"/>
-              </a:spcBef>
-              <a:spcAft>
-                <a:spcPts val="0"/>
-              </a:spcAft>
-              <a:buNone/>
-            </a:pPr>
-            <a:r>
-              <a:rPr lang="en-US" sz="1800" b="0" i="0" u="none" strike="noStrike" cap="none">
-                <a:solidFill>
-                  <a:schemeClr val="lt1"/>
-                </a:solidFill>
-                <a:latin typeface="Calibri"/>
-                <a:ea typeface="Calibri"/>
-                <a:cs typeface="Calibri"/>
-                <a:sym typeface="Calibri"/>
-              </a:rPr>
-              <a:t>B</a:t>
-            </a:r>
-            <a:endParaRPr/>
-          </a:p>
-        </p:txBody>
-      </p:sp>
-      <p:sp>
-        <p:nvSpPr>
-          <p:cNvPr id="153" name="Google Shape;153;p2"/>
-          <p:cNvSpPr txBox="1"/>
-          <p:nvPr/>
-        </p:nvSpPr>
-        <p:spPr>
-          <a:xfrm>
-            <a:off x="4920669" y="3117580"/>
-            <a:ext cx="461391" cy="369332"/>
-          </a:xfrm>
-          <a:prstGeom prst="rect">
-            <a:avLst/>
-          </a:prstGeom>
-          <a:noFill/>
-          <a:ln>
-            <a:noFill/>
-          </a:ln>
-        </p:spPr>
-        <p:txBody>
-          <a:bodyPr spcFirstLastPara="1" wrap="square" lIns="91425" tIns="45700" rIns="91425" bIns="45700" anchor="ctr" anchorCtr="0">
-            <a:spAutoFit/>
-          </a:bodyPr>
-          <a:lstStyle/>
-          <a:p>
-            <a:pPr marL="0" marR="0" lvl="0" indent="0" algn="ctr" rtl="0">
-              <a:spcBef>
-                <a:spcPts val="0"/>
-              </a:spcBef>
-              <a:spcAft>
-                <a:spcPts val="0"/>
-              </a:spcAft>
-              <a:buNone/>
-            </a:pPr>
-            <a:r>
-              <a:rPr lang="en-US" sz="1800" b="0" i="0" u="none" strike="noStrike" cap="none">
-                <a:solidFill>
-                  <a:schemeClr val="lt1"/>
-                </a:solidFill>
-                <a:latin typeface="Calibri"/>
-                <a:ea typeface="Calibri"/>
-                <a:cs typeface="Calibri"/>
-                <a:sym typeface="Calibri"/>
-              </a:rPr>
-              <a:t>A</a:t>
-            </a:r>
-            <a:endParaRPr/>
-          </a:p>
-        </p:txBody>
-      </p:sp>
-      <p:sp>
-        <p:nvSpPr>
-          <p:cNvPr id="154" name="Google Shape;154;p2"/>
-          <p:cNvSpPr txBox="1"/>
-          <p:nvPr/>
-        </p:nvSpPr>
-        <p:spPr>
-          <a:xfrm>
-            <a:off x="4068233" y="2327511"/>
-            <a:ext cx="461391" cy="369332"/>
-          </a:xfrm>
-          <a:prstGeom prst="rect">
-            <a:avLst/>
-          </a:prstGeom>
-          <a:noFill/>
-          <a:ln>
-            <a:noFill/>
-          </a:ln>
-        </p:spPr>
-        <p:txBody>
-          <a:bodyPr spcFirstLastPara="1" wrap="square" lIns="91425" tIns="45700" rIns="91425" bIns="45700" anchor="ctr" anchorCtr="0">
-            <a:spAutoFit/>
-          </a:bodyPr>
-          <a:lstStyle/>
-          <a:p>
-            <a:pPr marL="0" marR="0" lvl="0" indent="0" algn="ctr" rtl="0">
-              <a:spcBef>
-                <a:spcPts val="0"/>
-              </a:spcBef>
-              <a:spcAft>
-                <a:spcPts val="0"/>
-              </a:spcAft>
-              <a:buNone/>
-            </a:pPr>
-            <a:r>
-              <a:rPr lang="en-US" sz="1800" b="0" i="0" u="none" strike="noStrike" cap="none">
-                <a:solidFill>
-                  <a:schemeClr val="lt1"/>
-                </a:solidFill>
-                <a:latin typeface="Calibri"/>
-                <a:ea typeface="Calibri"/>
-                <a:cs typeface="Calibri"/>
-                <a:sym typeface="Calibri"/>
-              </a:rPr>
-              <a:t>X</a:t>
-            </a:r>
-            <a:endParaRPr/>
-          </a:p>
-        </p:txBody>
-      </p:sp>
-      <p:sp>
-        <p:nvSpPr>
-          <p:cNvPr id="155" name="Google Shape;155;p2"/>
-          <p:cNvSpPr/>
-          <p:nvPr/>
-        </p:nvSpPr>
-        <p:spPr>
-          <a:xfrm>
-            <a:off x="2608356" y="164555"/>
-            <a:ext cx="6787314" cy="344546"/>
-          </a:xfrm>
-          <a:prstGeom prst="ellipse">
-            <a:avLst/>
-          </a:prstGeom>
-          <a:noFill/>
-          <a:ln>
-            <a:noFill/>
-          </a:ln>
-        </p:spPr>
-        <p:txBody>
-          <a:bodyPr spcFirstLastPara="1" wrap="square" lIns="91425" tIns="45700" rIns="91425" bIns="45700" anchor="ctr" anchorCtr="0">
-            <a:noAutofit/>
-          </a:bodyPr>
-          <a:lstStyle/>
-          <a:p>
-            <a:pPr marL="0" marR="0" lvl="0" indent="0" algn="ctr" rtl="0">
-              <a:spcBef>
-                <a:spcPts val="0"/>
-              </a:spcBef>
-              <a:spcAft>
-                <a:spcPts val="0"/>
-              </a:spcAft>
-              <a:buNone/>
-            </a:pPr>
-            <a:r>
-              <a:rPr lang="en-US" sz="2400" b="0" i="0" u="none" strike="noStrike" cap="none">
-                <a:solidFill>
-                  <a:srgbClr val="00B0F0"/>
-                </a:solidFill>
-                <a:latin typeface="Calibri"/>
-                <a:ea typeface="Calibri"/>
-                <a:cs typeface="Calibri"/>
-                <a:sym typeface="Calibri"/>
-              </a:rPr>
-              <a:t>Instructions for Robot Top Hat Driver</a:t>
-            </a:r>
-            <a:endParaRPr/>
-          </a:p>
-        </p:txBody>
-      </p:sp>
-      <p:sp>
-        <p:nvSpPr>
-          <p:cNvPr id="156" name="Google Shape;156;p2"/>
-          <p:cNvSpPr/>
-          <p:nvPr/>
-        </p:nvSpPr>
-        <p:spPr>
-          <a:xfrm>
-            <a:off x="3595649" y="675716"/>
-            <a:ext cx="1754692" cy="344546"/>
-          </a:xfrm>
-          <a:prstGeom prst="ellipse">
-            <a:avLst/>
-          </a:prstGeom>
-          <a:noFill/>
-          <a:ln>
-            <a:noFill/>
-          </a:ln>
-        </p:spPr>
-        <p:txBody>
-          <a:bodyPr spcFirstLastPara="1" wrap="square" lIns="91425" tIns="45700" rIns="91425" bIns="45700" anchor="ctr" anchorCtr="0">
-            <a:noAutofit/>
-          </a:bodyPr>
-          <a:lstStyle/>
-          <a:p>
-            <a:pPr marL="0" marR="0" lvl="0" indent="0" algn="ctr" rtl="0">
-              <a:spcBef>
-                <a:spcPts val="0"/>
-              </a:spcBef>
-              <a:spcAft>
-                <a:spcPts val="0"/>
-              </a:spcAft>
-              <a:buNone/>
-            </a:pPr>
-            <a:r>
-              <a:rPr lang="en-US" sz="1600" b="0" i="0" u="none" strike="noStrike" cap="none">
-                <a:solidFill>
-                  <a:srgbClr val="00B0F0"/>
-                </a:solidFill>
-                <a:latin typeface="Calibri"/>
-                <a:ea typeface="Calibri"/>
-                <a:cs typeface="Calibri"/>
-                <a:sym typeface="Calibri"/>
-              </a:rPr>
-              <a:t>Right Trigger</a:t>
-            </a:r>
-            <a:endParaRPr/>
-          </a:p>
-        </p:txBody>
-      </p:sp>
-      <p:cxnSp>
-        <p:nvCxnSpPr>
-          <p:cNvPr id="157" name="Google Shape;157;p2"/>
-          <p:cNvCxnSpPr>
-            <a:stCxn id="156" idx="4"/>
-          </p:cNvCxnSpPr>
-          <p:nvPr/>
-        </p:nvCxnSpPr>
-        <p:spPr>
-          <a:xfrm>
-            <a:off x="4472995" y="1020262"/>
-            <a:ext cx="335400" cy="380700"/>
-          </a:xfrm>
-          <a:prstGeom prst="straightConnector1">
-            <a:avLst/>
-          </a:prstGeom>
-          <a:noFill/>
-          <a:ln w="9525" cap="flat" cmpd="sng">
-            <a:solidFill>
-              <a:srgbClr val="00B0F0"/>
-            </a:solidFill>
-            <a:prstDash val="solid"/>
-            <a:miter lim="800000"/>
-            <a:headEnd type="none" w="sm" len="sm"/>
-            <a:tailEnd type="triangle" w="med" len="med"/>
-          </a:ln>
-        </p:spPr>
-      </p:cxnSp>
-      <p:cxnSp>
-        <p:nvCxnSpPr>
-          <p:cNvPr id="158" name="Google Shape;158;p2"/>
-          <p:cNvCxnSpPr/>
-          <p:nvPr/>
-        </p:nvCxnSpPr>
-        <p:spPr>
-          <a:xfrm flipH="1">
-            <a:off x="4960931" y="1133214"/>
-            <a:ext cx="531542" cy="420147"/>
-          </a:xfrm>
-          <a:prstGeom prst="straightConnector1">
-            <a:avLst/>
-          </a:prstGeom>
-          <a:noFill/>
-          <a:ln w="9525" cap="flat" cmpd="sng">
-            <a:solidFill>
-              <a:srgbClr val="00B0F0"/>
-            </a:solidFill>
-            <a:prstDash val="solid"/>
-            <a:miter lim="800000"/>
-            <a:headEnd type="none" w="sm" len="sm"/>
-            <a:tailEnd type="triangle" w="med" len="med"/>
-          </a:ln>
-        </p:spPr>
-      </p:cxnSp>
-      <p:sp>
-        <p:nvSpPr>
-          <p:cNvPr id="159" name="Google Shape;159;p2"/>
-          <p:cNvSpPr/>
-          <p:nvPr/>
-        </p:nvSpPr>
-        <p:spPr>
-          <a:xfrm>
-            <a:off x="4894682" y="806042"/>
-            <a:ext cx="2076133" cy="344546"/>
-          </a:xfrm>
-          <a:prstGeom prst="ellipse">
-            <a:avLst/>
-          </a:prstGeom>
-          <a:noFill/>
-          <a:ln>
-            <a:noFill/>
-          </a:ln>
-        </p:spPr>
-        <p:txBody>
-          <a:bodyPr spcFirstLastPara="1" wrap="square" lIns="91425" tIns="45700" rIns="91425" bIns="45700" anchor="ctr" anchorCtr="0">
-            <a:noAutofit/>
-          </a:bodyPr>
-          <a:lstStyle/>
-          <a:p>
-            <a:pPr marL="0" marR="0" lvl="0" indent="0" algn="ctr" rtl="0">
-              <a:spcBef>
-                <a:spcPts val="0"/>
-              </a:spcBef>
-              <a:spcAft>
-                <a:spcPts val="0"/>
-              </a:spcAft>
-              <a:buNone/>
-            </a:pPr>
-            <a:r>
-              <a:rPr lang="en-US" sz="1600" b="0" i="0" u="none" strike="noStrike" cap="none">
-                <a:solidFill>
-                  <a:srgbClr val="00B0F0"/>
-                </a:solidFill>
-                <a:latin typeface="Calibri"/>
-                <a:ea typeface="Calibri"/>
-                <a:cs typeface="Calibri"/>
-                <a:sym typeface="Calibri"/>
-              </a:rPr>
-              <a:t>Right Bumper</a:t>
-            </a:r>
-            <a:endParaRPr/>
-          </a:p>
-        </p:txBody>
-      </p:sp>
-      <p:sp>
-        <p:nvSpPr>
-          <p:cNvPr id="160" name="Google Shape;160;p2"/>
-          <p:cNvSpPr/>
-          <p:nvPr/>
-        </p:nvSpPr>
-        <p:spPr>
-          <a:xfrm>
-            <a:off x="465736" y="616307"/>
-            <a:ext cx="1588989" cy="344546"/>
-          </a:xfrm>
-          <a:prstGeom prst="ellipse">
-            <a:avLst/>
-          </a:prstGeom>
-          <a:noFill/>
-          <a:ln>
-            <a:noFill/>
-          </a:ln>
-        </p:spPr>
-        <p:txBody>
-          <a:bodyPr spcFirstLastPara="1" wrap="square" lIns="91425" tIns="45700" rIns="91425" bIns="45700" anchor="ctr" anchorCtr="0">
-            <a:noAutofit/>
-          </a:bodyPr>
-          <a:lstStyle/>
-          <a:p>
-            <a:pPr marL="0" marR="0" lvl="0" indent="0" algn="ctr" rtl="0">
-              <a:spcBef>
-                <a:spcPts val="0"/>
-              </a:spcBef>
-              <a:spcAft>
-                <a:spcPts val="0"/>
-              </a:spcAft>
-              <a:buNone/>
-            </a:pPr>
-            <a:r>
-              <a:rPr lang="en-US" sz="1600" b="0" i="0" u="none" strike="noStrike" cap="none">
-                <a:solidFill>
-                  <a:srgbClr val="00B0F0"/>
-                </a:solidFill>
-                <a:latin typeface="Calibri"/>
-                <a:ea typeface="Calibri"/>
-                <a:cs typeface="Calibri"/>
-                <a:sym typeface="Calibri"/>
-              </a:rPr>
-              <a:t>Left Trigger</a:t>
-            </a:r>
-            <a:endParaRPr/>
-          </a:p>
-        </p:txBody>
-      </p:sp>
-      <p:cxnSp>
-        <p:nvCxnSpPr>
-          <p:cNvPr id="161" name="Google Shape;161;p2"/>
-          <p:cNvCxnSpPr>
-            <a:stCxn id="160" idx="4"/>
-          </p:cNvCxnSpPr>
-          <p:nvPr/>
-        </p:nvCxnSpPr>
-        <p:spPr>
-          <a:xfrm>
-            <a:off x="1260231" y="960853"/>
-            <a:ext cx="335100" cy="440100"/>
-          </a:xfrm>
-          <a:prstGeom prst="straightConnector1">
-            <a:avLst/>
-          </a:prstGeom>
-          <a:noFill/>
-          <a:ln w="9525" cap="flat" cmpd="sng">
-            <a:solidFill>
-              <a:srgbClr val="00B0F0"/>
-            </a:solidFill>
-            <a:prstDash val="solid"/>
-            <a:miter lim="800000"/>
-            <a:headEnd type="none" w="sm" len="sm"/>
-            <a:tailEnd type="triangle" w="med" len="med"/>
-          </a:ln>
-        </p:spPr>
-      </p:cxnSp>
-      <p:cxnSp>
-        <p:nvCxnSpPr>
-          <p:cNvPr id="162" name="Google Shape;162;p2"/>
-          <p:cNvCxnSpPr/>
-          <p:nvPr/>
-        </p:nvCxnSpPr>
-        <p:spPr>
-          <a:xfrm flipH="1">
-            <a:off x="1665316" y="1073805"/>
-            <a:ext cx="531542" cy="420147"/>
-          </a:xfrm>
-          <a:prstGeom prst="straightConnector1">
-            <a:avLst/>
-          </a:prstGeom>
-          <a:noFill/>
-          <a:ln w="9525" cap="flat" cmpd="sng">
-            <a:solidFill>
-              <a:srgbClr val="00B0F0"/>
-            </a:solidFill>
-            <a:prstDash val="solid"/>
-            <a:miter lim="800000"/>
-            <a:headEnd type="none" w="sm" len="sm"/>
-            <a:tailEnd type="triangle" w="med" len="med"/>
-          </a:ln>
-        </p:spPr>
-      </p:cxnSp>
-      <p:sp>
-        <p:nvSpPr>
-          <p:cNvPr id="163" name="Google Shape;163;p2"/>
-          <p:cNvSpPr/>
-          <p:nvPr/>
-        </p:nvSpPr>
-        <p:spPr>
-          <a:xfrm>
-            <a:off x="1599067" y="746633"/>
-            <a:ext cx="2076133" cy="344546"/>
-          </a:xfrm>
-          <a:prstGeom prst="ellipse">
-            <a:avLst/>
-          </a:prstGeom>
-          <a:noFill/>
-          <a:ln>
-            <a:noFill/>
-          </a:ln>
-        </p:spPr>
-        <p:txBody>
-          <a:bodyPr spcFirstLastPara="1" wrap="square" lIns="91425" tIns="45700" rIns="91425" bIns="45700" anchor="ctr" anchorCtr="0">
-            <a:noAutofit/>
-          </a:bodyPr>
-          <a:lstStyle/>
-          <a:p>
-            <a:pPr marL="0" marR="0" lvl="0" indent="0" algn="ctr" rtl="0">
-              <a:spcBef>
-                <a:spcPts val="0"/>
-              </a:spcBef>
-              <a:spcAft>
-                <a:spcPts val="0"/>
-              </a:spcAft>
-              <a:buNone/>
-            </a:pPr>
-            <a:r>
-              <a:rPr lang="en-US" sz="1600" b="0" i="0" u="none" strike="noStrike" cap="none">
-                <a:solidFill>
-                  <a:srgbClr val="00B0F0"/>
-                </a:solidFill>
-                <a:latin typeface="Calibri"/>
-                <a:ea typeface="Calibri"/>
-                <a:cs typeface="Calibri"/>
-                <a:sym typeface="Calibri"/>
-              </a:rPr>
-              <a:t>Left Bumper</a:t>
-            </a:r>
-            <a:endParaRPr/>
-          </a:p>
-        </p:txBody>
-      </p:sp>
-      <p:sp>
-        <p:nvSpPr>
-          <p:cNvPr id="164" name="Google Shape;164;p2"/>
-          <p:cNvSpPr txBox="1"/>
-          <p:nvPr/>
-        </p:nvSpPr>
-        <p:spPr>
-          <a:xfrm>
-            <a:off x="6216000" y="1150600"/>
-            <a:ext cx="5976000" cy="5248800"/>
-          </a:xfrm>
-          <a:prstGeom prst="rect">
-            <a:avLst/>
-          </a:prstGeom>
-          <a:noFill/>
-          <a:ln w="9525" cap="flat" cmpd="sng">
-            <a:solidFill>
-              <a:srgbClr val="00B0F0"/>
-            </a:solidFill>
-            <a:prstDash val="solid"/>
-            <a:round/>
-            <a:headEnd type="none" w="sm" len="sm"/>
-            <a:tailEnd type="none" w="sm" len="sm"/>
-          </a:ln>
-        </p:spPr>
-        <p:txBody>
-          <a:bodyPr spcFirstLastPara="1" wrap="square" lIns="91425" tIns="45700" rIns="91425" bIns="45700" anchor="t" anchorCtr="0">
-            <a:spAutoFit/>
-          </a:bodyPr>
-          <a:lstStyle/>
-          <a:p>
-            <a:pPr marL="342900" marR="0" lvl="0" indent="-342900" algn="l" rtl="0">
-              <a:spcBef>
-                <a:spcPts val="0"/>
-              </a:spcBef>
-              <a:spcAft>
-                <a:spcPts val="0"/>
-              </a:spcAft>
-              <a:buClr>
-                <a:srgbClr val="00B0F0"/>
-              </a:buClr>
-              <a:buSzPts val="1800"/>
-              <a:buFont typeface="Calibri"/>
-              <a:buAutoNum type="arabicPeriod"/>
-            </a:pPr>
-            <a:r>
-              <a:rPr lang="en-US" sz="1800" b="0" i="0" u="none" strike="noStrike" cap="none">
-                <a:solidFill>
-                  <a:srgbClr val="00B0F0"/>
-                </a:solidFill>
-                <a:latin typeface="Calibri"/>
-                <a:ea typeface="Calibri"/>
-                <a:cs typeface="Calibri"/>
-                <a:sym typeface="Calibri"/>
-              </a:rPr>
-              <a:t>Right Stick –X – Intake Low Speed</a:t>
-            </a:r>
-            <a:endParaRPr/>
-          </a:p>
-          <a:p>
-            <a:pPr marL="342900" marR="0" lvl="0" indent="-342900" algn="l" rtl="0">
-              <a:spcBef>
-                <a:spcPts val="600"/>
-              </a:spcBef>
-              <a:spcAft>
-                <a:spcPts val="0"/>
-              </a:spcAft>
-              <a:buClr>
-                <a:srgbClr val="00B0F0"/>
-              </a:buClr>
-              <a:buSzPts val="1800"/>
-              <a:buFont typeface="Calibri"/>
-              <a:buAutoNum type="arabicPeriod"/>
-            </a:pPr>
-            <a:r>
-              <a:rPr lang="en-US" sz="1800" b="0" i="0" u="none" strike="noStrike" cap="none">
-                <a:solidFill>
-                  <a:srgbClr val="00B0F0"/>
-                </a:solidFill>
-                <a:latin typeface="Calibri"/>
-                <a:ea typeface="Calibri"/>
-                <a:cs typeface="Calibri"/>
-                <a:sym typeface="Calibri"/>
-              </a:rPr>
-              <a:t>Right Stick +X – Outtake Low Speed</a:t>
-            </a:r>
-            <a:endParaRPr/>
-          </a:p>
-          <a:p>
-            <a:pPr marL="342900" marR="0" lvl="0" indent="-342900" algn="l" rtl="0">
-              <a:spcBef>
-                <a:spcPts val="600"/>
-              </a:spcBef>
-              <a:spcAft>
-                <a:spcPts val="0"/>
-              </a:spcAft>
-              <a:buClr>
-                <a:srgbClr val="00B0F0"/>
-              </a:buClr>
-              <a:buSzPts val="1800"/>
-              <a:buFont typeface="Calibri"/>
-              <a:buAutoNum type="arabicPeriod"/>
-            </a:pPr>
-            <a:r>
-              <a:rPr lang="en-US" sz="1800" b="0" i="0" u="none" strike="noStrike" cap="none">
-                <a:solidFill>
-                  <a:srgbClr val="00B0F0"/>
-                </a:solidFill>
-                <a:latin typeface="Calibri"/>
-                <a:ea typeface="Calibri"/>
-                <a:cs typeface="Calibri"/>
-                <a:sym typeface="Calibri"/>
-              </a:rPr>
-              <a:t>Y – Set </a:t>
-            </a:r>
-            <a:r>
-              <a:rPr lang="en-US" sz="1800">
-                <a:solidFill>
-                  <a:srgbClr val="00B0F0"/>
-                </a:solidFill>
-                <a:latin typeface="Calibri"/>
-                <a:ea typeface="Calibri"/>
-                <a:cs typeface="Calibri"/>
-                <a:sym typeface="Calibri"/>
-              </a:rPr>
-              <a:t>a</a:t>
-            </a:r>
-            <a:r>
-              <a:rPr lang="en-US" sz="1800" b="0" i="0" u="none" strike="noStrike" cap="none">
-                <a:solidFill>
-                  <a:srgbClr val="00B0F0"/>
-                </a:solidFill>
-                <a:latin typeface="Calibri"/>
-                <a:ea typeface="Calibri"/>
-                <a:cs typeface="Calibri"/>
-                <a:sym typeface="Calibri"/>
-              </a:rPr>
-              <a:t>rm to drop at Shipping Hub </a:t>
-            </a:r>
-            <a:r>
-              <a:rPr lang="en-US" sz="1800">
-                <a:solidFill>
-                  <a:srgbClr val="00B0F0"/>
-                </a:solidFill>
-                <a:latin typeface="Calibri"/>
-                <a:ea typeface="Calibri"/>
-                <a:cs typeface="Calibri"/>
-                <a:sym typeface="Calibri"/>
-              </a:rPr>
-              <a:t>- Top Level</a:t>
-            </a:r>
-            <a:endParaRPr/>
-          </a:p>
-          <a:p>
-            <a:pPr marL="342900" marR="0" lvl="0" indent="-342900" algn="l" rtl="0">
-              <a:spcBef>
-                <a:spcPts val="600"/>
-              </a:spcBef>
-              <a:spcAft>
-                <a:spcPts val="0"/>
-              </a:spcAft>
-              <a:buClr>
-                <a:srgbClr val="00B0F0"/>
-              </a:buClr>
-              <a:buSzPts val="1800"/>
-              <a:buFont typeface="Calibri"/>
-              <a:buAutoNum type="arabicPeriod"/>
-            </a:pPr>
-            <a:r>
-              <a:rPr lang="en-US" sz="1800" b="0" i="0" u="none" strike="noStrike" cap="none">
-                <a:solidFill>
-                  <a:srgbClr val="00B0F0"/>
-                </a:solidFill>
-                <a:latin typeface="Calibri"/>
-                <a:ea typeface="Calibri"/>
-                <a:cs typeface="Calibri"/>
-                <a:sym typeface="Calibri"/>
-              </a:rPr>
-              <a:t>B – Set </a:t>
-            </a:r>
-            <a:r>
-              <a:rPr lang="en-US" sz="1800">
-                <a:solidFill>
-                  <a:srgbClr val="00B0F0"/>
-                </a:solidFill>
-                <a:latin typeface="Calibri"/>
-                <a:ea typeface="Calibri"/>
-                <a:cs typeface="Calibri"/>
-                <a:sym typeface="Calibri"/>
-              </a:rPr>
-              <a:t>a</a:t>
-            </a:r>
-            <a:r>
-              <a:rPr lang="en-US" sz="1800" b="0" i="0" u="none" strike="noStrike" cap="none">
-                <a:solidFill>
-                  <a:srgbClr val="00B0F0"/>
-                </a:solidFill>
-                <a:latin typeface="Calibri"/>
-                <a:ea typeface="Calibri"/>
-                <a:cs typeface="Calibri"/>
-                <a:sym typeface="Calibri"/>
-              </a:rPr>
-              <a:t>rm to drop at Shipping Hub </a:t>
-            </a:r>
-            <a:r>
-              <a:rPr lang="en-US" sz="1800">
-                <a:solidFill>
-                  <a:srgbClr val="00B0F0"/>
-                </a:solidFill>
-                <a:latin typeface="Calibri"/>
-                <a:ea typeface="Calibri"/>
-                <a:cs typeface="Calibri"/>
-                <a:sym typeface="Calibri"/>
-              </a:rPr>
-              <a:t>- Middle Level</a:t>
-            </a:r>
-            <a:endParaRPr/>
-          </a:p>
-          <a:p>
-            <a:pPr marL="342900" marR="0" lvl="0" indent="-342900" algn="l" rtl="0">
-              <a:spcBef>
-                <a:spcPts val="600"/>
-              </a:spcBef>
-              <a:spcAft>
-                <a:spcPts val="0"/>
-              </a:spcAft>
-              <a:buClr>
-                <a:srgbClr val="00B0F0"/>
-              </a:buClr>
-              <a:buSzPts val="1800"/>
-              <a:buFont typeface="Calibri"/>
-              <a:buAutoNum type="arabicPeriod"/>
-            </a:pPr>
-            <a:r>
-              <a:rPr lang="en-US" sz="1800" b="0" i="0" u="none" strike="noStrike" cap="none">
-                <a:solidFill>
-                  <a:srgbClr val="00B0F0"/>
-                </a:solidFill>
-                <a:latin typeface="Calibri"/>
-                <a:ea typeface="Calibri"/>
-                <a:cs typeface="Calibri"/>
-                <a:sym typeface="Calibri"/>
-              </a:rPr>
-              <a:t>A – Set </a:t>
-            </a:r>
-            <a:r>
-              <a:rPr lang="en-US" sz="1800">
-                <a:solidFill>
-                  <a:srgbClr val="00B0F0"/>
-                </a:solidFill>
-                <a:latin typeface="Calibri"/>
-                <a:ea typeface="Calibri"/>
-                <a:cs typeface="Calibri"/>
-                <a:sym typeface="Calibri"/>
-              </a:rPr>
-              <a:t>a</a:t>
-            </a:r>
-            <a:r>
-              <a:rPr lang="en-US" sz="1800" b="0" i="0" u="none" strike="noStrike" cap="none">
-                <a:solidFill>
-                  <a:srgbClr val="00B0F0"/>
-                </a:solidFill>
-                <a:latin typeface="Calibri"/>
-                <a:ea typeface="Calibri"/>
-                <a:cs typeface="Calibri"/>
-                <a:sym typeface="Calibri"/>
-              </a:rPr>
-              <a:t>rm to drop at Shipping Hub - Bottom </a:t>
-            </a:r>
-            <a:r>
-              <a:rPr lang="en-US" sz="1800">
-                <a:solidFill>
-                  <a:srgbClr val="00B0F0"/>
-                </a:solidFill>
-                <a:latin typeface="Calibri"/>
-                <a:ea typeface="Calibri"/>
-                <a:cs typeface="Calibri"/>
-                <a:sym typeface="Calibri"/>
-              </a:rPr>
-              <a:t>Level</a:t>
-            </a:r>
-            <a:endParaRPr/>
-          </a:p>
-          <a:p>
-            <a:pPr marL="342900" marR="0" lvl="0" indent="-342900" algn="l" rtl="0">
-              <a:spcBef>
-                <a:spcPts val="600"/>
-              </a:spcBef>
-              <a:spcAft>
-                <a:spcPts val="0"/>
-              </a:spcAft>
-              <a:buClr>
-                <a:srgbClr val="00B0F0"/>
-              </a:buClr>
-              <a:buSzPts val="1800"/>
-              <a:buFont typeface="Calibri"/>
-              <a:buAutoNum type="arabicPeriod"/>
-            </a:pPr>
-            <a:r>
-              <a:rPr lang="en-US" sz="1800" b="0" i="0" u="none" strike="noStrike" cap="none">
-                <a:solidFill>
-                  <a:srgbClr val="00B0F0"/>
-                </a:solidFill>
-                <a:latin typeface="Calibri"/>
-                <a:ea typeface="Calibri"/>
-                <a:cs typeface="Calibri"/>
-                <a:sym typeface="Calibri"/>
-              </a:rPr>
-              <a:t>X – Set </a:t>
-            </a:r>
-            <a:r>
-              <a:rPr lang="en-US" sz="1800">
-                <a:solidFill>
-                  <a:srgbClr val="00B0F0"/>
-                </a:solidFill>
-                <a:latin typeface="Calibri"/>
-                <a:ea typeface="Calibri"/>
-                <a:cs typeface="Calibri"/>
-                <a:sym typeface="Calibri"/>
-              </a:rPr>
-              <a:t>a</a:t>
-            </a:r>
-            <a:r>
-              <a:rPr lang="en-US" sz="1800" b="0" i="0" u="none" strike="noStrike" cap="none">
-                <a:solidFill>
-                  <a:srgbClr val="00B0F0"/>
-                </a:solidFill>
-                <a:latin typeface="Calibri"/>
-                <a:ea typeface="Calibri"/>
-                <a:cs typeface="Calibri"/>
-                <a:sym typeface="Calibri"/>
-              </a:rPr>
-              <a:t>rm for </a:t>
-            </a:r>
-            <a:r>
-              <a:rPr lang="en-US" sz="1800">
-                <a:solidFill>
-                  <a:srgbClr val="00B0F0"/>
-                </a:solidFill>
-                <a:latin typeface="Calibri"/>
-                <a:ea typeface="Calibri"/>
-                <a:cs typeface="Calibri"/>
-                <a:sym typeface="Calibri"/>
-              </a:rPr>
-              <a:t>freight collection in warehouse </a:t>
-            </a:r>
-            <a:r>
-              <a:rPr lang="en-US" sz="1800" b="0" i="0" u="none" strike="noStrike" cap="none">
-                <a:solidFill>
-                  <a:srgbClr val="00B0F0"/>
-                </a:solidFill>
-                <a:latin typeface="Calibri"/>
-                <a:ea typeface="Calibri"/>
-                <a:cs typeface="Calibri"/>
-                <a:sym typeface="Calibri"/>
-              </a:rPr>
-              <a:t>&amp; Shared Shipping Hub </a:t>
-            </a:r>
-            <a:r>
-              <a:rPr lang="en-US" sz="1800">
-                <a:solidFill>
-                  <a:srgbClr val="00B0F0"/>
-                </a:solidFill>
-                <a:latin typeface="Calibri"/>
-                <a:ea typeface="Calibri"/>
-                <a:cs typeface="Calibri"/>
-                <a:sym typeface="Calibri"/>
-              </a:rPr>
-              <a:t>delivery</a:t>
-            </a:r>
-            <a:endParaRPr/>
-          </a:p>
-          <a:p>
-            <a:pPr marL="342900" marR="0" lvl="0" indent="-342900" algn="l" rtl="0">
-              <a:spcBef>
-                <a:spcPts val="600"/>
-              </a:spcBef>
-              <a:spcAft>
-                <a:spcPts val="0"/>
-              </a:spcAft>
-              <a:buClr>
-                <a:srgbClr val="00B0F0"/>
-              </a:buClr>
-              <a:buSzPts val="1800"/>
-              <a:buFont typeface="Calibri"/>
-              <a:buAutoNum type="arabicPeriod"/>
-            </a:pPr>
-            <a:r>
-              <a:rPr lang="en-US" sz="1800" b="0" i="0" u="none" strike="noStrike" cap="none">
-                <a:solidFill>
-                  <a:srgbClr val="00B0F0"/>
-                </a:solidFill>
-                <a:latin typeface="Calibri"/>
-                <a:ea typeface="Calibri"/>
-                <a:cs typeface="Calibri"/>
-                <a:sym typeface="Calibri"/>
-              </a:rPr>
-              <a:t>DPAD DOWN –  Set </a:t>
-            </a:r>
-            <a:r>
-              <a:rPr lang="en-US" sz="1800">
-                <a:solidFill>
-                  <a:srgbClr val="00B0F0"/>
-                </a:solidFill>
-                <a:latin typeface="Calibri"/>
-                <a:ea typeface="Calibri"/>
-                <a:cs typeface="Calibri"/>
-                <a:sym typeface="Calibri"/>
-              </a:rPr>
-              <a:t>a</a:t>
-            </a:r>
-            <a:r>
-              <a:rPr lang="en-US" sz="1800" b="0" i="0" u="none" strike="noStrike" cap="none">
-                <a:solidFill>
-                  <a:srgbClr val="00B0F0"/>
-                </a:solidFill>
-                <a:latin typeface="Calibri"/>
-                <a:ea typeface="Calibri"/>
-                <a:cs typeface="Calibri"/>
-                <a:sym typeface="Calibri"/>
-              </a:rPr>
-              <a:t>rm for Intake height</a:t>
-            </a:r>
-            <a:endParaRPr/>
-          </a:p>
-          <a:p>
-            <a:pPr marL="342900" marR="0" lvl="0" indent="-342900" algn="l" rtl="0">
-              <a:spcBef>
-                <a:spcPts val="600"/>
-              </a:spcBef>
-              <a:spcAft>
-                <a:spcPts val="0"/>
-              </a:spcAft>
-              <a:buClr>
-                <a:srgbClr val="00B0F0"/>
-              </a:buClr>
-              <a:buSzPts val="1800"/>
-              <a:buFont typeface="Calibri"/>
-              <a:buAutoNum type="arabicPeriod"/>
-            </a:pPr>
-            <a:r>
-              <a:rPr lang="en-US" sz="1800" b="0" i="0" u="none" strike="noStrike" cap="none">
-                <a:solidFill>
-                  <a:srgbClr val="00B0F0"/>
-                </a:solidFill>
-                <a:latin typeface="Calibri"/>
-                <a:ea typeface="Calibri"/>
-                <a:cs typeface="Calibri"/>
-                <a:sym typeface="Calibri"/>
-              </a:rPr>
-              <a:t>DPAD LEFT –  Turn </a:t>
-            </a:r>
-            <a:r>
-              <a:rPr lang="en-US" sz="1800">
-                <a:solidFill>
-                  <a:srgbClr val="00B0F0"/>
-                </a:solidFill>
-                <a:latin typeface="Calibri"/>
-                <a:ea typeface="Calibri"/>
-                <a:cs typeface="Calibri"/>
-                <a:sym typeface="Calibri"/>
-              </a:rPr>
-              <a:t>r</a:t>
-            </a:r>
-            <a:r>
-              <a:rPr lang="en-US" sz="1800" b="0" i="0" u="none" strike="noStrike" cap="none">
-                <a:solidFill>
-                  <a:srgbClr val="00B0F0"/>
-                </a:solidFill>
-                <a:latin typeface="Calibri"/>
-                <a:ea typeface="Calibri"/>
-                <a:cs typeface="Calibri"/>
-                <a:sym typeface="Calibri"/>
-              </a:rPr>
-              <a:t>obot </a:t>
-            </a:r>
-            <a:r>
-              <a:rPr lang="en-US" sz="1800">
-                <a:solidFill>
-                  <a:srgbClr val="00B0F0"/>
-                </a:solidFill>
-                <a:latin typeface="Calibri"/>
-                <a:ea typeface="Calibri"/>
-                <a:cs typeface="Calibri"/>
-                <a:sym typeface="Calibri"/>
-              </a:rPr>
-              <a:t>a</a:t>
-            </a:r>
-            <a:r>
-              <a:rPr lang="en-US" sz="1800" b="0" i="0" u="none" strike="noStrike" cap="none">
-                <a:solidFill>
-                  <a:srgbClr val="00B0F0"/>
-                </a:solidFill>
-                <a:latin typeface="Calibri"/>
-                <a:ea typeface="Calibri"/>
-                <a:cs typeface="Calibri"/>
-                <a:sym typeface="Calibri"/>
-              </a:rPr>
-              <a:t>rm to the </a:t>
-            </a:r>
-            <a:r>
-              <a:rPr lang="en-US" sz="1800">
-                <a:solidFill>
-                  <a:srgbClr val="00B0F0"/>
-                </a:solidFill>
-                <a:latin typeface="Calibri"/>
-                <a:ea typeface="Calibri"/>
-                <a:cs typeface="Calibri"/>
-                <a:sym typeface="Calibri"/>
-              </a:rPr>
-              <a:t>left</a:t>
-            </a:r>
-            <a:endParaRPr/>
-          </a:p>
-          <a:p>
-            <a:pPr marL="342900" marR="0" lvl="0" indent="-342900" algn="l" rtl="0">
-              <a:spcBef>
-                <a:spcPts val="600"/>
-              </a:spcBef>
-              <a:spcAft>
-                <a:spcPts val="0"/>
-              </a:spcAft>
-              <a:buClr>
-                <a:srgbClr val="00B0F0"/>
-              </a:buClr>
-              <a:buSzPts val="1800"/>
-              <a:buFont typeface="Calibri"/>
-              <a:buAutoNum type="arabicPeriod"/>
-            </a:pPr>
-            <a:r>
-              <a:rPr lang="en-US" sz="1800" b="0" i="0" u="none" strike="noStrike" cap="none">
-                <a:solidFill>
-                  <a:srgbClr val="00B0F0"/>
-                </a:solidFill>
-                <a:latin typeface="Calibri"/>
-                <a:ea typeface="Calibri"/>
-                <a:cs typeface="Calibri"/>
-                <a:sym typeface="Calibri"/>
-              </a:rPr>
-              <a:t>DPAD RIGHT –  Turn </a:t>
-            </a:r>
-            <a:r>
-              <a:rPr lang="en-US" sz="1800">
-                <a:solidFill>
-                  <a:srgbClr val="00B0F0"/>
-                </a:solidFill>
-                <a:latin typeface="Calibri"/>
-                <a:ea typeface="Calibri"/>
-                <a:cs typeface="Calibri"/>
-                <a:sym typeface="Calibri"/>
-              </a:rPr>
-              <a:t>r</a:t>
-            </a:r>
-            <a:r>
-              <a:rPr lang="en-US" sz="1800" b="0" i="0" u="none" strike="noStrike" cap="none">
-                <a:solidFill>
-                  <a:srgbClr val="00B0F0"/>
-                </a:solidFill>
-                <a:latin typeface="Calibri"/>
-                <a:ea typeface="Calibri"/>
-                <a:cs typeface="Calibri"/>
-                <a:sym typeface="Calibri"/>
-              </a:rPr>
-              <a:t>obot </a:t>
-            </a:r>
-            <a:r>
-              <a:rPr lang="en-US" sz="1800">
-                <a:solidFill>
-                  <a:srgbClr val="00B0F0"/>
-                </a:solidFill>
-                <a:latin typeface="Calibri"/>
-                <a:ea typeface="Calibri"/>
-                <a:cs typeface="Calibri"/>
-                <a:sym typeface="Calibri"/>
-              </a:rPr>
-              <a:t>a</a:t>
-            </a:r>
-            <a:r>
-              <a:rPr lang="en-US" sz="1800" b="0" i="0" u="none" strike="noStrike" cap="none">
-                <a:solidFill>
-                  <a:srgbClr val="00B0F0"/>
-                </a:solidFill>
-                <a:latin typeface="Calibri"/>
-                <a:ea typeface="Calibri"/>
-                <a:cs typeface="Calibri"/>
-                <a:sym typeface="Calibri"/>
-              </a:rPr>
-              <a:t>rm to </a:t>
-            </a:r>
-            <a:r>
-              <a:rPr lang="en-US" sz="1800">
-                <a:solidFill>
-                  <a:srgbClr val="00B0F0"/>
-                </a:solidFill>
-                <a:latin typeface="Calibri"/>
-                <a:ea typeface="Calibri"/>
-                <a:cs typeface="Calibri"/>
-                <a:sym typeface="Calibri"/>
-              </a:rPr>
-              <a:t>the right </a:t>
-            </a:r>
-            <a:endParaRPr/>
-          </a:p>
-          <a:p>
-            <a:pPr marL="342900" marR="0" lvl="0" indent="-342900" algn="l" rtl="0">
-              <a:spcBef>
-                <a:spcPts val="600"/>
-              </a:spcBef>
-              <a:spcAft>
-                <a:spcPts val="0"/>
-              </a:spcAft>
-              <a:buClr>
-                <a:srgbClr val="00B0F0"/>
-              </a:buClr>
-              <a:buSzPts val="1800"/>
-              <a:buFont typeface="Calibri"/>
-              <a:buAutoNum type="arabicPeriod"/>
-            </a:pPr>
-            <a:r>
-              <a:rPr lang="en-US" sz="1800" b="0" i="0" u="none" strike="noStrike" cap="none">
-                <a:solidFill>
-                  <a:srgbClr val="00B0F0"/>
-                </a:solidFill>
-                <a:latin typeface="Calibri"/>
-                <a:ea typeface="Calibri"/>
-                <a:cs typeface="Calibri"/>
-                <a:sym typeface="Calibri"/>
-              </a:rPr>
-              <a:t>DPAD UP –  Turn </a:t>
-            </a:r>
-            <a:r>
-              <a:rPr lang="en-US" sz="1800">
-                <a:solidFill>
-                  <a:srgbClr val="00B0F0"/>
-                </a:solidFill>
-                <a:latin typeface="Calibri"/>
-                <a:ea typeface="Calibri"/>
-                <a:cs typeface="Calibri"/>
-                <a:sym typeface="Calibri"/>
-              </a:rPr>
-              <a:t>r</a:t>
-            </a:r>
-            <a:r>
-              <a:rPr lang="en-US" sz="1800" b="0" i="0" u="none" strike="noStrike" cap="none">
-                <a:solidFill>
-                  <a:srgbClr val="00B0F0"/>
-                </a:solidFill>
-                <a:latin typeface="Calibri"/>
-                <a:ea typeface="Calibri"/>
-                <a:cs typeface="Calibri"/>
-                <a:sym typeface="Calibri"/>
-              </a:rPr>
-              <a:t>obot </a:t>
-            </a:r>
-            <a:r>
-              <a:rPr lang="en-US" sz="1800">
-                <a:solidFill>
-                  <a:srgbClr val="00B0F0"/>
-                </a:solidFill>
-                <a:latin typeface="Calibri"/>
-                <a:ea typeface="Calibri"/>
-                <a:cs typeface="Calibri"/>
-                <a:sym typeface="Calibri"/>
-              </a:rPr>
-              <a:t>a</a:t>
-            </a:r>
-            <a:r>
-              <a:rPr lang="en-US" sz="1800" b="0" i="0" u="none" strike="noStrike" cap="none">
-                <a:solidFill>
-                  <a:srgbClr val="00B0F0"/>
-                </a:solidFill>
-                <a:latin typeface="Calibri"/>
-                <a:ea typeface="Calibri"/>
-                <a:cs typeface="Calibri"/>
-                <a:sym typeface="Calibri"/>
-              </a:rPr>
-              <a:t>rm to </a:t>
-            </a:r>
-            <a:r>
-              <a:rPr lang="en-US" sz="1800">
-                <a:solidFill>
-                  <a:srgbClr val="00B0F0"/>
-                </a:solidFill>
-                <a:latin typeface="Calibri"/>
-                <a:ea typeface="Calibri"/>
-                <a:cs typeface="Calibri"/>
-                <a:sym typeface="Calibri"/>
-              </a:rPr>
-              <a:t>the front</a:t>
-            </a:r>
-            <a:endParaRPr/>
-          </a:p>
-          <a:p>
-            <a:pPr marL="342900" marR="0" lvl="0" indent="-342900" algn="l" rtl="0">
-              <a:spcBef>
-                <a:spcPts val="600"/>
-              </a:spcBef>
-              <a:spcAft>
-                <a:spcPts val="0"/>
-              </a:spcAft>
-              <a:buClr>
-                <a:srgbClr val="00B0F0"/>
-              </a:buClr>
-              <a:buSzPts val="1800"/>
-              <a:buFont typeface="Calibri"/>
-              <a:buAutoNum type="arabicPeriod"/>
-            </a:pPr>
-            <a:r>
-              <a:rPr lang="en-US" sz="1800" b="0" i="0" u="none" strike="noStrike" cap="none">
-                <a:solidFill>
-                  <a:srgbClr val="00B0F0"/>
-                </a:solidFill>
-                <a:latin typeface="Calibri"/>
-                <a:ea typeface="Calibri"/>
-                <a:cs typeface="Calibri"/>
-                <a:sym typeface="Calibri"/>
-              </a:rPr>
-              <a:t>DPAD UP &amp; Left Bumper – Shipping Hub </a:t>
-            </a:r>
-            <a:r>
-              <a:rPr lang="en-US" sz="1800">
-                <a:solidFill>
-                  <a:srgbClr val="00B0F0"/>
-                </a:solidFill>
-                <a:latin typeface="Calibri"/>
-                <a:ea typeface="Calibri"/>
-                <a:cs typeface="Calibri"/>
-                <a:sym typeface="Calibri"/>
-              </a:rPr>
-              <a:t>- Top Level</a:t>
-            </a:r>
-            <a:endParaRPr/>
-          </a:p>
-          <a:p>
-            <a:pPr marL="342900" marR="0" lvl="0" indent="-342900" algn="l" rtl="0">
-              <a:spcBef>
-                <a:spcPts val="600"/>
-              </a:spcBef>
-              <a:spcAft>
-                <a:spcPts val="0"/>
-              </a:spcAft>
-              <a:buClr>
-                <a:srgbClr val="00B0F0"/>
-              </a:buClr>
-              <a:buSzPts val="1800"/>
-              <a:buFont typeface="Calibri"/>
-              <a:buAutoNum type="arabicPeriod"/>
-            </a:pPr>
-            <a:r>
-              <a:rPr lang="en-US" sz="1800" b="0" i="0" u="none" strike="noStrike" cap="none">
-                <a:solidFill>
-                  <a:srgbClr val="00B0F0"/>
-                </a:solidFill>
-                <a:latin typeface="Calibri"/>
-                <a:ea typeface="Calibri"/>
-                <a:cs typeface="Calibri"/>
-                <a:sym typeface="Calibri"/>
-              </a:rPr>
-              <a:t>DPAD RIGHT &amp; Left Bumper – Shipping Hub - Middle </a:t>
-            </a:r>
-            <a:r>
-              <a:rPr lang="en-US" sz="1800">
-                <a:solidFill>
-                  <a:srgbClr val="00B0F0"/>
-                </a:solidFill>
-                <a:latin typeface="Calibri"/>
-                <a:ea typeface="Calibri"/>
-                <a:cs typeface="Calibri"/>
-                <a:sym typeface="Calibri"/>
-              </a:rPr>
-              <a:t>Level</a:t>
-            </a:r>
-            <a:endParaRPr/>
-          </a:p>
-          <a:p>
-            <a:pPr marL="342900" marR="0" lvl="0" indent="-342900" algn="l" rtl="0">
-              <a:spcBef>
-                <a:spcPts val="600"/>
-              </a:spcBef>
-              <a:spcAft>
-                <a:spcPts val="0"/>
-              </a:spcAft>
-              <a:buClr>
-                <a:srgbClr val="00B0F0"/>
-              </a:buClr>
-              <a:buSzPts val="1800"/>
-              <a:buFont typeface="Calibri"/>
-              <a:buAutoNum type="arabicPeriod"/>
-            </a:pPr>
-            <a:r>
-              <a:rPr lang="en-US" sz="1800" b="0" i="0" u="none" strike="noStrike" cap="none">
-                <a:solidFill>
-                  <a:srgbClr val="00B0F0"/>
-                </a:solidFill>
-                <a:latin typeface="Calibri"/>
-                <a:ea typeface="Calibri"/>
-                <a:cs typeface="Calibri"/>
-                <a:sym typeface="Calibri"/>
-              </a:rPr>
-              <a:t>DPAD LEFT &amp; Left Bumper – Shipping Hub - Lowe</a:t>
-            </a:r>
-            <a:r>
-              <a:rPr lang="en-US" sz="1800">
-                <a:solidFill>
-                  <a:srgbClr val="00B0F0"/>
-                </a:solidFill>
-                <a:latin typeface="Calibri"/>
-                <a:ea typeface="Calibri"/>
-                <a:cs typeface="Calibri"/>
-                <a:sym typeface="Calibri"/>
-              </a:rPr>
-              <a:t>st Level </a:t>
-            </a:r>
-            <a:endParaRPr/>
-          </a:p>
-          <a:p>
-            <a:pPr marL="342900" marR="0" lvl="0" indent="-342900" algn="l" rtl="0">
-              <a:spcBef>
-                <a:spcPts val="600"/>
-              </a:spcBef>
-              <a:spcAft>
-                <a:spcPts val="0"/>
-              </a:spcAft>
-              <a:buClr>
-                <a:srgbClr val="00B0F0"/>
-              </a:buClr>
-              <a:buSzPts val="1800"/>
-              <a:buFont typeface="Calibri"/>
-              <a:buAutoNum type="arabicPeriod"/>
-            </a:pPr>
-            <a:r>
-              <a:rPr lang="en-US" sz="1800" b="0" i="0" u="none" strike="noStrike" cap="none">
-                <a:solidFill>
-                  <a:srgbClr val="00B0F0"/>
-                </a:solidFill>
-                <a:latin typeface="Calibri"/>
-                <a:ea typeface="Calibri"/>
-                <a:cs typeface="Calibri"/>
-                <a:sym typeface="Calibri"/>
-              </a:rPr>
-              <a:t>DPAD DOWN &amp; Left Bumper – Shared Shipping Hub</a:t>
-            </a:r>
-            <a:endParaRPr/>
-          </a:p>
-        </p:txBody>
-      </p:sp>
-    </p:spTree>
-  </p:cSld>
-  <p:clrMapOvr>
-    <a:masterClrMapping/>
-  </p:clrMapOvr>
-</p:sld>
-</file>
-
-<file path=ppt/slides/slide3.xml><?xml version="1.0" encoding="utf-8"?>
-<p:sld xmlns:a="http://schemas.openxmlformats.org/drawingml/2006/main" xmlns:r="http://schemas.openxmlformats.org/officeDocument/2006/relationships" xmlns:p="http://schemas.openxmlformats.org/presentationml/2006/main">
-  <p:cSld>
-    <p:spTree>
-      <p:nvGrpSpPr>
-        <p:cNvPr id="1" name="Shape 168"/>
-        <p:cNvGrpSpPr/>
-        <p:nvPr/>
-      </p:nvGrpSpPr>
-      <p:grpSpPr>
-        <a:xfrm>
-          <a:off x="0" y="0"/>
-          <a:ext cx="0" cy="0"/>
-          <a:chOff x="0" y="0"/>
-          <a:chExt cx="0" cy="0"/>
-        </a:xfrm>
-      </p:grpSpPr>
-      <p:pic>
-        <p:nvPicPr>
-          <p:cNvPr id="169" name="Google Shape;169;p3"/>
-          <p:cNvPicPr preferRelativeResize="0"/>
-          <p:nvPr/>
-        </p:nvPicPr>
-        <p:blipFill rotWithShape="1">
-          <a:blip r:embed="rId3">
-            <a:alphaModFix/>
-          </a:blip>
-          <a:srcRect/>
-          <a:stretch/>
-        </p:blipFill>
-        <p:spPr>
-          <a:xfrm>
-            <a:off x="489795" y="1342107"/>
-            <a:ext cx="5606205" cy="3490214"/>
-          </a:xfrm>
-          <a:prstGeom prst="rect">
-            <a:avLst/>
-          </a:prstGeom>
-          <a:noFill/>
-          <a:ln>
-            <a:noFill/>
-          </a:ln>
-        </p:spPr>
-      </p:pic>
-      <p:grpSp>
-        <p:nvGrpSpPr>
-          <p:cNvPr id="170" name="Google Shape;170;p3"/>
-          <p:cNvGrpSpPr/>
-          <p:nvPr/>
-        </p:nvGrpSpPr>
-        <p:grpSpPr>
-          <a:xfrm>
-            <a:off x="1595307" y="2986102"/>
-            <a:ext cx="1744905" cy="1304700"/>
-            <a:chOff x="1595307" y="2986102"/>
-            <a:chExt cx="1744905" cy="1304700"/>
-          </a:xfrm>
-        </p:grpSpPr>
-        <p:cxnSp>
-          <p:nvCxnSpPr>
-            <p:cNvPr id="171" name="Google Shape;171;p3"/>
-            <p:cNvCxnSpPr/>
-            <p:nvPr/>
-          </p:nvCxnSpPr>
-          <p:spPr>
-            <a:xfrm>
-              <a:off x="1971413" y="3632433"/>
-              <a:ext cx="1023457" cy="0"/>
-            </a:xfrm>
-            <a:prstGeom prst="straightConnector1">
-              <a:avLst/>
-            </a:prstGeom>
-            <a:noFill/>
-            <a:ln w="28575" cap="flat" cmpd="sng">
-              <a:solidFill>
-                <a:srgbClr val="00B0F0"/>
-              </a:solidFill>
-              <a:prstDash val="solid"/>
-              <a:miter lim="800000"/>
-              <a:headEnd type="triangle" w="med" len="med"/>
-              <a:tailEnd type="triangle" w="med" len="med"/>
-            </a:ln>
-          </p:spPr>
-        </p:cxnSp>
-        <p:cxnSp>
-          <p:nvCxnSpPr>
-            <p:cNvPr id="172" name="Google Shape;172;p3"/>
-            <p:cNvCxnSpPr/>
-            <p:nvPr/>
-          </p:nvCxnSpPr>
-          <p:spPr>
-            <a:xfrm>
-              <a:off x="2459372" y="3300401"/>
-              <a:ext cx="0" cy="697619"/>
-            </a:xfrm>
-            <a:prstGeom prst="straightConnector1">
-              <a:avLst/>
-            </a:prstGeom>
-            <a:noFill/>
-            <a:ln w="28575" cap="flat" cmpd="sng">
-              <a:solidFill>
-                <a:srgbClr val="00B0F0"/>
-              </a:solidFill>
-              <a:prstDash val="solid"/>
-              <a:miter lim="800000"/>
-              <a:headEnd type="triangle" w="med" len="med"/>
-              <a:tailEnd type="triangle" w="med" len="med"/>
-            </a:ln>
-          </p:spPr>
-        </p:cxnSp>
-        <p:sp>
-          <p:nvSpPr>
-            <p:cNvPr id="173" name="Google Shape;173;p3"/>
-            <p:cNvSpPr txBox="1"/>
-            <p:nvPr/>
-          </p:nvSpPr>
-          <p:spPr>
-            <a:xfrm>
-              <a:off x="2878822" y="3429000"/>
-              <a:ext cx="461390" cy="369332"/>
-            </a:xfrm>
-            <a:prstGeom prst="rect">
-              <a:avLst/>
-            </a:prstGeom>
-            <a:noFill/>
-            <a:ln>
-              <a:noFill/>
-            </a:ln>
-          </p:spPr>
-          <p:txBody>
-            <a:bodyPr spcFirstLastPara="1" wrap="square" lIns="91425" tIns="45700" rIns="91425" bIns="45700" anchor="ctr" anchorCtr="0">
-              <a:spAutoFit/>
-            </a:bodyPr>
-            <a:lstStyle/>
-            <a:p>
-              <a:pPr marL="0" marR="0" lvl="0" indent="0" algn="ctr" rtl="0">
-                <a:spcBef>
-                  <a:spcPts val="0"/>
-                </a:spcBef>
-                <a:spcAft>
-                  <a:spcPts val="0"/>
-                </a:spcAft>
-                <a:buNone/>
-              </a:pPr>
-              <a:r>
-                <a:rPr lang="en-US" sz="1800" b="0" i="0" u="none" strike="noStrike" cap="none">
-                  <a:solidFill>
-                    <a:schemeClr val="lt1"/>
-                  </a:solidFill>
-                  <a:latin typeface="Calibri"/>
-                  <a:ea typeface="Calibri"/>
-                  <a:cs typeface="Calibri"/>
-                  <a:sym typeface="Calibri"/>
-                </a:rPr>
-                <a:t>+X</a:t>
-              </a:r>
-              <a:endParaRPr/>
-            </a:p>
-          </p:txBody>
-        </p:sp>
-        <p:sp>
-          <p:nvSpPr>
-            <p:cNvPr id="174" name="Google Shape;174;p3"/>
-            <p:cNvSpPr txBox="1"/>
-            <p:nvPr/>
-          </p:nvSpPr>
-          <p:spPr>
-            <a:xfrm>
-              <a:off x="1595307" y="3447766"/>
-              <a:ext cx="440421" cy="369332"/>
-            </a:xfrm>
-            <a:prstGeom prst="rect">
-              <a:avLst/>
-            </a:prstGeom>
-            <a:noFill/>
-            <a:ln>
-              <a:noFill/>
-            </a:ln>
-          </p:spPr>
-          <p:txBody>
-            <a:bodyPr spcFirstLastPara="1" wrap="square" lIns="91425" tIns="45700" rIns="91425" bIns="45700" anchor="ctr" anchorCtr="0">
-              <a:spAutoFit/>
-            </a:bodyPr>
-            <a:lstStyle/>
-            <a:p>
-              <a:pPr marL="0" marR="0" lvl="0" indent="0" algn="ctr" rtl="0">
-                <a:spcBef>
-                  <a:spcPts val="0"/>
-                </a:spcBef>
-                <a:spcAft>
-                  <a:spcPts val="0"/>
-                </a:spcAft>
-                <a:buNone/>
-              </a:pPr>
-              <a:r>
-                <a:rPr lang="en-US" sz="1800" b="0" i="0" u="none" strike="noStrike" cap="none">
-                  <a:solidFill>
-                    <a:schemeClr val="lt1"/>
-                  </a:solidFill>
-                  <a:latin typeface="Calibri"/>
-                  <a:ea typeface="Calibri"/>
-                  <a:cs typeface="Calibri"/>
-                  <a:sym typeface="Calibri"/>
-                </a:rPr>
-                <a:t>-X</a:t>
-              </a:r>
-              <a:endParaRPr/>
-            </a:p>
-          </p:txBody>
-        </p:sp>
-        <p:sp>
-          <p:nvSpPr>
-            <p:cNvPr id="175" name="Google Shape;175;p3"/>
-            <p:cNvSpPr txBox="1"/>
-            <p:nvPr/>
-          </p:nvSpPr>
-          <p:spPr>
-            <a:xfrm>
-              <a:off x="2181136" y="2986102"/>
-              <a:ext cx="461391" cy="369332"/>
-            </a:xfrm>
-            <a:prstGeom prst="rect">
-              <a:avLst/>
-            </a:prstGeom>
-            <a:noFill/>
-            <a:ln>
-              <a:noFill/>
-            </a:ln>
-          </p:spPr>
-          <p:txBody>
-            <a:bodyPr spcFirstLastPara="1" wrap="square" lIns="91425" tIns="45700" rIns="91425" bIns="45700" anchor="ctr" anchorCtr="0">
-              <a:spAutoFit/>
-            </a:bodyPr>
-            <a:lstStyle/>
-            <a:p>
-              <a:pPr marL="0" marR="0" lvl="0" indent="0" algn="ctr" rtl="0">
-                <a:spcBef>
-                  <a:spcPts val="0"/>
-                </a:spcBef>
-                <a:spcAft>
-                  <a:spcPts val="0"/>
-                </a:spcAft>
-                <a:buNone/>
-              </a:pPr>
-              <a:r>
-                <a:rPr lang="en-US" sz="1800" b="0" i="0" u="none" strike="noStrike" cap="none">
-                  <a:solidFill>
-                    <a:schemeClr val="lt1"/>
-                  </a:solidFill>
-                  <a:latin typeface="Calibri"/>
-                  <a:ea typeface="Calibri"/>
-                  <a:cs typeface="Calibri"/>
-                  <a:sym typeface="Calibri"/>
-                </a:rPr>
-                <a:t>+Y</a:t>
-              </a:r>
-              <a:endParaRPr/>
-            </a:p>
-          </p:txBody>
-        </p:sp>
-        <p:sp>
-          <p:nvSpPr>
-            <p:cNvPr id="176" name="Google Shape;176;p3"/>
-            <p:cNvSpPr txBox="1"/>
-            <p:nvPr/>
-          </p:nvSpPr>
-          <p:spPr>
-            <a:xfrm>
-              <a:off x="2199312" y="3921470"/>
-              <a:ext cx="457203" cy="369332"/>
-            </a:xfrm>
-            <a:prstGeom prst="rect">
-              <a:avLst/>
-            </a:prstGeom>
-            <a:noFill/>
-            <a:ln>
-              <a:noFill/>
-            </a:ln>
-          </p:spPr>
-          <p:txBody>
-            <a:bodyPr spcFirstLastPara="1" wrap="square" lIns="91425" tIns="45700" rIns="91425" bIns="45700" anchor="ctr" anchorCtr="0">
-              <a:spAutoFit/>
-            </a:bodyPr>
-            <a:lstStyle/>
-            <a:p>
-              <a:pPr marL="0" marR="0" lvl="0" indent="0" algn="ctr" rtl="0">
-                <a:spcBef>
-                  <a:spcPts val="0"/>
-                </a:spcBef>
-                <a:spcAft>
-                  <a:spcPts val="0"/>
-                </a:spcAft>
-                <a:buNone/>
-              </a:pPr>
-              <a:r>
-                <a:rPr lang="en-US" sz="1800" b="0" i="0" u="none" strike="noStrike" cap="none">
-                  <a:solidFill>
-                    <a:schemeClr val="lt1"/>
-                  </a:solidFill>
-                  <a:latin typeface="Calibri"/>
-                  <a:ea typeface="Calibri"/>
-                  <a:cs typeface="Calibri"/>
-                  <a:sym typeface="Calibri"/>
-                </a:rPr>
-                <a:t>-Y</a:t>
-              </a:r>
-              <a:endParaRPr/>
-            </a:p>
-          </p:txBody>
-        </p:sp>
-      </p:grpSp>
-      <p:grpSp>
-        <p:nvGrpSpPr>
-          <p:cNvPr id="177" name="Google Shape;177;p3"/>
-          <p:cNvGrpSpPr/>
-          <p:nvPr/>
-        </p:nvGrpSpPr>
-        <p:grpSpPr>
-          <a:xfrm>
-            <a:off x="3219542" y="2961316"/>
-            <a:ext cx="1744905" cy="1304700"/>
-            <a:chOff x="1595307" y="2986102"/>
-            <a:chExt cx="1744905" cy="1304700"/>
-          </a:xfrm>
-        </p:grpSpPr>
-        <p:cxnSp>
-          <p:nvCxnSpPr>
-            <p:cNvPr id="178" name="Google Shape;178;p3"/>
-            <p:cNvCxnSpPr/>
-            <p:nvPr/>
-          </p:nvCxnSpPr>
-          <p:spPr>
-            <a:xfrm>
-              <a:off x="1971413" y="3632433"/>
-              <a:ext cx="1023457" cy="0"/>
-            </a:xfrm>
-            <a:prstGeom prst="straightConnector1">
-              <a:avLst/>
-            </a:prstGeom>
-            <a:noFill/>
-            <a:ln w="28575" cap="flat" cmpd="sng">
-              <a:solidFill>
-                <a:srgbClr val="00B0F0"/>
-              </a:solidFill>
-              <a:prstDash val="solid"/>
-              <a:miter lim="800000"/>
-              <a:headEnd type="triangle" w="med" len="med"/>
-              <a:tailEnd type="triangle" w="med" len="med"/>
-            </a:ln>
-          </p:spPr>
-        </p:cxnSp>
-        <p:cxnSp>
-          <p:nvCxnSpPr>
-            <p:cNvPr id="179" name="Google Shape;179;p3"/>
-            <p:cNvCxnSpPr/>
-            <p:nvPr/>
-          </p:nvCxnSpPr>
-          <p:spPr>
-            <a:xfrm>
-              <a:off x="2459372" y="3300401"/>
-              <a:ext cx="0" cy="697619"/>
-            </a:xfrm>
-            <a:prstGeom prst="straightConnector1">
-              <a:avLst/>
-            </a:prstGeom>
-            <a:noFill/>
-            <a:ln w="28575" cap="flat" cmpd="sng">
-              <a:solidFill>
-                <a:srgbClr val="00B0F0"/>
-              </a:solidFill>
-              <a:prstDash val="solid"/>
-              <a:miter lim="800000"/>
-              <a:headEnd type="triangle" w="med" len="med"/>
-              <a:tailEnd type="triangle" w="med" len="med"/>
-            </a:ln>
-          </p:spPr>
-        </p:cxnSp>
-        <p:sp>
-          <p:nvSpPr>
-            <p:cNvPr id="180" name="Google Shape;180;p3"/>
-            <p:cNvSpPr txBox="1"/>
-            <p:nvPr/>
-          </p:nvSpPr>
-          <p:spPr>
-            <a:xfrm>
-              <a:off x="2878822" y="3429000"/>
-              <a:ext cx="461390" cy="369332"/>
-            </a:xfrm>
-            <a:prstGeom prst="rect">
-              <a:avLst/>
-            </a:prstGeom>
-            <a:noFill/>
-            <a:ln>
-              <a:noFill/>
-            </a:ln>
-          </p:spPr>
-          <p:txBody>
-            <a:bodyPr spcFirstLastPara="1" wrap="square" lIns="91425" tIns="45700" rIns="91425" bIns="45700" anchor="ctr" anchorCtr="0">
-              <a:spAutoFit/>
-            </a:bodyPr>
-            <a:lstStyle/>
-            <a:p>
-              <a:pPr marL="0" marR="0" lvl="0" indent="0" algn="ctr" rtl="0">
-                <a:spcBef>
-                  <a:spcPts val="0"/>
-                </a:spcBef>
-                <a:spcAft>
-                  <a:spcPts val="0"/>
-                </a:spcAft>
-                <a:buNone/>
-              </a:pPr>
-              <a:r>
-                <a:rPr lang="en-US" sz="1800" b="0" i="0" u="none" strike="noStrike" cap="none">
-                  <a:solidFill>
-                    <a:schemeClr val="lt1"/>
-                  </a:solidFill>
-                  <a:latin typeface="Calibri"/>
-                  <a:ea typeface="Calibri"/>
-                  <a:cs typeface="Calibri"/>
-                  <a:sym typeface="Calibri"/>
-                </a:rPr>
-                <a:t>+X</a:t>
-              </a:r>
-              <a:endParaRPr/>
-            </a:p>
-          </p:txBody>
-        </p:sp>
-        <p:sp>
-          <p:nvSpPr>
-            <p:cNvPr id="181" name="Google Shape;181;p3"/>
-            <p:cNvSpPr txBox="1"/>
-            <p:nvPr/>
-          </p:nvSpPr>
-          <p:spPr>
-            <a:xfrm>
-              <a:off x="1595307" y="3447766"/>
-              <a:ext cx="440421" cy="369332"/>
-            </a:xfrm>
-            <a:prstGeom prst="rect">
-              <a:avLst/>
-            </a:prstGeom>
-            <a:noFill/>
-            <a:ln>
-              <a:noFill/>
-            </a:ln>
-          </p:spPr>
-          <p:txBody>
-            <a:bodyPr spcFirstLastPara="1" wrap="square" lIns="91425" tIns="45700" rIns="91425" bIns="45700" anchor="ctr" anchorCtr="0">
-              <a:spAutoFit/>
-            </a:bodyPr>
-            <a:lstStyle/>
-            <a:p>
-              <a:pPr marL="0" marR="0" lvl="0" indent="0" algn="ctr" rtl="0">
-                <a:spcBef>
-                  <a:spcPts val="0"/>
-                </a:spcBef>
-                <a:spcAft>
-                  <a:spcPts val="0"/>
-                </a:spcAft>
-                <a:buNone/>
-              </a:pPr>
-              <a:r>
-                <a:rPr lang="en-US" sz="1800" b="0" i="0" u="none" strike="noStrike" cap="none">
-                  <a:solidFill>
-                    <a:schemeClr val="lt1"/>
-                  </a:solidFill>
-                  <a:latin typeface="Calibri"/>
-                  <a:ea typeface="Calibri"/>
-                  <a:cs typeface="Calibri"/>
-                  <a:sym typeface="Calibri"/>
-                </a:rPr>
-                <a:t>-X</a:t>
-              </a:r>
-              <a:endParaRPr/>
-            </a:p>
-          </p:txBody>
-        </p:sp>
-        <p:sp>
-          <p:nvSpPr>
-            <p:cNvPr id="182" name="Google Shape;182;p3"/>
-            <p:cNvSpPr txBox="1"/>
-            <p:nvPr/>
-          </p:nvSpPr>
-          <p:spPr>
-            <a:xfrm>
-              <a:off x="2181136" y="2986102"/>
-              <a:ext cx="461391" cy="369332"/>
-            </a:xfrm>
-            <a:prstGeom prst="rect">
-              <a:avLst/>
-            </a:prstGeom>
-            <a:noFill/>
-            <a:ln>
-              <a:noFill/>
-            </a:ln>
-          </p:spPr>
-          <p:txBody>
-            <a:bodyPr spcFirstLastPara="1" wrap="square" lIns="91425" tIns="45700" rIns="91425" bIns="45700" anchor="ctr" anchorCtr="0">
-              <a:spAutoFit/>
-            </a:bodyPr>
-            <a:lstStyle/>
-            <a:p>
-              <a:pPr marL="0" marR="0" lvl="0" indent="0" algn="ctr" rtl="0">
-                <a:spcBef>
-                  <a:spcPts val="0"/>
-                </a:spcBef>
-                <a:spcAft>
-                  <a:spcPts val="0"/>
-                </a:spcAft>
-                <a:buNone/>
-              </a:pPr>
-              <a:r>
-                <a:rPr lang="en-US" sz="1800" b="0" i="0" u="none" strike="noStrike" cap="none">
-                  <a:solidFill>
-                    <a:schemeClr val="lt1"/>
-                  </a:solidFill>
-                  <a:latin typeface="Calibri"/>
-                  <a:ea typeface="Calibri"/>
-                  <a:cs typeface="Calibri"/>
-                  <a:sym typeface="Calibri"/>
-                </a:rPr>
-                <a:t>+Y</a:t>
-              </a:r>
-              <a:endParaRPr/>
-            </a:p>
-          </p:txBody>
-        </p:sp>
-        <p:sp>
-          <p:nvSpPr>
-            <p:cNvPr id="183" name="Google Shape;183;p3"/>
-            <p:cNvSpPr txBox="1"/>
-            <p:nvPr/>
-          </p:nvSpPr>
-          <p:spPr>
-            <a:xfrm>
-              <a:off x="2199312" y="3921470"/>
-              <a:ext cx="457203" cy="369332"/>
-            </a:xfrm>
-            <a:prstGeom prst="rect">
-              <a:avLst/>
-            </a:prstGeom>
-            <a:noFill/>
-            <a:ln>
-              <a:noFill/>
-            </a:ln>
-          </p:spPr>
-          <p:txBody>
-            <a:bodyPr spcFirstLastPara="1" wrap="square" lIns="91425" tIns="45700" rIns="91425" bIns="45700" anchor="ctr" anchorCtr="0">
-              <a:spAutoFit/>
-            </a:bodyPr>
-            <a:lstStyle/>
-            <a:p>
-              <a:pPr marL="0" marR="0" lvl="0" indent="0" algn="ctr" rtl="0">
-                <a:spcBef>
-                  <a:spcPts val="0"/>
-                </a:spcBef>
-                <a:spcAft>
-                  <a:spcPts val="0"/>
-                </a:spcAft>
-                <a:buNone/>
-              </a:pPr>
-              <a:r>
-                <a:rPr lang="en-US" sz="1800" b="0" i="0" u="none" strike="noStrike" cap="none">
-                  <a:solidFill>
-                    <a:schemeClr val="lt1"/>
-                  </a:solidFill>
-                  <a:latin typeface="Calibri"/>
-                  <a:ea typeface="Calibri"/>
-                  <a:cs typeface="Calibri"/>
-                  <a:sym typeface="Calibri"/>
-                </a:rPr>
-                <a:t>-Y</a:t>
-              </a:r>
-              <a:endParaRPr/>
-            </a:p>
-          </p:txBody>
-        </p:sp>
-      </p:grpSp>
-      <p:sp>
-        <p:nvSpPr>
-          <p:cNvPr id="184" name="Google Shape;184;p3"/>
-          <p:cNvSpPr/>
-          <p:nvPr/>
-        </p:nvSpPr>
-        <p:spPr>
-          <a:xfrm>
-            <a:off x="1769693" y="4201453"/>
-            <a:ext cx="1449849" cy="344546"/>
-          </a:xfrm>
-          <a:prstGeom prst="ellipse">
-            <a:avLst/>
-          </a:prstGeom>
-          <a:noFill/>
-          <a:ln>
-            <a:noFill/>
-          </a:ln>
-        </p:spPr>
-        <p:txBody>
-          <a:bodyPr spcFirstLastPara="1" wrap="square" lIns="91425" tIns="45700" rIns="91425" bIns="45700" anchor="ctr" anchorCtr="0">
-            <a:noAutofit/>
-          </a:bodyPr>
-          <a:lstStyle/>
-          <a:p>
-            <a:pPr marL="0" marR="0" lvl="0" indent="0" algn="ctr" rtl="0">
-              <a:spcBef>
-                <a:spcPts val="0"/>
-              </a:spcBef>
-              <a:spcAft>
-                <a:spcPts val="0"/>
-              </a:spcAft>
-              <a:buNone/>
-            </a:pPr>
-            <a:r>
-              <a:rPr lang="en-US" sz="1600" b="0" i="0" u="none" strike="noStrike" cap="none">
-                <a:solidFill>
-                  <a:srgbClr val="00B0F0"/>
-                </a:solidFill>
-                <a:latin typeface="Calibri"/>
-                <a:ea typeface="Calibri"/>
-                <a:cs typeface="Calibri"/>
-                <a:sym typeface="Calibri"/>
-              </a:rPr>
-              <a:t>Left Stick</a:t>
-            </a:r>
-            <a:endParaRPr/>
-          </a:p>
-        </p:txBody>
-      </p:sp>
-      <p:sp>
-        <p:nvSpPr>
-          <p:cNvPr id="185" name="Google Shape;185;p3"/>
-          <p:cNvSpPr/>
-          <p:nvPr/>
-        </p:nvSpPr>
-        <p:spPr>
-          <a:xfrm>
-            <a:off x="3219542" y="4231761"/>
-            <a:ext cx="1588989" cy="344546"/>
-          </a:xfrm>
-          <a:prstGeom prst="ellipse">
-            <a:avLst/>
-          </a:prstGeom>
-          <a:noFill/>
-          <a:ln>
-            <a:noFill/>
-          </a:ln>
-        </p:spPr>
-        <p:txBody>
-          <a:bodyPr spcFirstLastPara="1" wrap="square" lIns="91425" tIns="45700" rIns="91425" bIns="45700" anchor="ctr" anchorCtr="0">
-            <a:noAutofit/>
-          </a:bodyPr>
-          <a:lstStyle/>
-          <a:p>
-            <a:pPr marL="0" marR="0" lvl="0" indent="0" algn="ctr" rtl="0">
-              <a:spcBef>
-                <a:spcPts val="0"/>
-              </a:spcBef>
-              <a:spcAft>
-                <a:spcPts val="0"/>
-              </a:spcAft>
-              <a:buNone/>
-            </a:pPr>
-            <a:r>
-              <a:rPr lang="en-US" sz="1600" b="0" i="0" u="none" strike="noStrike" cap="none">
-                <a:solidFill>
-                  <a:srgbClr val="00B0F0"/>
-                </a:solidFill>
-                <a:latin typeface="Calibri"/>
-                <a:ea typeface="Calibri"/>
-                <a:cs typeface="Calibri"/>
-                <a:sym typeface="Calibri"/>
-              </a:rPr>
-              <a:t>Right Stick</a:t>
-            </a:r>
-            <a:endParaRPr/>
-          </a:p>
-        </p:txBody>
-      </p:sp>
-      <p:grpSp>
-        <p:nvGrpSpPr>
-          <p:cNvPr id="186" name="Google Shape;186;p3"/>
-          <p:cNvGrpSpPr/>
-          <p:nvPr/>
-        </p:nvGrpSpPr>
-        <p:grpSpPr>
-          <a:xfrm>
-            <a:off x="727260" y="2118702"/>
-            <a:ext cx="2112941" cy="1212368"/>
-            <a:chOff x="1504855" y="3032268"/>
-            <a:chExt cx="2112941" cy="1212368"/>
-          </a:xfrm>
-        </p:grpSpPr>
-        <p:cxnSp>
-          <p:nvCxnSpPr>
-            <p:cNvPr id="187" name="Google Shape;187;p3"/>
-            <p:cNvCxnSpPr/>
-            <p:nvPr/>
-          </p:nvCxnSpPr>
-          <p:spPr>
-            <a:xfrm>
-              <a:off x="1971413" y="3632433"/>
-              <a:ext cx="1023457" cy="0"/>
-            </a:xfrm>
-            <a:prstGeom prst="straightConnector1">
-              <a:avLst/>
-            </a:prstGeom>
-            <a:noFill/>
-            <a:ln w="28575" cap="flat" cmpd="sng">
-              <a:solidFill>
-                <a:srgbClr val="00B0F0"/>
-              </a:solidFill>
-              <a:prstDash val="solid"/>
-              <a:miter lim="800000"/>
-              <a:headEnd type="triangle" w="med" len="med"/>
-              <a:tailEnd type="triangle" w="med" len="med"/>
-            </a:ln>
-          </p:spPr>
-        </p:cxnSp>
-        <p:cxnSp>
-          <p:nvCxnSpPr>
-            <p:cNvPr id="188" name="Google Shape;188;p3"/>
-            <p:cNvCxnSpPr/>
-            <p:nvPr/>
-          </p:nvCxnSpPr>
-          <p:spPr>
-            <a:xfrm>
-              <a:off x="2459372" y="3300401"/>
-              <a:ext cx="0" cy="697619"/>
-            </a:xfrm>
-            <a:prstGeom prst="straightConnector1">
-              <a:avLst/>
-            </a:prstGeom>
-            <a:noFill/>
-            <a:ln w="28575" cap="flat" cmpd="sng">
-              <a:solidFill>
-                <a:srgbClr val="00B0F0"/>
-              </a:solidFill>
-              <a:prstDash val="solid"/>
-              <a:miter lim="800000"/>
-              <a:headEnd type="triangle" w="med" len="med"/>
-              <a:tailEnd type="triangle" w="med" len="med"/>
-            </a:ln>
-          </p:spPr>
-        </p:cxnSp>
-        <p:sp>
-          <p:nvSpPr>
-            <p:cNvPr id="189" name="Google Shape;189;p3"/>
-            <p:cNvSpPr txBox="1"/>
-            <p:nvPr/>
-          </p:nvSpPr>
-          <p:spPr>
-            <a:xfrm>
-              <a:off x="2845265" y="3491944"/>
-              <a:ext cx="772531" cy="276999"/>
-            </a:xfrm>
-            <a:prstGeom prst="rect">
-              <a:avLst/>
-            </a:prstGeom>
-            <a:noFill/>
-            <a:ln>
-              <a:noFill/>
-            </a:ln>
-          </p:spPr>
-          <p:txBody>
-            <a:bodyPr spcFirstLastPara="1" wrap="square" lIns="91425" tIns="45700" rIns="91425" bIns="45700" anchor="ctr" anchorCtr="0">
-              <a:spAutoFit/>
-            </a:bodyPr>
-            <a:lstStyle/>
-            <a:p>
-              <a:pPr marL="0" marR="0" lvl="0" indent="0" algn="ctr" rtl="0">
-                <a:spcBef>
-                  <a:spcPts val="0"/>
-                </a:spcBef>
-                <a:spcAft>
-                  <a:spcPts val="0"/>
-                </a:spcAft>
-                <a:buNone/>
-              </a:pPr>
-              <a:r>
-                <a:rPr lang="en-US" sz="1200" b="1" i="0" u="none" strike="noStrike" cap="none">
-                  <a:solidFill>
-                    <a:schemeClr val="lt1"/>
-                  </a:solidFill>
-                  <a:latin typeface="Calibri"/>
-                  <a:ea typeface="Calibri"/>
-                  <a:cs typeface="Calibri"/>
-                  <a:sym typeface="Calibri"/>
-                </a:rPr>
-                <a:t>RIGHT</a:t>
-              </a:r>
-              <a:endParaRPr/>
-            </a:p>
-          </p:txBody>
-        </p:sp>
-        <p:sp>
-          <p:nvSpPr>
-            <p:cNvPr id="190" name="Google Shape;190;p3"/>
-            <p:cNvSpPr txBox="1"/>
-            <p:nvPr/>
-          </p:nvSpPr>
-          <p:spPr>
-            <a:xfrm>
-              <a:off x="1504855" y="3493932"/>
-              <a:ext cx="597986" cy="276999"/>
-            </a:xfrm>
-            <a:prstGeom prst="rect">
-              <a:avLst/>
-            </a:prstGeom>
-            <a:noFill/>
-            <a:ln>
-              <a:noFill/>
-            </a:ln>
-          </p:spPr>
-          <p:txBody>
-            <a:bodyPr spcFirstLastPara="1" wrap="square" lIns="91425" tIns="45700" rIns="91425" bIns="45700" anchor="ctr" anchorCtr="0">
-              <a:spAutoFit/>
-            </a:bodyPr>
-            <a:lstStyle/>
-            <a:p>
-              <a:pPr marL="0" marR="0" lvl="0" indent="0" algn="ctr" rtl="0">
-                <a:spcBef>
-                  <a:spcPts val="0"/>
-                </a:spcBef>
-                <a:spcAft>
-                  <a:spcPts val="0"/>
-                </a:spcAft>
-                <a:buNone/>
-              </a:pPr>
-              <a:r>
-                <a:rPr lang="en-US" sz="1200" b="1" i="0" u="none" strike="noStrike" cap="none">
-                  <a:solidFill>
-                    <a:schemeClr val="lt1"/>
-                  </a:solidFill>
-                  <a:latin typeface="Calibri"/>
-                  <a:ea typeface="Calibri"/>
-                  <a:cs typeface="Calibri"/>
-                  <a:sym typeface="Calibri"/>
-                </a:rPr>
-                <a:t>LEFT</a:t>
-              </a:r>
-              <a:endParaRPr/>
-            </a:p>
-          </p:txBody>
-        </p:sp>
-        <p:sp>
-          <p:nvSpPr>
-            <p:cNvPr id="191" name="Google Shape;191;p3"/>
-            <p:cNvSpPr txBox="1"/>
-            <p:nvPr/>
-          </p:nvSpPr>
-          <p:spPr>
-            <a:xfrm>
-              <a:off x="2231470" y="3032268"/>
-              <a:ext cx="461391" cy="276999"/>
-            </a:xfrm>
-            <a:prstGeom prst="rect">
-              <a:avLst/>
-            </a:prstGeom>
-            <a:noFill/>
-            <a:ln>
-              <a:noFill/>
-            </a:ln>
-          </p:spPr>
-          <p:txBody>
-            <a:bodyPr spcFirstLastPara="1" wrap="square" lIns="91425" tIns="45700" rIns="91425" bIns="45700" anchor="ctr" anchorCtr="0">
-              <a:spAutoFit/>
-            </a:bodyPr>
-            <a:lstStyle/>
-            <a:p>
-              <a:pPr marL="0" marR="0" lvl="0" indent="0" algn="ctr" rtl="0">
-                <a:spcBef>
-                  <a:spcPts val="0"/>
-                </a:spcBef>
-                <a:spcAft>
-                  <a:spcPts val="0"/>
-                </a:spcAft>
-                <a:buNone/>
-              </a:pPr>
-              <a:r>
-                <a:rPr lang="en-US" sz="1200" b="1" i="0" u="none" strike="noStrike" cap="none">
-                  <a:solidFill>
-                    <a:schemeClr val="lt1"/>
-                  </a:solidFill>
-                  <a:latin typeface="Calibri"/>
-                  <a:ea typeface="Calibri"/>
-                  <a:cs typeface="Calibri"/>
-                  <a:sym typeface="Calibri"/>
-                </a:rPr>
-                <a:t>UP</a:t>
-              </a:r>
-              <a:endParaRPr/>
-            </a:p>
-          </p:txBody>
-        </p:sp>
-        <p:sp>
-          <p:nvSpPr>
-            <p:cNvPr id="192" name="Google Shape;192;p3"/>
-            <p:cNvSpPr txBox="1"/>
-            <p:nvPr/>
-          </p:nvSpPr>
-          <p:spPr>
-            <a:xfrm>
-              <a:off x="2014763" y="3967637"/>
-              <a:ext cx="868256" cy="276999"/>
-            </a:xfrm>
-            <a:prstGeom prst="rect">
-              <a:avLst/>
-            </a:prstGeom>
-            <a:noFill/>
-            <a:ln>
-              <a:noFill/>
-            </a:ln>
-          </p:spPr>
-          <p:txBody>
-            <a:bodyPr spcFirstLastPara="1" wrap="square" lIns="91425" tIns="45700" rIns="91425" bIns="45700" anchor="ctr" anchorCtr="0">
-              <a:spAutoFit/>
-            </a:bodyPr>
-            <a:lstStyle/>
-            <a:p>
-              <a:pPr marL="0" marR="0" lvl="0" indent="0" algn="ctr" rtl="0">
-                <a:spcBef>
-                  <a:spcPts val="0"/>
-                </a:spcBef>
-                <a:spcAft>
-                  <a:spcPts val="0"/>
-                </a:spcAft>
-                <a:buNone/>
-              </a:pPr>
-              <a:r>
-                <a:rPr lang="en-US" sz="1200" b="1" i="0" u="none" strike="noStrike" cap="none">
-                  <a:solidFill>
-                    <a:schemeClr val="lt1"/>
-                  </a:solidFill>
-                  <a:latin typeface="Calibri"/>
-                  <a:ea typeface="Calibri"/>
-                  <a:cs typeface="Calibri"/>
-                  <a:sym typeface="Calibri"/>
-                </a:rPr>
-                <a:t>DOWN</a:t>
-              </a:r>
-              <a:endParaRPr/>
-            </a:p>
-          </p:txBody>
-        </p:sp>
-      </p:grpSp>
-      <p:sp>
-        <p:nvSpPr>
-          <p:cNvPr id="193" name="Google Shape;193;p3"/>
-          <p:cNvSpPr/>
-          <p:nvPr/>
-        </p:nvSpPr>
-        <p:spPr>
-          <a:xfrm>
-            <a:off x="978064" y="1826015"/>
-            <a:ext cx="1449849" cy="344546"/>
-          </a:xfrm>
-          <a:prstGeom prst="ellipse">
-            <a:avLst/>
-          </a:prstGeom>
-          <a:noFill/>
-          <a:ln>
-            <a:noFill/>
-          </a:ln>
-        </p:spPr>
-        <p:txBody>
-          <a:bodyPr spcFirstLastPara="1" wrap="square" lIns="91425" tIns="45700" rIns="91425" bIns="45700" anchor="ctr" anchorCtr="0">
-            <a:noAutofit/>
-          </a:bodyPr>
-          <a:lstStyle/>
-          <a:p>
-            <a:pPr marL="0" marR="0" lvl="0" indent="0" algn="ctr" rtl="0">
-              <a:spcBef>
-                <a:spcPts val="0"/>
-              </a:spcBef>
-              <a:spcAft>
-                <a:spcPts val="0"/>
-              </a:spcAft>
-              <a:buNone/>
-            </a:pPr>
-            <a:r>
-              <a:rPr lang="en-US" sz="1600" b="0" i="0" u="none" strike="noStrike" cap="none">
-                <a:solidFill>
-                  <a:schemeClr val="lt1"/>
-                </a:solidFill>
-                <a:latin typeface="Calibri"/>
-                <a:ea typeface="Calibri"/>
-                <a:cs typeface="Calibri"/>
-                <a:sym typeface="Calibri"/>
-              </a:rPr>
-              <a:t>DPAD</a:t>
-            </a:r>
-            <a:endParaRPr/>
-          </a:p>
-        </p:txBody>
-      </p:sp>
-      <p:sp>
-        <p:nvSpPr>
-          <p:cNvPr id="194" name="Google Shape;194;p3"/>
-          <p:cNvSpPr txBox="1"/>
-          <p:nvPr/>
-        </p:nvSpPr>
-        <p:spPr>
-          <a:xfrm>
-            <a:off x="4888949" y="2118702"/>
-            <a:ext cx="461391" cy="369332"/>
-          </a:xfrm>
-          <a:prstGeom prst="rect">
-            <a:avLst/>
-          </a:prstGeom>
-          <a:noFill/>
-          <a:ln>
-            <a:noFill/>
-          </a:ln>
-        </p:spPr>
-        <p:txBody>
-          <a:bodyPr spcFirstLastPara="1" wrap="square" lIns="91425" tIns="45700" rIns="91425" bIns="45700" anchor="ctr" anchorCtr="0">
-            <a:spAutoFit/>
-          </a:bodyPr>
-          <a:lstStyle/>
-          <a:p>
-            <a:pPr marL="0" marR="0" lvl="0" indent="0" algn="ctr" rtl="0">
-              <a:spcBef>
-                <a:spcPts val="0"/>
-              </a:spcBef>
-              <a:spcAft>
-                <a:spcPts val="0"/>
-              </a:spcAft>
-              <a:buNone/>
-            </a:pPr>
-            <a:r>
-              <a:rPr lang="en-US" sz="1800" b="0" i="0" u="none" strike="noStrike" cap="none">
-                <a:solidFill>
-                  <a:schemeClr val="lt1"/>
-                </a:solidFill>
-                <a:latin typeface="Calibri"/>
-                <a:ea typeface="Calibri"/>
-                <a:cs typeface="Calibri"/>
-                <a:sym typeface="Calibri"/>
-              </a:rPr>
-              <a:t>Y</a:t>
-            </a:r>
-            <a:endParaRPr/>
-          </a:p>
-        </p:txBody>
-      </p:sp>
-      <p:sp>
-        <p:nvSpPr>
-          <p:cNvPr id="195" name="Google Shape;195;p3"/>
-          <p:cNvSpPr txBox="1"/>
-          <p:nvPr/>
-        </p:nvSpPr>
-        <p:spPr>
-          <a:xfrm>
-            <a:off x="5261778" y="2486045"/>
-            <a:ext cx="461391" cy="369332"/>
-          </a:xfrm>
-          <a:prstGeom prst="rect">
-            <a:avLst/>
-          </a:prstGeom>
-          <a:noFill/>
-          <a:ln>
-            <a:noFill/>
-          </a:ln>
-        </p:spPr>
-        <p:txBody>
-          <a:bodyPr spcFirstLastPara="1" wrap="square" lIns="91425" tIns="45700" rIns="91425" bIns="45700" anchor="ctr" anchorCtr="0">
-            <a:spAutoFit/>
-          </a:bodyPr>
-          <a:lstStyle/>
-          <a:p>
-            <a:pPr marL="0" marR="0" lvl="0" indent="0" algn="ctr" rtl="0">
-              <a:spcBef>
-                <a:spcPts val="0"/>
-              </a:spcBef>
-              <a:spcAft>
-                <a:spcPts val="0"/>
-              </a:spcAft>
-              <a:buNone/>
-            </a:pPr>
-            <a:r>
-              <a:rPr lang="en-US" sz="1800" b="0" i="0" u="none" strike="noStrike" cap="none">
-                <a:solidFill>
-                  <a:schemeClr val="lt1"/>
-                </a:solidFill>
-                <a:latin typeface="Calibri"/>
-                <a:ea typeface="Calibri"/>
-                <a:cs typeface="Calibri"/>
-                <a:sym typeface="Calibri"/>
-              </a:rPr>
-              <a:t>B</a:t>
-            </a:r>
-            <a:endParaRPr/>
-          </a:p>
-        </p:txBody>
-      </p:sp>
-      <p:sp>
-        <p:nvSpPr>
-          <p:cNvPr id="196" name="Google Shape;196;p3"/>
-          <p:cNvSpPr txBox="1"/>
-          <p:nvPr/>
-        </p:nvSpPr>
-        <p:spPr>
-          <a:xfrm>
-            <a:off x="4920669" y="3117580"/>
-            <a:ext cx="461391" cy="369332"/>
-          </a:xfrm>
-          <a:prstGeom prst="rect">
-            <a:avLst/>
-          </a:prstGeom>
-          <a:noFill/>
-          <a:ln>
-            <a:noFill/>
-          </a:ln>
-        </p:spPr>
-        <p:txBody>
-          <a:bodyPr spcFirstLastPara="1" wrap="square" lIns="91425" tIns="45700" rIns="91425" bIns="45700" anchor="ctr" anchorCtr="0">
-            <a:spAutoFit/>
-          </a:bodyPr>
-          <a:lstStyle/>
-          <a:p>
-            <a:pPr marL="0" marR="0" lvl="0" indent="0" algn="ctr" rtl="0">
-              <a:spcBef>
-                <a:spcPts val="0"/>
-              </a:spcBef>
-              <a:spcAft>
-                <a:spcPts val="0"/>
-              </a:spcAft>
-              <a:buNone/>
-            </a:pPr>
-            <a:r>
-              <a:rPr lang="en-US" sz="1800" b="0" i="0" u="none" strike="noStrike" cap="none">
-                <a:solidFill>
-                  <a:schemeClr val="lt1"/>
-                </a:solidFill>
-                <a:latin typeface="Calibri"/>
-                <a:ea typeface="Calibri"/>
-                <a:cs typeface="Calibri"/>
-                <a:sym typeface="Calibri"/>
-              </a:rPr>
-              <a:t>A</a:t>
-            </a:r>
-            <a:endParaRPr/>
-          </a:p>
-        </p:txBody>
-      </p:sp>
-      <p:sp>
-        <p:nvSpPr>
-          <p:cNvPr id="197" name="Google Shape;197;p3"/>
-          <p:cNvSpPr txBox="1"/>
-          <p:nvPr/>
-        </p:nvSpPr>
-        <p:spPr>
-          <a:xfrm>
-            <a:off x="4068233" y="2327511"/>
-            <a:ext cx="461391" cy="369332"/>
-          </a:xfrm>
-          <a:prstGeom prst="rect">
-            <a:avLst/>
-          </a:prstGeom>
-          <a:noFill/>
-          <a:ln>
-            <a:noFill/>
-          </a:ln>
-        </p:spPr>
-        <p:txBody>
-          <a:bodyPr spcFirstLastPara="1" wrap="square" lIns="91425" tIns="45700" rIns="91425" bIns="45700" anchor="ctr" anchorCtr="0">
-            <a:spAutoFit/>
-          </a:bodyPr>
-          <a:lstStyle/>
-          <a:p>
-            <a:pPr marL="0" marR="0" lvl="0" indent="0" algn="ctr" rtl="0">
-              <a:spcBef>
-                <a:spcPts val="0"/>
-              </a:spcBef>
-              <a:spcAft>
-                <a:spcPts val="0"/>
-              </a:spcAft>
-              <a:buNone/>
-            </a:pPr>
-            <a:r>
-              <a:rPr lang="en-US" sz="1800" b="0" i="0" u="none" strike="noStrike" cap="none">
-                <a:solidFill>
-                  <a:schemeClr val="lt1"/>
-                </a:solidFill>
-                <a:latin typeface="Calibri"/>
-                <a:ea typeface="Calibri"/>
-                <a:cs typeface="Calibri"/>
-                <a:sym typeface="Calibri"/>
-              </a:rPr>
-              <a:t>X</a:t>
-            </a:r>
-            <a:endParaRPr/>
-          </a:p>
-        </p:txBody>
-      </p:sp>
-      <p:sp>
-        <p:nvSpPr>
-          <p:cNvPr id="198" name="Google Shape;198;p3"/>
-          <p:cNvSpPr/>
-          <p:nvPr/>
-        </p:nvSpPr>
-        <p:spPr>
-          <a:xfrm>
-            <a:off x="801278" y="164555"/>
-            <a:ext cx="11208470" cy="344546"/>
-          </a:xfrm>
-          <a:prstGeom prst="ellipse">
-            <a:avLst/>
-          </a:prstGeom>
-          <a:noFill/>
-          <a:ln>
-            <a:noFill/>
-          </a:ln>
-        </p:spPr>
-        <p:txBody>
-          <a:bodyPr spcFirstLastPara="1" wrap="square" lIns="91425" tIns="45700" rIns="91425" bIns="45700" anchor="ctr" anchorCtr="0">
-            <a:noAutofit/>
-          </a:bodyPr>
-          <a:lstStyle/>
-          <a:p>
-            <a:pPr marL="0" marR="0" lvl="0" indent="0" algn="ctr" rtl="0">
-              <a:spcBef>
-                <a:spcPts val="0"/>
-              </a:spcBef>
-              <a:spcAft>
-                <a:spcPts val="0"/>
-              </a:spcAft>
-              <a:buNone/>
-            </a:pPr>
-            <a:r>
-              <a:rPr lang="en-US" sz="2400" b="0" i="0" u="none" strike="noStrike" cap="none">
-                <a:solidFill>
-                  <a:srgbClr val="00B0F0"/>
-                </a:solidFill>
-                <a:latin typeface="Calibri"/>
-                <a:ea typeface="Calibri"/>
-                <a:cs typeface="Calibri"/>
-                <a:sym typeface="Calibri"/>
-              </a:rPr>
-              <a:t>Instructions for Robot Platform Driver – Manual Overrides</a:t>
-            </a:r>
-            <a:endParaRPr/>
-          </a:p>
-        </p:txBody>
-      </p:sp>
-      <p:sp>
-        <p:nvSpPr>
-          <p:cNvPr id="199" name="Google Shape;199;p3"/>
-          <p:cNvSpPr/>
-          <p:nvPr/>
-        </p:nvSpPr>
-        <p:spPr>
-          <a:xfrm>
-            <a:off x="3595649" y="675716"/>
-            <a:ext cx="1754692" cy="344546"/>
-          </a:xfrm>
-          <a:prstGeom prst="ellipse">
-            <a:avLst/>
-          </a:prstGeom>
-          <a:noFill/>
-          <a:ln>
-            <a:noFill/>
-          </a:ln>
-        </p:spPr>
-        <p:txBody>
-          <a:bodyPr spcFirstLastPara="1" wrap="square" lIns="91425" tIns="45700" rIns="91425" bIns="45700" anchor="ctr" anchorCtr="0">
-            <a:noAutofit/>
-          </a:bodyPr>
-          <a:lstStyle/>
-          <a:p>
-            <a:pPr marL="0" marR="0" lvl="0" indent="0" algn="ctr" rtl="0">
-              <a:spcBef>
-                <a:spcPts val="0"/>
-              </a:spcBef>
-              <a:spcAft>
-                <a:spcPts val="0"/>
-              </a:spcAft>
-              <a:buNone/>
-            </a:pPr>
-            <a:r>
-              <a:rPr lang="en-US" sz="1600" b="0" i="0" u="none" strike="noStrike" cap="none">
-                <a:solidFill>
-                  <a:srgbClr val="00B0F0"/>
-                </a:solidFill>
-                <a:latin typeface="Calibri"/>
-                <a:ea typeface="Calibri"/>
-                <a:cs typeface="Calibri"/>
-                <a:sym typeface="Calibri"/>
-              </a:rPr>
-              <a:t>Right Trigger</a:t>
-            </a:r>
-            <a:endParaRPr/>
-          </a:p>
-        </p:txBody>
-      </p:sp>
-      <p:cxnSp>
-        <p:nvCxnSpPr>
-          <p:cNvPr id="200" name="Google Shape;200;p3"/>
-          <p:cNvCxnSpPr>
-            <a:stCxn id="199" idx="4"/>
-          </p:cNvCxnSpPr>
-          <p:nvPr/>
-        </p:nvCxnSpPr>
-        <p:spPr>
-          <a:xfrm>
-            <a:off x="4472995" y="1020262"/>
-            <a:ext cx="335400" cy="380700"/>
-          </a:xfrm>
-          <a:prstGeom prst="straightConnector1">
-            <a:avLst/>
-          </a:prstGeom>
-          <a:noFill/>
-          <a:ln w="9525" cap="flat" cmpd="sng">
-            <a:solidFill>
-              <a:srgbClr val="00B0F0"/>
-            </a:solidFill>
-            <a:prstDash val="solid"/>
-            <a:miter lim="800000"/>
-            <a:headEnd type="none" w="sm" len="sm"/>
-            <a:tailEnd type="triangle" w="med" len="med"/>
-          </a:ln>
-        </p:spPr>
-      </p:cxnSp>
-      <p:cxnSp>
-        <p:nvCxnSpPr>
-          <p:cNvPr id="201" name="Google Shape;201;p3"/>
-          <p:cNvCxnSpPr/>
-          <p:nvPr/>
-        </p:nvCxnSpPr>
-        <p:spPr>
-          <a:xfrm flipH="1">
-            <a:off x="4960931" y="1133214"/>
-            <a:ext cx="531542" cy="420147"/>
-          </a:xfrm>
-          <a:prstGeom prst="straightConnector1">
-            <a:avLst/>
-          </a:prstGeom>
-          <a:noFill/>
-          <a:ln w="9525" cap="flat" cmpd="sng">
-            <a:solidFill>
-              <a:srgbClr val="00B0F0"/>
-            </a:solidFill>
-            <a:prstDash val="solid"/>
-            <a:miter lim="800000"/>
-            <a:headEnd type="none" w="sm" len="sm"/>
-            <a:tailEnd type="triangle" w="med" len="med"/>
-          </a:ln>
-        </p:spPr>
-      </p:cxnSp>
-      <p:sp>
-        <p:nvSpPr>
-          <p:cNvPr id="202" name="Google Shape;202;p3"/>
-          <p:cNvSpPr/>
-          <p:nvPr/>
-        </p:nvSpPr>
-        <p:spPr>
-          <a:xfrm>
-            <a:off x="4894682" y="806042"/>
-            <a:ext cx="2076133" cy="344546"/>
-          </a:xfrm>
-          <a:prstGeom prst="ellipse">
-            <a:avLst/>
-          </a:prstGeom>
-          <a:noFill/>
-          <a:ln>
-            <a:noFill/>
-          </a:ln>
-        </p:spPr>
-        <p:txBody>
-          <a:bodyPr spcFirstLastPara="1" wrap="square" lIns="91425" tIns="45700" rIns="91425" bIns="45700" anchor="ctr" anchorCtr="0">
-            <a:noAutofit/>
-          </a:bodyPr>
-          <a:lstStyle/>
-          <a:p>
-            <a:pPr marL="0" marR="0" lvl="0" indent="0" algn="ctr" rtl="0">
-              <a:spcBef>
-                <a:spcPts val="0"/>
-              </a:spcBef>
-              <a:spcAft>
-                <a:spcPts val="0"/>
-              </a:spcAft>
-              <a:buNone/>
-            </a:pPr>
-            <a:r>
-              <a:rPr lang="en-US" sz="1600" b="0" i="0" u="none" strike="noStrike" cap="none">
-                <a:solidFill>
-                  <a:srgbClr val="00B0F0"/>
-                </a:solidFill>
-                <a:latin typeface="Calibri"/>
-                <a:ea typeface="Calibri"/>
-                <a:cs typeface="Calibri"/>
-                <a:sym typeface="Calibri"/>
-              </a:rPr>
-              <a:t>Right Bumper</a:t>
-            </a:r>
-            <a:endParaRPr/>
-          </a:p>
-        </p:txBody>
-      </p:sp>
-      <p:sp>
-        <p:nvSpPr>
-          <p:cNvPr id="203" name="Google Shape;203;p3"/>
-          <p:cNvSpPr/>
-          <p:nvPr/>
-        </p:nvSpPr>
-        <p:spPr>
-          <a:xfrm>
-            <a:off x="465736" y="616307"/>
-            <a:ext cx="1588989" cy="344546"/>
-          </a:xfrm>
-          <a:prstGeom prst="ellipse">
-            <a:avLst/>
-          </a:prstGeom>
-          <a:noFill/>
-          <a:ln>
-            <a:noFill/>
-          </a:ln>
-        </p:spPr>
-        <p:txBody>
-          <a:bodyPr spcFirstLastPara="1" wrap="square" lIns="91425" tIns="45700" rIns="91425" bIns="45700" anchor="ctr" anchorCtr="0">
-            <a:noAutofit/>
-          </a:bodyPr>
-          <a:lstStyle/>
-          <a:p>
-            <a:pPr marL="0" marR="0" lvl="0" indent="0" algn="ctr" rtl="0">
-              <a:spcBef>
-                <a:spcPts val="0"/>
-              </a:spcBef>
-              <a:spcAft>
-                <a:spcPts val="0"/>
-              </a:spcAft>
-              <a:buNone/>
-            </a:pPr>
-            <a:r>
-              <a:rPr lang="en-US" sz="1600" b="0" i="0" u="none" strike="noStrike" cap="none">
-                <a:solidFill>
-                  <a:srgbClr val="00B0F0"/>
-                </a:solidFill>
-                <a:latin typeface="Calibri"/>
-                <a:ea typeface="Calibri"/>
-                <a:cs typeface="Calibri"/>
-                <a:sym typeface="Calibri"/>
-              </a:rPr>
-              <a:t>Left Trigger</a:t>
-            </a:r>
-            <a:endParaRPr/>
-          </a:p>
-        </p:txBody>
-      </p:sp>
-      <p:cxnSp>
-        <p:nvCxnSpPr>
-          <p:cNvPr id="204" name="Google Shape;204;p3"/>
-          <p:cNvCxnSpPr>
-            <a:stCxn id="203" idx="4"/>
-          </p:cNvCxnSpPr>
-          <p:nvPr/>
-        </p:nvCxnSpPr>
-        <p:spPr>
-          <a:xfrm>
-            <a:off x="1260231" y="960853"/>
-            <a:ext cx="335100" cy="440100"/>
-          </a:xfrm>
-          <a:prstGeom prst="straightConnector1">
-            <a:avLst/>
-          </a:prstGeom>
-          <a:noFill/>
-          <a:ln w="9525" cap="flat" cmpd="sng">
-            <a:solidFill>
-              <a:srgbClr val="00B0F0"/>
-            </a:solidFill>
-            <a:prstDash val="solid"/>
-            <a:miter lim="800000"/>
-            <a:headEnd type="none" w="sm" len="sm"/>
-            <a:tailEnd type="triangle" w="med" len="med"/>
-          </a:ln>
-        </p:spPr>
-      </p:cxnSp>
-      <p:cxnSp>
-        <p:nvCxnSpPr>
-          <p:cNvPr id="205" name="Google Shape;205;p3"/>
-          <p:cNvCxnSpPr/>
-          <p:nvPr/>
-        </p:nvCxnSpPr>
-        <p:spPr>
-          <a:xfrm flipH="1">
-            <a:off x="1665316" y="1073805"/>
-            <a:ext cx="531542" cy="420147"/>
-          </a:xfrm>
-          <a:prstGeom prst="straightConnector1">
-            <a:avLst/>
-          </a:prstGeom>
-          <a:noFill/>
-          <a:ln w="9525" cap="flat" cmpd="sng">
-            <a:solidFill>
-              <a:srgbClr val="00B0F0"/>
-            </a:solidFill>
-            <a:prstDash val="solid"/>
-            <a:miter lim="800000"/>
-            <a:headEnd type="none" w="sm" len="sm"/>
-            <a:tailEnd type="triangle" w="med" len="med"/>
-          </a:ln>
-        </p:spPr>
-      </p:cxnSp>
-      <p:sp>
-        <p:nvSpPr>
-          <p:cNvPr id="206" name="Google Shape;206;p3"/>
-          <p:cNvSpPr/>
-          <p:nvPr/>
-        </p:nvSpPr>
-        <p:spPr>
-          <a:xfrm>
-            <a:off x="1599067" y="746633"/>
-            <a:ext cx="2076133" cy="344546"/>
-          </a:xfrm>
-          <a:prstGeom prst="ellipse">
-            <a:avLst/>
-          </a:prstGeom>
-          <a:noFill/>
-          <a:ln>
-            <a:noFill/>
-          </a:ln>
-        </p:spPr>
-        <p:txBody>
-          <a:bodyPr spcFirstLastPara="1" wrap="square" lIns="91425" tIns="45700" rIns="91425" bIns="45700" anchor="ctr" anchorCtr="0">
-            <a:noAutofit/>
-          </a:bodyPr>
-          <a:lstStyle/>
-          <a:p>
-            <a:pPr marL="0" marR="0" lvl="0" indent="0" algn="ctr" rtl="0">
-              <a:spcBef>
-                <a:spcPts val="0"/>
-              </a:spcBef>
-              <a:spcAft>
-                <a:spcPts val="0"/>
-              </a:spcAft>
-              <a:buNone/>
-            </a:pPr>
-            <a:r>
-              <a:rPr lang="en-US" sz="1600" b="0" i="0" u="none" strike="noStrike" cap="none">
-                <a:solidFill>
-                  <a:srgbClr val="00B0F0"/>
-                </a:solidFill>
-                <a:latin typeface="Calibri"/>
-                <a:ea typeface="Calibri"/>
-                <a:cs typeface="Calibri"/>
-                <a:sym typeface="Calibri"/>
-              </a:rPr>
-              <a:t>Left Bumper</a:t>
-            </a:r>
-            <a:endParaRPr/>
-          </a:p>
-        </p:txBody>
-      </p:sp>
-      <p:sp>
-        <p:nvSpPr>
-          <p:cNvPr id="207" name="Google Shape;207;p3"/>
-          <p:cNvSpPr txBox="1"/>
-          <p:nvPr/>
-        </p:nvSpPr>
-        <p:spPr>
-          <a:xfrm>
-            <a:off x="6455730" y="1091995"/>
-            <a:ext cx="5384336" cy="1061829"/>
-          </a:xfrm>
-          <a:prstGeom prst="rect">
-            <a:avLst/>
-          </a:prstGeom>
-          <a:noFill/>
-          <a:ln w="9525" cap="flat" cmpd="sng">
-            <a:solidFill>
-              <a:srgbClr val="00B0F0"/>
-            </a:solidFill>
-            <a:prstDash val="solid"/>
-            <a:round/>
-            <a:headEnd type="none" w="sm" len="sm"/>
-            <a:tailEnd type="none" w="sm" len="sm"/>
-          </a:ln>
-        </p:spPr>
-        <p:txBody>
-          <a:bodyPr spcFirstLastPara="1" wrap="square" lIns="91425" tIns="45700" rIns="91425" bIns="45700" anchor="t" anchorCtr="0">
-            <a:spAutoFit/>
-          </a:bodyPr>
-          <a:lstStyle/>
-          <a:p>
-            <a:pPr marL="342900" marR="0" lvl="0" indent="-342900" algn="l" rtl="0">
-              <a:spcBef>
-                <a:spcPts val="0"/>
-              </a:spcBef>
-              <a:spcAft>
-                <a:spcPts val="0"/>
-              </a:spcAft>
-              <a:buClr>
-                <a:srgbClr val="00B0F0"/>
-              </a:buClr>
-              <a:buSzPts val="1200"/>
-              <a:buFont typeface="Calibri"/>
-              <a:buAutoNum type="arabicPeriod"/>
-            </a:pPr>
-            <a:r>
-              <a:rPr lang="en-US" sz="1200" b="0" i="0" u="none" strike="noStrike" cap="none">
-                <a:solidFill>
-                  <a:srgbClr val="00B0F0"/>
-                </a:solidFill>
-                <a:latin typeface="Calibri"/>
-                <a:ea typeface="Calibri"/>
-                <a:cs typeface="Calibri"/>
-                <a:sym typeface="Calibri"/>
-              </a:rPr>
-              <a:t>Left Bumper &amp; Left Stick +X – Manual Carousel Left </a:t>
-            </a:r>
-            <a:endParaRPr/>
-          </a:p>
-          <a:p>
-            <a:pPr marL="342900" marR="0" lvl="0" indent="-342900" algn="l" rtl="0">
-              <a:spcBef>
-                <a:spcPts val="600"/>
-              </a:spcBef>
-              <a:spcAft>
-                <a:spcPts val="0"/>
-              </a:spcAft>
-              <a:buClr>
-                <a:srgbClr val="00B0F0"/>
-              </a:buClr>
-              <a:buSzPts val="1200"/>
-              <a:buFont typeface="Calibri"/>
-              <a:buAutoNum type="arabicPeriod"/>
-            </a:pPr>
-            <a:r>
-              <a:rPr lang="en-US" sz="1200" b="0" i="0" u="none" strike="noStrike" cap="none">
-                <a:solidFill>
-                  <a:srgbClr val="00B0F0"/>
-                </a:solidFill>
-                <a:latin typeface="Calibri"/>
-                <a:ea typeface="Calibri"/>
-                <a:cs typeface="Calibri"/>
-                <a:sym typeface="Calibri"/>
-              </a:rPr>
-              <a:t>Left Bumper &amp; Left Stick -X – Manual Carousel Right</a:t>
-            </a:r>
-            <a:endParaRPr/>
-          </a:p>
-          <a:p>
-            <a:pPr marL="342900" marR="0" lvl="0" indent="-342900" algn="l" rtl="0">
-              <a:spcBef>
-                <a:spcPts val="600"/>
-              </a:spcBef>
-              <a:spcAft>
-                <a:spcPts val="0"/>
-              </a:spcAft>
-              <a:buClr>
-                <a:srgbClr val="00B0F0"/>
-              </a:buClr>
-              <a:buSzPts val="1200"/>
-              <a:buFont typeface="Calibri"/>
-              <a:buAutoNum type="arabicPeriod"/>
-            </a:pPr>
-            <a:r>
-              <a:rPr lang="en-US" sz="1200" b="0" i="0" u="none" strike="noStrike" cap="none">
-                <a:solidFill>
-                  <a:srgbClr val="00B0F0"/>
-                </a:solidFill>
-                <a:latin typeface="Calibri"/>
-                <a:ea typeface="Calibri"/>
-                <a:cs typeface="Calibri"/>
-                <a:sym typeface="Calibri"/>
-              </a:rPr>
-              <a:t>DPAD UP – Reset Wheel, Arm, Turn Table &amp; IMU Encoders</a:t>
-            </a:r>
-            <a:endParaRPr/>
-          </a:p>
-          <a:p>
-            <a:pPr marL="342900" marR="0" lvl="0" indent="-342900" algn="l" rtl="0">
-              <a:spcBef>
-                <a:spcPts val="600"/>
-              </a:spcBef>
-              <a:spcAft>
-                <a:spcPts val="0"/>
-              </a:spcAft>
-              <a:buClr>
-                <a:srgbClr val="00B0F0"/>
-              </a:buClr>
-              <a:buSzPts val="1200"/>
-              <a:buFont typeface="Calibri"/>
-              <a:buAutoNum type="arabicPeriod"/>
-            </a:pPr>
-            <a:r>
-              <a:rPr lang="en-US" sz="1200" b="0" i="0" u="none" strike="noStrike" cap="none">
-                <a:solidFill>
-                  <a:srgbClr val="00B0F0"/>
-                </a:solidFill>
-                <a:latin typeface="Calibri"/>
-                <a:ea typeface="Calibri"/>
-                <a:cs typeface="Calibri"/>
-                <a:sym typeface="Calibri"/>
-              </a:rPr>
-              <a:t>Left Bumper, Right Bumper, Left Trigger &amp; Right Trigger – Reset Position</a:t>
-            </a:r>
-            <a:endParaRPr/>
-          </a:p>
-        </p:txBody>
-      </p:sp>
-    </p:spTree>
-  </p:cSld>
-  <p:clrMapOvr>
-    <a:masterClrMapping/>
-  </p:clrMapOvr>
-</p:sld>
-</file>
-
-<file path=ppt/slides/slide4.xml><?xml version="1.0" encoding="utf-8"?>
 <p:sld xmlns:a="http://schemas.openxmlformats.org/drawingml/2006/main" xmlns:r="http://schemas.openxmlformats.org/officeDocument/2006/relationships" xmlns:p="http://schemas.openxmlformats.org/presentationml/2006/main">
   <p:cSld>
     <p:spTree>
@@ -18652,7 +14244,7 @@
               <a:buNone/>
             </a:pPr>
             <a:r>
-              <a:rPr lang="en-US" sz="2400" b="0" i="0" u="none" strike="noStrike" cap="none">
+              <a:rPr lang="en-US" sz="2400" b="0" i="0" u="none" strike="noStrike" cap="none" dirty="0">
                 <a:solidFill>
                   <a:srgbClr val="00B0F0"/>
                 </a:solidFill>
@@ -18661,9 +14253,9 @@
                 <a:cs typeface="Calibri"/>
                 <a:sym typeface="Calibri"/>
               </a:rPr>
-              <a:t>Instructions for Robot Top Hat Driver - Configuration</a:t>
+              <a:t>Instructions for Robot Top Hat Driver</a:t>
             </a:r>
-            <a:endParaRPr/>
+            <a:endParaRPr dirty="0"/>
           </a:p>
         </p:txBody>
       </p:sp>
@@ -18983,8 +14575,8 @@
         </p:nvSpPr>
         <p:spPr>
           <a:xfrm>
-            <a:off x="6637231" y="659812"/>
-            <a:ext cx="5219083" cy="5493812"/>
+            <a:off x="6540609" y="549606"/>
+            <a:ext cx="5606205" cy="5863103"/>
           </a:xfrm>
           <a:prstGeom prst="rect">
             <a:avLst/>
@@ -19006,22 +14598,19 @@
           </a:bodyPr>
           <a:lstStyle/>
           <a:p>
-            <a:pPr marL="342900" marR="0" lvl="0" indent="-342900" algn="l" rtl="0">
-              <a:spcBef>
-                <a:spcPts val="0"/>
-              </a:spcBef>
-              <a:spcAft>
-                <a:spcPts val="0"/>
-              </a:spcAft>
+            <a:pPr marL="342900" indent="-342900">
+              <a:spcBef>
+                <a:spcPts val="0"/>
+              </a:spcBef>
               <a:buClr>
                 <a:srgbClr val="00B0F0"/>
               </a:buClr>
               <a:buSzPts val="1400"/>
-              <a:buFont typeface="Calibri"/>
+              <a:buFont typeface="+mj-lt"/>
               <a:buAutoNum type="arabicPeriod"/>
             </a:pPr>
             <a:r>
-              <a:rPr lang="en-US" sz="1400" b="0" i="0" u="none" strike="noStrike" cap="none">
+              <a:rPr lang="en-US" dirty="0">
                 <a:solidFill>
                   <a:srgbClr val="00B0F0"/>
                 </a:solidFill>
@@ -19030,27 +14619,31 @@
                 <a:cs typeface="Calibri"/>
                 <a:sym typeface="Calibri"/>
               </a:rPr>
-              <a:t>Left Trigger – Move Arm Forward</a:t>
+              <a:t>Left Trigger – Move Turn Table Left</a:t>
             </a:r>
-            <a:endParaRPr/>
+            <a:endParaRPr dirty="0">
+              <a:solidFill>
+                <a:srgbClr val="00B0F0"/>
+              </a:solidFill>
+              <a:latin typeface="Calibri"/>
+              <a:ea typeface="Calibri"/>
+              <a:cs typeface="Calibri"/>
+            </a:endParaRPr>
           </a:p>
           <a:p>
-            <a:pPr marL="342900" marR="0" lvl="0" indent="-342900" algn="l" rtl="0">
+            <a:pPr marL="342900" indent="-342900">
               <a:spcBef>
                 <a:spcPts val="600"/>
               </a:spcBef>
-              <a:spcAft>
-                <a:spcPts val="0"/>
-              </a:spcAft>
               <a:buClr>
                 <a:srgbClr val="00B0F0"/>
               </a:buClr>
               <a:buSzPts val="1400"/>
-              <a:buFont typeface="Calibri"/>
+              <a:buFont typeface="+mj-lt"/>
               <a:buAutoNum type="arabicPeriod"/>
             </a:pPr>
             <a:r>
-              <a:rPr lang="en-US" sz="1400" b="0" i="0" u="none" strike="noStrike" cap="none">
+              <a:rPr lang="en-US" dirty="0">
                 <a:solidFill>
                   <a:srgbClr val="00B0F0"/>
                 </a:solidFill>
@@ -19059,27 +14652,71 @@
                 <a:cs typeface="Calibri"/>
                 <a:sym typeface="Calibri"/>
               </a:rPr>
-              <a:t>Right Trigger – Move Arm Backward</a:t>
+              <a:t>Right Trigger – Move Turn Table Right</a:t>
             </a:r>
-            <a:endParaRPr/>
           </a:p>
           <a:p>
-            <a:pPr marL="342900" marR="0" lvl="0" indent="-342900" algn="l" rtl="0">
+            <a:pPr marL="342900" indent="-342900">
               <a:spcBef>
                 <a:spcPts val="600"/>
               </a:spcBef>
-              <a:spcAft>
-                <a:spcPts val="0"/>
-              </a:spcAft>
               <a:buClr>
                 <a:srgbClr val="00B0F0"/>
               </a:buClr>
               <a:buSzPts val="1400"/>
-              <a:buFont typeface="Calibri"/>
+              <a:buFont typeface="+mj-lt"/>
               <a:buAutoNum type="arabicPeriod"/>
             </a:pPr>
             <a:r>
-              <a:rPr lang="en-US" sz="1400" b="0" i="0" u="none" strike="noStrike" cap="none">
+              <a:rPr lang="en-US" dirty="0">
+                <a:solidFill>
+                  <a:srgbClr val="00B0F0"/>
+                </a:solidFill>
+                <a:latin typeface="Calibri"/>
+                <a:ea typeface="Calibri"/>
+                <a:cs typeface="Calibri"/>
+              </a:rPr>
+              <a:t>Left Stick Y – Move Arm Up &amp; Down</a:t>
+            </a:r>
+          </a:p>
+          <a:p>
+            <a:pPr marL="342900" indent="-342900">
+              <a:spcBef>
+                <a:spcPts val="600"/>
+              </a:spcBef>
+              <a:buClr>
+                <a:srgbClr val="00B0F0"/>
+              </a:buClr>
+              <a:buSzPts val="1400"/>
+              <a:buFont typeface="+mj-lt"/>
+              <a:buAutoNum type="arabicPeriod"/>
+            </a:pPr>
+            <a:r>
+              <a:rPr lang="en-US" dirty="0">
+                <a:solidFill>
+                  <a:srgbClr val="00B0F0"/>
+                </a:solidFill>
+                <a:latin typeface="Calibri"/>
+                <a:ea typeface="Calibri"/>
+                <a:cs typeface="Calibri"/>
+              </a:rPr>
+              <a:t>Right Stick Y – Move Elbow Up &amp; Down</a:t>
+            </a:r>
+          </a:p>
+          <a:p>
+            <a:pPr marL="342900" indent="-342900">
+              <a:spcBef>
+                <a:spcPts val="600"/>
+              </a:spcBef>
+              <a:buClr>
+                <a:srgbClr val="00B0F0"/>
+              </a:buClr>
+              <a:buSzPts val="1400"/>
+              <a:buFont typeface="+mj-lt"/>
+              <a:buAutoNum type="arabicPeriod"/>
+            </a:pPr>
+            <a:r>
+              <a:rPr lang="en-US" dirty="0">
                 <a:solidFill>
                   <a:srgbClr val="00B0F0"/>
                 </a:solidFill>
@@ -19088,27 +14725,23 @@
                 <a:cs typeface="Calibri"/>
                 <a:sym typeface="Calibri"/>
               </a:rPr>
-              <a:t>Right Stick –X – Intake Low Speed</a:t>
+              <a:t>DPAD UP – Move Wrist Up</a:t>
             </a:r>
-            <a:endParaRPr/>
           </a:p>
           <a:p>
-            <a:pPr marL="342900" marR="0" lvl="0" indent="-342900" algn="l" rtl="0">
+            <a:pPr marL="342900" indent="-342900">
               <a:spcBef>
                 <a:spcPts val="600"/>
               </a:spcBef>
-              <a:spcAft>
-                <a:spcPts val="0"/>
-              </a:spcAft>
               <a:buClr>
                 <a:srgbClr val="00B0F0"/>
               </a:buClr>
               <a:buSzPts val="1400"/>
-              <a:buFont typeface="Calibri"/>
+              <a:buFont typeface="+mj-lt"/>
               <a:buAutoNum type="arabicPeriod"/>
             </a:pPr>
             <a:r>
-              <a:rPr lang="en-US" sz="1400" b="0" i="0" u="none" strike="noStrike" cap="none">
+              <a:rPr lang="en-US" dirty="0">
                 <a:solidFill>
                   <a:srgbClr val="00B0F0"/>
                 </a:solidFill>
@@ -19117,27 +14750,31 @@
                 <a:cs typeface="Calibri"/>
                 <a:sym typeface="Calibri"/>
               </a:rPr>
-              <a:t>Right Stick +X – Outtake Low Speed</a:t>
+              <a:t>DPAD DOWN –  Move Wrist Down</a:t>
             </a:r>
-            <a:endParaRPr/>
+            <a:endParaRPr dirty="0">
+              <a:solidFill>
+                <a:srgbClr val="00B0F0"/>
+              </a:solidFill>
+              <a:latin typeface="Calibri"/>
+              <a:ea typeface="Calibri"/>
+              <a:cs typeface="Calibri"/>
+            </a:endParaRPr>
           </a:p>
           <a:p>
-            <a:pPr marL="342900" marR="0" lvl="0" indent="-342900" algn="l" rtl="0">
+            <a:pPr marL="342900" indent="-342900">
               <a:spcBef>
                 <a:spcPts val="600"/>
               </a:spcBef>
-              <a:spcAft>
-                <a:spcPts val="0"/>
-              </a:spcAft>
               <a:buClr>
                 <a:srgbClr val="00B0F0"/>
               </a:buClr>
               <a:buSzPts val="1400"/>
-              <a:buFont typeface="Calibri"/>
+              <a:buFont typeface="+mj-lt"/>
               <a:buAutoNum type="arabicPeriod"/>
             </a:pPr>
             <a:r>
-              <a:rPr lang="en-US" sz="1400" b="0" i="0" u="none" strike="noStrike" cap="none">
+              <a:rPr lang="en-US" dirty="0">
                 <a:solidFill>
                   <a:srgbClr val="00B0F0"/>
                 </a:solidFill>
@@ -19146,27 +14783,31 @@
                 <a:cs typeface="Calibri"/>
                 <a:sym typeface="Calibri"/>
               </a:rPr>
-              <a:t>Y – Set Arm to drop at Shipping Hub Top Shelve</a:t>
+              <a:t>DPAD LEFT –  Close Claw</a:t>
             </a:r>
-            <a:endParaRPr/>
+            <a:endParaRPr dirty="0">
+              <a:solidFill>
+                <a:srgbClr val="00B0F0"/>
+              </a:solidFill>
+              <a:latin typeface="Calibri"/>
+              <a:ea typeface="Calibri"/>
+              <a:cs typeface="Calibri"/>
+            </a:endParaRPr>
           </a:p>
           <a:p>
-            <a:pPr marL="342900" marR="0" lvl="0" indent="-342900" algn="l" rtl="0">
+            <a:pPr marL="342900" indent="-342900">
               <a:spcBef>
                 <a:spcPts val="600"/>
               </a:spcBef>
-              <a:spcAft>
-                <a:spcPts val="0"/>
-              </a:spcAft>
               <a:buClr>
                 <a:srgbClr val="00B0F0"/>
               </a:buClr>
               <a:buSzPts val="1400"/>
-              <a:buFont typeface="Calibri"/>
+              <a:buFont typeface="+mj-lt"/>
               <a:buAutoNum type="arabicPeriod"/>
             </a:pPr>
             <a:r>
-              <a:rPr lang="en-US" sz="1400" b="0" i="0" u="none" strike="noStrike" cap="none">
+              <a:rPr lang="en-US" dirty="0">
                 <a:solidFill>
                   <a:srgbClr val="00B0F0"/>
                 </a:solidFill>
@@ -19175,27 +14816,23 @@
                 <a:cs typeface="Calibri"/>
                 <a:sym typeface="Calibri"/>
               </a:rPr>
-              <a:t>B – Set Arm to drop at Shipping Hub Middle Shelve</a:t>
+              <a:t>DPAD RIGHT –  Open Claw</a:t>
             </a:r>
-            <a:endParaRPr/>
           </a:p>
           <a:p>
-            <a:pPr marL="342900" marR="0" lvl="0" indent="-342900" algn="l" rtl="0">
+            <a:pPr marL="342900" indent="-342900">
               <a:spcBef>
                 <a:spcPts val="600"/>
               </a:spcBef>
-              <a:spcAft>
-                <a:spcPts val="0"/>
-              </a:spcAft>
               <a:buClr>
                 <a:srgbClr val="00B0F0"/>
               </a:buClr>
               <a:buSzPts val="1400"/>
-              <a:buFont typeface="Calibri"/>
+              <a:buFont typeface="+mj-lt"/>
               <a:buAutoNum type="arabicPeriod"/>
             </a:pPr>
             <a:r>
-              <a:rPr lang="en-US" sz="1400" b="0" i="0" u="none" strike="noStrike" cap="none">
+              <a:rPr lang="en-US" dirty="0">
                 <a:solidFill>
                   <a:srgbClr val="00B0F0"/>
                 </a:solidFill>
@@ -19204,27 +14841,23 @@
                 <a:cs typeface="Calibri"/>
                 <a:sym typeface="Calibri"/>
               </a:rPr>
-              <a:t>A – Set Arm to drop at Shipping Hub Bottom Shelve</a:t>
+              <a:t>Left Bumper &amp; X is for left ground junction position</a:t>
             </a:r>
-            <a:endParaRPr/>
           </a:p>
           <a:p>
-            <a:pPr marL="342900" marR="0" lvl="0" indent="-342900" algn="l" rtl="0">
+            <a:pPr marL="342900" indent="-342900">
               <a:spcBef>
                 <a:spcPts val="600"/>
               </a:spcBef>
-              <a:spcAft>
-                <a:spcPts val="0"/>
-              </a:spcAft>
               <a:buClr>
                 <a:srgbClr val="00B0F0"/>
               </a:buClr>
               <a:buSzPts val="1400"/>
-              <a:buFont typeface="Calibri"/>
+              <a:buFont typeface="+mj-lt"/>
               <a:buAutoNum type="arabicPeriod"/>
             </a:pPr>
             <a:r>
-              <a:rPr lang="en-US" sz="1400" b="0" i="0" u="none" strike="noStrike" cap="none">
+              <a:rPr lang="en-US" dirty="0">
                 <a:solidFill>
                   <a:srgbClr val="00B0F0"/>
                 </a:solidFill>
@@ -19233,27 +14866,23 @@
                 <a:cs typeface="Calibri"/>
                 <a:sym typeface="Calibri"/>
               </a:rPr>
-              <a:t>X – Set Arm for warehouse clearance &amp; Ready for Intake</a:t>
+              <a:t>Right Bumper &amp; X is for right ground junction position</a:t>
             </a:r>
-            <a:endParaRPr/>
           </a:p>
           <a:p>
-            <a:pPr marL="342900" marR="0" lvl="0" indent="-342900" algn="l" rtl="0">
+            <a:pPr marL="342900" indent="-342900">
               <a:spcBef>
                 <a:spcPts val="600"/>
               </a:spcBef>
-              <a:spcAft>
-                <a:spcPts val="0"/>
-              </a:spcAft>
               <a:buClr>
                 <a:srgbClr val="00B0F0"/>
               </a:buClr>
               <a:buSzPts val="1400"/>
-              <a:buFont typeface="Calibri"/>
+              <a:buFont typeface="+mj-lt"/>
               <a:buAutoNum type="arabicPeriod"/>
             </a:pPr>
             <a:r>
-              <a:rPr lang="en-US" sz="1400" b="0" i="0" u="none" strike="noStrike" cap="none">
+              <a:rPr lang="en-US" dirty="0">
                 <a:solidFill>
                   <a:srgbClr val="00B0F0"/>
                 </a:solidFill>
@@ -19262,27 +14891,23 @@
                 <a:cs typeface="Calibri"/>
                 <a:sym typeface="Calibri"/>
               </a:rPr>
-              <a:t>DPAD DOWN –  Set Arm for Intake height</a:t>
+              <a:t>Left Bumper &amp; A is for left low junction position</a:t>
             </a:r>
-            <a:endParaRPr/>
           </a:p>
           <a:p>
-            <a:pPr marL="342900" marR="0" lvl="0" indent="-342900" algn="l" rtl="0">
+            <a:pPr marL="342900" indent="-342900">
               <a:spcBef>
                 <a:spcPts val="600"/>
               </a:spcBef>
-              <a:spcAft>
-                <a:spcPts val="0"/>
-              </a:spcAft>
               <a:buClr>
                 <a:srgbClr val="00B0F0"/>
               </a:buClr>
               <a:buSzPts val="1400"/>
-              <a:buFont typeface="Calibri"/>
+              <a:buFont typeface="+mj-lt"/>
               <a:buAutoNum type="arabicPeriod"/>
             </a:pPr>
             <a:r>
-              <a:rPr lang="en-US" sz="1400" b="0" i="0" u="none" strike="noStrike" cap="none">
+              <a:rPr lang="en-US" dirty="0">
                 <a:solidFill>
                   <a:srgbClr val="00B0F0"/>
                 </a:solidFill>
@@ -19291,27 +14916,23 @@
                 <a:cs typeface="Calibri"/>
                 <a:sym typeface="Calibri"/>
               </a:rPr>
-              <a:t>DPAD LEFT –  Turn on Auto Intake with Touch Sensor</a:t>
+              <a:t>Right Bumper &amp; A is for right low junction position</a:t>
             </a:r>
-            <a:endParaRPr/>
           </a:p>
           <a:p>
-            <a:pPr marL="342900" marR="0" lvl="0" indent="-342900" algn="l" rtl="0">
+            <a:pPr marL="342900" indent="-342900">
               <a:spcBef>
                 <a:spcPts val="600"/>
               </a:spcBef>
-              <a:spcAft>
-                <a:spcPts val="0"/>
-              </a:spcAft>
               <a:buClr>
                 <a:srgbClr val="00B0F0"/>
               </a:buClr>
               <a:buSzPts val="1400"/>
-              <a:buFont typeface="Calibri"/>
+              <a:buFont typeface="+mj-lt"/>
               <a:buAutoNum type="arabicPeriod"/>
             </a:pPr>
             <a:r>
-              <a:rPr lang="en-US" sz="1400" b="0" i="0" u="none" strike="noStrike" cap="none">
+              <a:rPr lang="en-US" dirty="0">
                 <a:solidFill>
                   <a:srgbClr val="00B0F0"/>
                 </a:solidFill>
@@ -19320,27 +14941,23 @@
                 <a:cs typeface="Calibri"/>
                 <a:sym typeface="Calibri"/>
               </a:rPr>
-              <a:t>DPAD RIGHT –  Turnoff Auto Intake with Touch Sensor</a:t>
+              <a:t>Left Bumper &amp; B is for left medium junction position</a:t>
             </a:r>
-            <a:endParaRPr/>
           </a:p>
           <a:p>
-            <a:pPr marL="342900" marR="0" lvl="0" indent="-342900" algn="l" rtl="0">
+            <a:pPr marL="342900" indent="-342900">
               <a:spcBef>
                 <a:spcPts val="600"/>
               </a:spcBef>
-              <a:spcAft>
-                <a:spcPts val="0"/>
-              </a:spcAft>
               <a:buClr>
                 <a:srgbClr val="00B0F0"/>
               </a:buClr>
               <a:buSzPts val="1400"/>
-              <a:buFont typeface="Calibri"/>
+              <a:buFont typeface="+mj-lt"/>
               <a:buAutoNum type="arabicPeriod"/>
             </a:pPr>
             <a:r>
-              <a:rPr lang="en-US" sz="1400" b="0" i="0" u="none" strike="noStrike" cap="none">
+              <a:rPr lang="en-US" dirty="0">
                 <a:solidFill>
                   <a:srgbClr val="00B0F0"/>
                 </a:solidFill>
@@ -19349,27 +14966,23 @@
                 <a:cs typeface="Calibri"/>
                 <a:sym typeface="Calibri"/>
               </a:rPr>
-              <a:t>Left Trigger &amp; Bumper – Turn Table Left</a:t>
+              <a:t>Right Bumper &amp; B is for right medium junction position</a:t>
             </a:r>
-            <a:endParaRPr/>
           </a:p>
           <a:p>
-            <a:pPr marL="342900" marR="0" lvl="0" indent="-342900" algn="l" rtl="0">
+            <a:pPr marL="342900" indent="-342900">
               <a:spcBef>
                 <a:spcPts val="600"/>
               </a:spcBef>
-              <a:spcAft>
-                <a:spcPts val="0"/>
-              </a:spcAft>
               <a:buClr>
                 <a:srgbClr val="00B0F0"/>
               </a:buClr>
               <a:buSzPts val="1400"/>
-              <a:buFont typeface="Calibri"/>
+              <a:buFont typeface="+mj-lt"/>
               <a:buAutoNum type="arabicPeriod"/>
             </a:pPr>
             <a:r>
-              <a:rPr lang="en-US" sz="1400" b="0" i="0" u="none" strike="noStrike" cap="none">
+              <a:rPr lang="en-US" dirty="0">
                 <a:solidFill>
                   <a:srgbClr val="00B0F0"/>
                 </a:solidFill>
@@ -19378,27 +14991,23 @@
                 <a:cs typeface="Calibri"/>
                 <a:sym typeface="Calibri"/>
               </a:rPr>
-              <a:t>Right Trigger &amp; Bumper – Turn Table Right</a:t>
+              <a:t>Left Bumper &amp; Y is for left high junction position</a:t>
             </a:r>
-            <a:endParaRPr/>
           </a:p>
           <a:p>
-            <a:pPr marL="342900" marR="0" lvl="0" indent="-342900" algn="l" rtl="0">
+            <a:pPr marL="342900" indent="-342900">
               <a:spcBef>
                 <a:spcPts val="600"/>
               </a:spcBef>
-              <a:spcAft>
-                <a:spcPts val="0"/>
-              </a:spcAft>
               <a:buClr>
                 <a:srgbClr val="00B0F0"/>
               </a:buClr>
               <a:buSzPts val="1400"/>
-              <a:buFont typeface="Calibri"/>
+              <a:buFont typeface="+mj-lt"/>
               <a:buAutoNum type="arabicPeriod"/>
             </a:pPr>
             <a:r>
-              <a:rPr lang="en-US" sz="1400" b="0" i="0" u="none" strike="noStrike" cap="none">
+              <a:rPr lang="en-US" dirty="0">
                 <a:solidFill>
                   <a:srgbClr val="00B0F0"/>
                 </a:solidFill>
@@ -19407,27 +15016,23 @@
                 <a:cs typeface="Calibri"/>
                 <a:sym typeface="Calibri"/>
               </a:rPr>
-              <a:t>Left Bumper &amp; DPAD Up – Shipping Hub Lower Shelf</a:t>
+              <a:t>Right Bumper &amp; Y is for right high junction position</a:t>
             </a:r>
-            <a:endParaRPr/>
           </a:p>
           <a:p>
-            <a:pPr marL="342900" marR="0" lvl="0" indent="-342900" algn="l" rtl="0">
+            <a:pPr marL="342900" indent="-342900">
               <a:spcBef>
                 <a:spcPts val="600"/>
               </a:spcBef>
-              <a:spcAft>
-                <a:spcPts val="0"/>
-              </a:spcAft>
               <a:buClr>
                 <a:srgbClr val="00B0F0"/>
               </a:buClr>
               <a:buSzPts val="1400"/>
-              <a:buFont typeface="Calibri"/>
+              <a:buFont typeface="+mj-lt"/>
               <a:buAutoNum type="arabicPeriod"/>
             </a:pPr>
             <a:r>
-              <a:rPr lang="en-US" sz="1400" b="0" i="0" u="none" strike="noStrike" cap="none">
+              <a:rPr lang="en-US" dirty="0">
                 <a:solidFill>
                   <a:srgbClr val="00B0F0"/>
                 </a:solidFill>
@@ -19436,27 +15041,23 @@
                 <a:cs typeface="Calibri"/>
                 <a:sym typeface="Calibri"/>
               </a:rPr>
-              <a:t>Left Bumper &amp; DPAD Left – Shipping Hub Middle Shelf</a:t>
+              <a:t>Left Bumper, Right Bumper &amp; X is to preset for substation pickup</a:t>
             </a:r>
-            <a:endParaRPr/>
           </a:p>
           <a:p>
-            <a:pPr marL="342900" marR="0" lvl="0" indent="-342900" algn="l" rtl="0">
+            <a:pPr marL="342900" indent="-342900">
               <a:spcBef>
                 <a:spcPts val="600"/>
               </a:spcBef>
-              <a:spcAft>
-                <a:spcPts val="0"/>
-              </a:spcAft>
               <a:buClr>
                 <a:srgbClr val="00B0F0"/>
               </a:buClr>
               <a:buSzPts val="1400"/>
-              <a:buFont typeface="Calibri"/>
+              <a:buFont typeface="+mj-lt"/>
               <a:buAutoNum type="arabicPeriod"/>
             </a:pPr>
             <a:r>
-              <a:rPr lang="en-US" sz="1400" b="0" i="0" u="none" strike="noStrike" cap="none">
+              <a:rPr lang="en-US" dirty="0">
                 <a:solidFill>
                   <a:srgbClr val="00B0F0"/>
                 </a:solidFill>
@@ -19465,27 +15066,23 @@
                 <a:cs typeface="Calibri"/>
                 <a:sym typeface="Calibri"/>
               </a:rPr>
-              <a:t>Left Bumper &amp; DPAD Right – Shipping Hub Intake Shelf</a:t>
+              <a:t>Left Bumper, Right Bumper &amp; Y is to preset for high junction drop</a:t>
             </a:r>
-            <a:endParaRPr/>
           </a:p>
           <a:p>
-            <a:pPr marL="342900" marR="0" lvl="0" indent="-342900" algn="l" rtl="0">
+            <a:pPr marL="342900" indent="-342900">
               <a:spcBef>
                 <a:spcPts val="600"/>
               </a:spcBef>
-              <a:spcAft>
-                <a:spcPts val="0"/>
-              </a:spcAft>
               <a:buClr>
                 <a:srgbClr val="00B0F0"/>
               </a:buClr>
               <a:buSzPts val="1400"/>
-              <a:buFont typeface="Calibri"/>
+              <a:buFont typeface="+mj-lt"/>
               <a:buAutoNum type="arabicPeriod"/>
             </a:pPr>
             <a:r>
-              <a:rPr lang="en-US" sz="1400" b="0" i="0" u="none" strike="noStrike" cap="none">
+              <a:rPr lang="en-US" dirty="0">
                 <a:solidFill>
                   <a:srgbClr val="00B0F0"/>
                 </a:solidFill>
@@ -19494,27 +15091,23 @@
                 <a:cs typeface="Calibri"/>
                 <a:sym typeface="Calibri"/>
               </a:rPr>
-              <a:t>Left Bumper &amp; DPAD Down – Shipping Hub Top Shelf &amp; Shared Hub</a:t>
+              <a:t>Left Bumper, Right Bumper &amp; B is to preset for medium junction drop</a:t>
             </a:r>
-            <a:endParaRPr/>
           </a:p>
           <a:p>
-            <a:pPr marL="342900" marR="0" lvl="0" indent="-342900" algn="l" rtl="0">
+            <a:pPr marL="342900" indent="-342900">
               <a:spcBef>
                 <a:spcPts val="600"/>
               </a:spcBef>
-              <a:spcAft>
-                <a:spcPts val="0"/>
-              </a:spcAft>
               <a:buClr>
                 <a:srgbClr val="00B0F0"/>
               </a:buClr>
               <a:buSzPts val="1400"/>
-              <a:buFont typeface="Calibri"/>
+              <a:buFont typeface="+mj-lt"/>
               <a:buAutoNum type="arabicPeriod"/>
             </a:pPr>
             <a:r>
-              <a:rPr lang="en-US" sz="1400" b="0" i="0" u="none" strike="noStrike" cap="none">
+              <a:rPr lang="en-US" dirty="0">
                 <a:solidFill>
                   <a:srgbClr val="00B0F0"/>
                 </a:solidFill>
@@ -19523,9 +15116,137 @@
                 <a:cs typeface="Calibri"/>
                 <a:sym typeface="Calibri"/>
               </a:rPr>
-              <a:t>Right Stick +X and Right Bumper – Tune Intake Box</a:t>
+              <a:t>Left Bumper, Right Bumper &amp; A is to preset for low/ground junction</a:t>
             </a:r>
-            <a:endParaRPr/>
+          </a:p>
+        </p:txBody>
+      </p:sp>
+      <p:sp>
+        <p:nvSpPr>
+          <p:cNvPr id="3" name="Google Shape;122;p1">
+            <a:extLst>
+              <a:ext uri="{FF2B5EF4-FFF2-40B4-BE49-F238E27FC236}">
+                <a16:creationId xmlns:a16="http://schemas.microsoft.com/office/drawing/2014/main" id="{475EC5A9-E24E-DA2D-9FD5-8ED90C283CB8}"/>
+              </a:ext>
+            </a:extLst>
+          </p:cNvPr>
+          <p:cNvSpPr txBox="1"/>
+          <p:nvPr/>
+        </p:nvSpPr>
+        <p:spPr>
+          <a:xfrm>
+            <a:off x="491836" y="5090848"/>
+            <a:ext cx="5909723" cy="923289"/>
+          </a:xfrm>
+          <a:prstGeom prst="rect">
+            <a:avLst/>
+          </a:prstGeom>
+          <a:noFill/>
+          <a:ln w="9525" cap="flat" cmpd="sng">
+            <a:solidFill>
+              <a:srgbClr val="00B0F0"/>
+            </a:solidFill>
+            <a:prstDash val="solid"/>
+            <a:round/>
+            <a:headEnd type="none" w="sm" len="sm"/>
+            <a:tailEnd type="none" w="sm" len="sm"/>
+          </a:ln>
+        </p:spPr>
+        <p:txBody>
+          <a:bodyPr spcFirstLastPara="1" wrap="square" lIns="91425" tIns="45700" rIns="91425" bIns="45700" anchor="t" anchorCtr="0">
+            <a:spAutoFit/>
+          </a:bodyPr>
+          <a:lstStyle/>
+          <a:p>
+            <a:pPr marR="0" lvl="0" algn="l" rtl="0">
+              <a:spcBef>
+                <a:spcPts val="0"/>
+              </a:spcBef>
+              <a:spcAft>
+                <a:spcPts val="0"/>
+              </a:spcAft>
+              <a:buClr>
+                <a:srgbClr val="00B0F0"/>
+              </a:buClr>
+              <a:buSzPts val="1600"/>
+            </a:pPr>
+            <a:r>
+              <a:rPr lang="en-US" b="0" i="0" u="none" strike="noStrike" cap="none" dirty="0">
+                <a:solidFill>
+                  <a:srgbClr val="00B0F0"/>
+                </a:solidFill>
+                <a:latin typeface="Calibri"/>
+                <a:ea typeface="Calibri"/>
+                <a:cs typeface="Calibri"/>
+                <a:sym typeface="Calibri"/>
+              </a:rPr>
+              <a:t>21. Left Trigger, Right Trigger &amp; X to pickup and ready to drop in any junction</a:t>
+            </a:r>
+            <a:endParaRPr lang="en-US" sz="1200" dirty="0">
+              <a:ea typeface="Calibri"/>
+            </a:endParaRPr>
+          </a:p>
+          <a:p>
+            <a:pPr marR="0" lvl="0" algn="l" rtl="0">
+              <a:spcBef>
+                <a:spcPts val="0"/>
+              </a:spcBef>
+              <a:spcAft>
+                <a:spcPts val="0"/>
+              </a:spcAft>
+              <a:buClr>
+                <a:srgbClr val="00B0F0"/>
+              </a:buClr>
+              <a:buSzPts val="1600"/>
+            </a:pPr>
+            <a:endParaRPr lang="en-US" sz="1200" b="0" i="0" u="none" strike="noStrike" cap="none" dirty="0">
+              <a:solidFill>
+                <a:srgbClr val="00B0F0"/>
+              </a:solidFill>
+              <a:latin typeface="Calibri"/>
+              <a:ea typeface="Calibri"/>
+              <a:cs typeface="Calibri"/>
+              <a:sym typeface="Calibri"/>
+            </a:endParaRPr>
+          </a:p>
+          <a:p>
+            <a:pPr marR="0" lvl="0" algn="l" rtl="0">
+              <a:spcBef>
+                <a:spcPts val="0"/>
+              </a:spcBef>
+              <a:spcAft>
+                <a:spcPts val="0"/>
+              </a:spcAft>
+              <a:buClr>
+                <a:srgbClr val="00B0F0"/>
+              </a:buClr>
+              <a:buSzPts val="1600"/>
+            </a:pPr>
+            <a:r>
+              <a:rPr lang="en-US" sz="1200" dirty="0">
+                <a:solidFill>
+                  <a:srgbClr val="00B0F0"/>
+                </a:solidFill>
+                <a:latin typeface="Calibri"/>
+                <a:ea typeface="Calibri"/>
+                <a:cs typeface="Calibri"/>
+                <a:sym typeface="Calibri"/>
+              </a:rPr>
+              <a:t>22. </a:t>
+            </a:r>
+            <a:r>
+              <a:rPr lang="en-US" b="0" i="0" u="none" strike="noStrike" cap="none" dirty="0">
+                <a:solidFill>
+                  <a:srgbClr val="00B0F0"/>
+                </a:solidFill>
+                <a:latin typeface="Calibri"/>
+                <a:ea typeface="Calibri"/>
+                <a:cs typeface="Calibri"/>
+                <a:sym typeface="Calibri"/>
+              </a:rPr>
+              <a:t>Left Trigger, Right Trigger &amp; Y to drop in high junction from substation continuously</a:t>
+            </a:r>
+            <a:endParaRPr lang="en-US" sz="1200" dirty="0"/>
           </a:p>
         </p:txBody>
       </p:sp>

--- a/ProgrammingDocs/Gamepad_AT_2022.pptx
+++ b/ProgrammingDocs/Gamepad_AT_2022.pptx
@@ -247,7 +247,7 @@
       <p15:sldGuideLst xmlns:p15="http://schemas.microsoft.com/office/powerpoint/2012/main"/>
     </p:ext>
     <p:ext uri="http://customooxmlschemas.google.com/">
-      <go:slidesCustomData xmlns="" xmlns:mc="http://schemas.openxmlformats.org/markup-compatibility/2006" xmlns:mv="urn:schemas-microsoft-com:mac:vml" xmlns:c="http://schemas.openxmlformats.org/drawingml/2006/chart" xmlns:dgm="http://schemas.openxmlformats.org/drawingml/2006/diagram" xmlns:o="urn:schemas-microsoft-com:office:office" xmlns:v="urn:schemas-microsoft-com:vml" xmlns:pvml="urn:schemas-microsoft-com:office:powerpoint" xmlns:com="http://schemas.openxmlformats.org/drawingml/2006/compatibility" xmlns:p14="http://schemas.microsoft.com/office/powerpoint/2010/main" xmlns:p15="http://schemas.microsoft.com/office/powerpoint/2012/main" xmlns:ahyp="http://schemas.microsoft.com/office/drawing/2018/hyperlinkcolor" xmlns:go="http://customooxmlschemas.google.com/" r:id="rId9" roundtripDataSignature="AMtx7mg7/Uy38vozo7lv7lODiH/+yduhyA=="/>
+      <go:slidesCustomData xmlns:go="http://customooxmlschemas.google.com/" xmlns:ahyp="http://schemas.microsoft.com/office/drawing/2018/hyperlinkcolor" xmlns:p15="http://schemas.microsoft.com/office/powerpoint/2012/main" xmlns:p14="http://schemas.microsoft.com/office/powerpoint/2010/main" xmlns:com="http://schemas.openxmlformats.org/drawingml/2006/compatibility" xmlns:pvml="urn:schemas-microsoft-com:office:powerpoint" xmlns:v="urn:schemas-microsoft-com:vml" xmlns:o="urn:schemas-microsoft-com:office:office" xmlns:dgm="http://schemas.openxmlformats.org/drawingml/2006/diagram" xmlns:c="http://schemas.openxmlformats.org/drawingml/2006/chart" xmlns:mv="urn:schemas-microsoft-com:mac:vml" xmlns:mc="http://schemas.openxmlformats.org/markup-compatibility/2006" xmlns="" r:id="rId9" roundtripDataSignature="AMtx7mg7/Uy38vozo7lv7lODiH/+yduhyA=="/>
     </p:ext>
   </p:extLst>
 </p:presentation>
@@ -12689,7 +12689,7 @@
         <p:spPr>
           <a:xfrm>
             <a:off x="6152914" y="1217060"/>
-            <a:ext cx="5909723" cy="2200562"/>
+            <a:ext cx="5909723" cy="2492950"/>
           </a:xfrm>
           <a:prstGeom prst="rect">
             <a:avLst/>
@@ -13002,7 +13002,72 @@
               </a:rPr>
               <a:t>TeleOp</a:t>
             </a:r>
-            <a:endParaRPr sz="1200" dirty="0"/>
+            <a:endParaRPr lang="en-US" b="0" i="0" u="none" strike="noStrike" cap="none" dirty="0">
+              <a:solidFill>
+                <a:srgbClr val="00B0F0"/>
+              </a:solidFill>
+              <a:latin typeface="Calibri"/>
+              <a:ea typeface="Calibri"/>
+              <a:cs typeface="Calibri"/>
+              <a:sym typeface="Calibri"/>
+            </a:endParaRPr>
+          </a:p>
+          <a:p>
+            <a:pPr marL="342900" indent="-342900">
+              <a:spcBef>
+                <a:spcPts val="600"/>
+              </a:spcBef>
+              <a:buClr>
+                <a:srgbClr val="00B0F0"/>
+              </a:buClr>
+              <a:buSzPts val="1600"/>
+              <a:buFont typeface="Calibri"/>
+              <a:buAutoNum type="arabicPeriod"/>
+            </a:pPr>
+            <a:r>
+              <a:rPr lang="en-US" dirty="0">
+                <a:solidFill>
+                  <a:srgbClr val="00B0F0"/>
+                </a:solidFill>
+                <a:latin typeface="Calibri"/>
+                <a:ea typeface="Calibri"/>
+                <a:cs typeface="Calibri"/>
+                <a:sym typeface="Calibri"/>
+              </a:rPr>
+              <a:t>Left Trigger, Right Trigger &amp; A to put robot </a:t>
+            </a:r>
+            <a:r>
+              <a:rPr lang="en-US" dirty="0" err="1">
+                <a:solidFill>
+                  <a:srgbClr val="00B0F0"/>
+                </a:solidFill>
+                <a:latin typeface="Calibri"/>
+                <a:ea typeface="Calibri"/>
+                <a:cs typeface="Calibri"/>
+                <a:sym typeface="Calibri"/>
+              </a:rPr>
+              <a:t>Tophat</a:t>
+            </a:r>
+            <a:r>
+              <a:rPr lang="en-US" dirty="0">
+                <a:solidFill>
+                  <a:srgbClr val="00B0F0"/>
+                </a:solidFill>
+                <a:latin typeface="Calibri"/>
+                <a:ea typeface="Calibri"/>
+                <a:cs typeface="Calibri"/>
+                <a:sym typeface="Calibri"/>
+              </a:rPr>
+              <a:t> in navigation mode</a:t>
+            </a:r>
+            <a:endParaRPr lang="en-US" dirty="0">
+              <a:solidFill>
+                <a:srgbClr val="00B0F0"/>
+              </a:solidFill>
+              <a:latin typeface="Calibri"/>
+              <a:ea typeface="Calibri"/>
+              <a:cs typeface="Calibri"/>
+            </a:endParaRPr>
           </a:p>
         </p:txBody>
       </p:sp>

--- a/ProgrammingDocs/Gamepad_AT_2022.pptx
+++ b/ProgrammingDocs/Gamepad_AT_2022.pptx
@@ -247,7 +247,7 @@
       <p15:sldGuideLst xmlns:p15="http://schemas.microsoft.com/office/powerpoint/2012/main"/>
     </p:ext>
     <p:ext uri="http://customooxmlschemas.google.com/">
-      <go:slidesCustomData xmlns:go="http://customooxmlschemas.google.com/" xmlns:ahyp="http://schemas.microsoft.com/office/drawing/2018/hyperlinkcolor" xmlns:p15="http://schemas.microsoft.com/office/powerpoint/2012/main" xmlns:p14="http://schemas.microsoft.com/office/powerpoint/2010/main" xmlns:com="http://schemas.openxmlformats.org/drawingml/2006/compatibility" xmlns:pvml="urn:schemas-microsoft-com:office:powerpoint" xmlns:v="urn:schemas-microsoft-com:vml" xmlns:o="urn:schemas-microsoft-com:office:office" xmlns:dgm="http://schemas.openxmlformats.org/drawingml/2006/diagram" xmlns:c="http://schemas.openxmlformats.org/drawingml/2006/chart" xmlns:mv="urn:schemas-microsoft-com:mac:vml" xmlns:mc="http://schemas.openxmlformats.org/markup-compatibility/2006" xmlns="" r:id="rId9" roundtripDataSignature="AMtx7mg7/Uy38vozo7lv7lODiH/+yduhyA=="/>
+      <go:slidesCustomData xmlns="" xmlns:mc="http://schemas.openxmlformats.org/markup-compatibility/2006" xmlns:mv="urn:schemas-microsoft-com:mac:vml" xmlns:c="http://schemas.openxmlformats.org/drawingml/2006/chart" xmlns:dgm="http://schemas.openxmlformats.org/drawingml/2006/diagram" xmlns:o="urn:schemas-microsoft-com:office:office" xmlns:v="urn:schemas-microsoft-com:vml" xmlns:pvml="urn:schemas-microsoft-com:office:powerpoint" xmlns:com="http://schemas.openxmlformats.org/drawingml/2006/compatibility" xmlns:p14="http://schemas.microsoft.com/office/powerpoint/2010/main" xmlns:p15="http://schemas.microsoft.com/office/powerpoint/2012/main" xmlns:ahyp="http://schemas.microsoft.com/office/drawing/2018/hyperlinkcolor" xmlns:go="http://customooxmlschemas.google.com/" r:id="rId9" roundtripDataSignature="AMtx7mg7/Uy38vozo7lv7lODiH/+yduhyA=="/>
     </p:ext>
   </p:extLst>
 </p:presentation>
@@ -12689,7 +12689,7 @@
         <p:spPr>
           <a:xfrm>
             <a:off x="6152914" y="1217060"/>
-            <a:ext cx="5909723" cy="2492950"/>
+            <a:ext cx="5909723" cy="1477287"/>
           </a:xfrm>
           <a:prstGeom prst="rect">
             <a:avLst/>
@@ -12735,7 +12735,31 @@
                 <a:cs typeface="Calibri"/>
                 <a:sym typeface="Calibri"/>
               </a:rPr>
-              <a:t>Left Bumper, Right Bumper &amp; A is to move to robo</a:t>
+              <a:t>Left Bumper, Right Bumper &amp; A is to </a:t>
+            </a:r>
+            <a:r>
+              <a:rPr lang="en-US" b="0" i="0" u="none" strike="noStrike" cap="none" dirty="0">
+                <a:solidFill>
+                  <a:srgbClr val="FF0000"/>
+                </a:solidFill>
+                <a:latin typeface="Calibri"/>
+                <a:ea typeface="Calibri"/>
+                <a:cs typeface="Calibri"/>
+                <a:sym typeface="Calibri"/>
+              </a:rPr>
+              <a:t>move to robo</a:t>
+            </a:r>
+            <a:r>
+              <a:rPr lang="en-US" dirty="0">
+                <a:solidFill>
+                  <a:srgbClr val="FF0000"/>
+                </a:solidFill>
+                <a:latin typeface="Calibri"/>
+                <a:ea typeface="Calibri"/>
+                <a:cs typeface="Calibri"/>
+                <a:sym typeface="Calibri"/>
+              </a:rPr>
+              <a:t>t </a:t>
             </a:r>
             <a:r>
               <a:rPr lang="en-US" dirty="0">
@@ -12747,19 +12771,7 @@
                 <a:cs typeface="Calibri"/>
                 <a:sym typeface="Calibri"/>
               </a:rPr>
-              <a:t>t in </a:t>
-            </a:r>
-            <a:r>
-              <a:rPr lang="en-US" dirty="0" err="1">
-                <a:solidFill>
-                  <a:srgbClr val="00B0F0"/>
-                </a:solidFill>
-                <a:latin typeface="Calibri"/>
-                <a:ea typeface="Calibri"/>
-                <a:cs typeface="Calibri"/>
-                <a:sym typeface="Calibri"/>
-              </a:rPr>
-              <a:t>Auton</a:t>
+              <a:t>in Auton</a:t>
             </a:r>
             <a:endParaRPr sz="1200" dirty="0"/>
           </a:p>
@@ -12791,7 +12803,7 @@
               <a:t>Left Bumper, Right Bumper &amp; X is to stop both platform &amp; </a:t>
             </a:r>
             <a:r>
-              <a:rPr lang="en-US" dirty="0" err="1">
+              <a:rPr lang="en-US" dirty="0">
                 <a:solidFill>
                   <a:srgbClr val="00B0F0"/>
                 </a:solidFill>
@@ -12803,7 +12815,7 @@
               <a:t>T</a:t>
             </a:r>
             <a:r>
-              <a:rPr lang="en-US" b="0" i="0" u="none" strike="noStrike" cap="none" dirty="0" err="1">
+              <a:rPr lang="en-US" b="0" i="0" u="none" strike="noStrike" cap="none" dirty="0">
                 <a:solidFill>
                   <a:srgbClr val="00B0F0"/>
                 </a:solidFill>
@@ -12875,144 +12887,6 @@
             <a:endParaRPr lang="en-US" sz="1200" dirty="0"/>
           </a:p>
           <a:p>
-            <a:pPr marL="342900" marR="0" lvl="0" indent="-342900" algn="l" rtl="0">
-              <a:spcBef>
-                <a:spcPts val="600"/>
-              </a:spcBef>
-              <a:spcAft>
-                <a:spcPts val="0"/>
-              </a:spcAft>
-              <a:buClr>
-                <a:srgbClr val="00B0F0"/>
-              </a:buClr>
-              <a:buSzPts val="1600"/>
-              <a:buFont typeface="Calibri"/>
-              <a:buAutoNum type="arabicPeriod"/>
-            </a:pPr>
-            <a:r>
-              <a:rPr lang="en-US" b="0" i="0" u="none" strike="noStrike" cap="none" dirty="0">
-                <a:solidFill>
-                  <a:srgbClr val="00B0F0"/>
-                </a:solidFill>
-                <a:latin typeface="Calibri"/>
-                <a:ea typeface="Calibri"/>
-                <a:cs typeface="Calibri"/>
-                <a:sym typeface="Calibri"/>
-              </a:rPr>
-              <a:t>Left Bumper, Right Bumper &amp; Y to resume High Junction Cone Pickup from </a:t>
-            </a:r>
-            <a:r>
-              <a:rPr lang="en-US" b="0" i="0" u="none" strike="noStrike" cap="none" dirty="0" err="1">
-                <a:solidFill>
-                  <a:srgbClr val="00B0F0"/>
-                </a:solidFill>
-                <a:latin typeface="Calibri"/>
-                <a:ea typeface="Calibri"/>
-                <a:cs typeface="Calibri"/>
-                <a:sym typeface="Calibri"/>
-              </a:rPr>
-              <a:t>Auton</a:t>
-            </a:r>
-            <a:r>
-              <a:rPr lang="en-US" b="0" i="0" u="none" strike="noStrike" cap="none" dirty="0">
-                <a:solidFill>
-                  <a:srgbClr val="00B0F0"/>
-                </a:solidFill>
-                <a:latin typeface="Calibri"/>
-                <a:ea typeface="Calibri"/>
-                <a:cs typeface="Calibri"/>
-                <a:sym typeface="Calibri"/>
-              </a:rPr>
-              <a:t> to </a:t>
-            </a:r>
-            <a:r>
-              <a:rPr lang="en-US" b="0" i="0" u="none" strike="noStrike" cap="none" dirty="0" err="1">
-                <a:solidFill>
-                  <a:srgbClr val="00B0F0"/>
-                </a:solidFill>
-                <a:latin typeface="Calibri"/>
-                <a:ea typeface="Calibri"/>
-                <a:cs typeface="Calibri"/>
-                <a:sym typeface="Calibri"/>
-              </a:rPr>
-              <a:t>TeleOp</a:t>
-            </a:r>
-            <a:endParaRPr sz="1200" dirty="0"/>
-          </a:p>
-          <a:p>
-            <a:pPr marL="342900" marR="0" lvl="0" indent="-342900" algn="l" rtl="0">
-              <a:spcBef>
-                <a:spcPts val="600"/>
-              </a:spcBef>
-              <a:spcAft>
-                <a:spcPts val="0"/>
-              </a:spcAft>
-              <a:buClr>
-                <a:srgbClr val="00B0F0"/>
-              </a:buClr>
-              <a:buSzPts val="1600"/>
-              <a:buFont typeface="Calibri"/>
-              <a:buAutoNum type="arabicPeriod"/>
-            </a:pPr>
-            <a:r>
-              <a:rPr lang="en-US" b="0" i="0" u="none" strike="noStrike" cap="none" dirty="0">
-                <a:solidFill>
-                  <a:srgbClr val="00B0F0"/>
-                </a:solidFill>
-                <a:latin typeface="Calibri"/>
-                <a:ea typeface="Calibri"/>
-                <a:cs typeface="Calibri"/>
-                <a:sym typeface="Calibri"/>
-              </a:rPr>
-              <a:t>Left Bumper, Right Bumper &amp; B to resume Medium Junction Cone Pickup from </a:t>
-            </a:r>
-            <a:r>
-              <a:rPr lang="en-US" b="0" i="0" u="none" strike="noStrike" cap="none" dirty="0" err="1">
-                <a:solidFill>
-                  <a:srgbClr val="00B0F0"/>
-                </a:solidFill>
-                <a:latin typeface="Calibri"/>
-                <a:ea typeface="Calibri"/>
-                <a:cs typeface="Calibri"/>
-                <a:sym typeface="Calibri"/>
-              </a:rPr>
-              <a:t>Auton</a:t>
-            </a:r>
-            <a:r>
-              <a:rPr lang="en-US" b="0" i="0" u="none" strike="noStrike" cap="none" dirty="0">
-                <a:solidFill>
-                  <a:srgbClr val="00B0F0"/>
-                </a:solidFill>
-                <a:latin typeface="Calibri"/>
-                <a:ea typeface="Calibri"/>
-                <a:cs typeface="Calibri"/>
-                <a:sym typeface="Calibri"/>
-              </a:rPr>
-              <a:t> to </a:t>
-            </a:r>
-            <a:r>
-              <a:rPr lang="en-US" b="0" i="0" u="none" strike="noStrike" cap="none" dirty="0" err="1">
-                <a:solidFill>
-                  <a:srgbClr val="00B0F0"/>
-                </a:solidFill>
-                <a:latin typeface="Calibri"/>
-                <a:ea typeface="Calibri"/>
-                <a:cs typeface="Calibri"/>
-                <a:sym typeface="Calibri"/>
-              </a:rPr>
-              <a:t>TeleOp</a:t>
-            </a:r>
-            <a:endParaRPr lang="en-US" b="0" i="0" u="none" strike="noStrike" cap="none" dirty="0">
-              <a:solidFill>
-                <a:srgbClr val="00B0F0"/>
-              </a:solidFill>
-              <a:latin typeface="Calibri"/>
-              <a:ea typeface="Calibri"/>
-              <a:cs typeface="Calibri"/>
-              <a:sym typeface="Calibri"/>
-            </a:endParaRPr>
-          </a:p>
-          <a:p>
             <a:pPr marL="342900" indent="-342900">
               <a:spcBef>
                 <a:spcPts val="600"/>
@@ -13034,31 +12908,7 @@
                 <a:cs typeface="Calibri"/>
                 <a:sym typeface="Calibri"/>
               </a:rPr>
-              <a:t>Left Trigger, Right Trigger &amp; A to put robot </a:t>
-            </a:r>
-            <a:r>
-              <a:rPr lang="en-US" dirty="0" err="1">
-                <a:solidFill>
-                  <a:srgbClr val="00B0F0"/>
-                </a:solidFill>
-                <a:latin typeface="Calibri"/>
-                <a:ea typeface="Calibri"/>
-                <a:cs typeface="Calibri"/>
-                <a:sym typeface="Calibri"/>
-              </a:rPr>
-              <a:t>Tophat</a:t>
-            </a:r>
-            <a:r>
-              <a:rPr lang="en-US" dirty="0">
-                <a:solidFill>
-                  <a:srgbClr val="00B0F0"/>
-                </a:solidFill>
-                <a:latin typeface="Calibri"/>
-                <a:ea typeface="Calibri"/>
-                <a:cs typeface="Calibri"/>
-                <a:sym typeface="Calibri"/>
-              </a:rPr>
-              <a:t> in navigation mode</a:t>
+              <a:t>Left Trigger, Right Trigger &amp; A to put robot Tophat in navigation mode</a:t>
             </a:r>
             <a:endParaRPr lang="en-US" dirty="0">
               <a:solidFill>
@@ -14640,8 +14490,8 @@
         </p:nvSpPr>
         <p:spPr>
           <a:xfrm>
-            <a:off x="6540609" y="549606"/>
-            <a:ext cx="5606205" cy="5863103"/>
+            <a:off x="6615688" y="545107"/>
+            <a:ext cx="5469476" cy="6293990"/>
           </a:xfrm>
           <a:prstGeom prst="rect">
             <a:avLst/>
@@ -15106,7 +14956,31 @@
                 <a:cs typeface="Calibri"/>
                 <a:sym typeface="Calibri"/>
               </a:rPr>
-              <a:t>Left Bumper, Right Bumper &amp; X is to preset for substation pickup</a:t>
+              <a:t>Left Bumper, Right Bumper &amp; X is to preset for </a:t>
+            </a:r>
+            <a:r>
+              <a:rPr lang="en-US" dirty="0">
+                <a:solidFill>
+                  <a:srgbClr val="FF0000"/>
+                </a:solidFill>
+                <a:latin typeface="Calibri"/>
+                <a:ea typeface="Calibri"/>
+                <a:cs typeface="Calibri"/>
+                <a:sym typeface="Calibri"/>
+              </a:rPr>
+              <a:t>substation</a:t>
+            </a:r>
+            <a:r>
+              <a:rPr lang="en-US" dirty="0">
+                <a:solidFill>
+                  <a:srgbClr val="00B0F0"/>
+                </a:solidFill>
+                <a:latin typeface="Calibri"/>
+                <a:ea typeface="Calibri"/>
+                <a:cs typeface="Calibri"/>
+                <a:sym typeface="Calibri"/>
+              </a:rPr>
+              <a:t> pickup</a:t>
             </a:r>
           </a:p>
           <a:p>
@@ -15131,21 +15005,20 @@
                 <a:cs typeface="Calibri"/>
                 <a:sym typeface="Calibri"/>
               </a:rPr>
-              <a:t>Left Bumper, Right Bumper &amp; Y is to preset for high junction drop</a:t>
+              <a:t>Left Bumper, Right Bumper &amp; Y is to preset for </a:t>
             </a:r>
-          </a:p>
-          <a:p>
-            <a:pPr marL="342900" indent="-342900">
-              <a:spcBef>
-                <a:spcPts val="600"/>
-              </a:spcBef>
-              <a:buClr>
-                <a:srgbClr val="00B0F0"/>
-              </a:buClr>
-              <a:buSzPts val="1400"/>
-              <a:buFont typeface="+mj-lt"/>
-              <a:buAutoNum type="arabicPeriod"/>
-            </a:pPr>
+            <a:r>
+              <a:rPr lang="en-US" dirty="0">
+                <a:solidFill>
+                  <a:srgbClr val="FF0000"/>
+                </a:solidFill>
+                <a:latin typeface="Calibri"/>
+                <a:ea typeface="Calibri"/>
+                <a:cs typeface="Calibri"/>
+                <a:sym typeface="Calibri"/>
+              </a:rPr>
+              <a:t>high junction </a:t>
+            </a:r>
             <a:r>
               <a:rPr lang="en-US" dirty="0">
                 <a:solidFill>
@@ -15156,7 +15029,7 @@
                 <a:cs typeface="Calibri"/>
                 <a:sym typeface="Calibri"/>
               </a:rPr>
-              <a:t>Left Bumper, Right Bumper &amp; B is to preset for medium junction drop</a:t>
+              <a:t>drop</a:t>
             </a:r>
           </a:p>
           <a:p>
@@ -15170,70 +15043,6 @@
               <a:buSzPts val="1400"/>
               <a:buFont typeface="+mj-lt"/>
               <a:buAutoNum type="arabicPeriod"/>
-            </a:pPr>
-            <a:r>
-              <a:rPr lang="en-US" dirty="0">
-                <a:solidFill>
-                  <a:srgbClr val="00B0F0"/>
-                </a:solidFill>
-                <a:latin typeface="Calibri"/>
-                <a:ea typeface="Calibri"/>
-                <a:cs typeface="Calibri"/>
-                <a:sym typeface="Calibri"/>
-              </a:rPr>
-              <a:t>Left Bumper, Right Bumper &amp; A is to preset for low/ground junction</a:t>
-            </a:r>
-          </a:p>
-        </p:txBody>
-      </p:sp>
-      <p:sp>
-        <p:nvSpPr>
-          <p:cNvPr id="3" name="Google Shape;122;p1">
-            <a:extLst>
-              <a:ext uri="{FF2B5EF4-FFF2-40B4-BE49-F238E27FC236}">
-                <a16:creationId xmlns:a16="http://schemas.microsoft.com/office/drawing/2014/main" id="{475EC5A9-E24E-DA2D-9FD5-8ED90C283CB8}"/>
-              </a:ext>
-            </a:extLst>
-          </p:cNvPr>
-          <p:cNvSpPr txBox="1"/>
-          <p:nvPr/>
-        </p:nvSpPr>
-        <p:spPr>
-          <a:xfrm>
-            <a:off x="491836" y="5090848"/>
-            <a:ext cx="5909723" cy="923289"/>
-          </a:xfrm>
-          <a:prstGeom prst="rect">
-            <a:avLst/>
-          </a:prstGeom>
-          <a:noFill/>
-          <a:ln w="9525" cap="flat" cmpd="sng">
-            <a:solidFill>
-              <a:srgbClr val="00B0F0"/>
-            </a:solidFill>
-            <a:prstDash val="solid"/>
-            <a:round/>
-            <a:headEnd type="none" w="sm" len="sm"/>
-            <a:tailEnd type="none" w="sm" len="sm"/>
-          </a:ln>
-        </p:spPr>
-        <p:txBody>
-          <a:bodyPr spcFirstLastPara="1" wrap="square" lIns="91425" tIns="45700" rIns="91425" bIns="45700" anchor="t" anchorCtr="0">
-            <a:spAutoFit/>
-          </a:bodyPr>
-          <a:lstStyle/>
-          <a:p>
-            <a:pPr marR="0" lvl="0" algn="l" rtl="0">
-              <a:spcBef>
-                <a:spcPts val="0"/>
-              </a:spcBef>
-              <a:spcAft>
-                <a:spcPts val="0"/>
-              </a:spcAft>
-              <a:buClr>
-                <a:srgbClr val="00B0F0"/>
-              </a:buClr>
-              <a:buSzPts val="1600"/>
             </a:pPr>
             <a:r>
               <a:rPr lang="en-US" b="0" i="0" u="none" strike="noStrike" cap="none" dirty="0">
@@ -15245,59 +15054,19 @@
                 <a:cs typeface="Calibri"/>
                 <a:sym typeface="Calibri"/>
               </a:rPr>
-              <a:t>21. Left Trigger, Right Trigger &amp; X to pickup and ready to drop in any junction</a:t>
+              <a:t>Left Trigger, Right Trigger &amp; X to </a:t>
             </a:r>
-            <a:endParaRPr lang="en-US" sz="1200" dirty="0">
-              <a:ea typeface="Calibri"/>
-            </a:endParaRPr>
-          </a:p>
-          <a:p>
-            <a:pPr marR="0" lvl="0" algn="l" rtl="0">
-              <a:spcBef>
-                <a:spcPts val="0"/>
-              </a:spcBef>
-              <a:spcAft>
-                <a:spcPts val="0"/>
-              </a:spcAft>
-              <a:buClr>
-                <a:srgbClr val="00B0F0"/>
-              </a:buClr>
-              <a:buSzPts val="1600"/>
-            </a:pPr>
-            <a:endParaRPr lang="en-US" sz="1200" b="0" i="0" u="none" strike="noStrike" cap="none" dirty="0">
-              <a:solidFill>
-                <a:srgbClr val="00B0F0"/>
-              </a:solidFill>
-              <a:latin typeface="Calibri"/>
-              <a:ea typeface="Calibri"/>
-              <a:cs typeface="Calibri"/>
-              <a:sym typeface="Calibri"/>
-            </a:endParaRPr>
-          </a:p>
-          <a:p>
-            <a:pPr marR="0" lvl="0" algn="l" rtl="0">
-              <a:spcBef>
-                <a:spcPts val="0"/>
-              </a:spcBef>
-              <a:spcAft>
-                <a:spcPts val="0"/>
-              </a:spcAft>
-              <a:buClr>
-                <a:srgbClr val="00B0F0"/>
-              </a:buClr>
-              <a:buSzPts val="1600"/>
-            </a:pPr>
             <a:r>
-              <a:rPr lang="en-US" sz="1200" dirty="0">
+              <a:rPr lang="en-US" b="0" i="0" u="none" strike="noStrike" cap="none" dirty="0">
                 <a:solidFill>
-                  <a:srgbClr val="00B0F0"/>
+                  <a:srgbClr val="FF0000"/>
                 </a:solidFill>
                 <a:latin typeface="Calibri"/>
                 <a:ea typeface="Calibri"/>
                 <a:cs typeface="Calibri"/>
                 <a:sym typeface="Calibri"/>
               </a:rPr>
-              <a:t>22. </a:t>
+              <a:t>substation</a:t>
             </a:r>
             <a:r>
               <a:rPr lang="en-US" b="0" i="0" u="none" strike="noStrike" cap="none" dirty="0">
@@ -15309,9 +15078,66 @@
                 <a:cs typeface="Calibri"/>
                 <a:sym typeface="Calibri"/>
               </a:rPr>
-              <a:t>Left Trigger, Right Trigger &amp; Y to drop in high junction from substation continuously</a:t>
+              <a:t> pickup and ready to drop in any junction</a:t>
             </a:r>
-            <a:endParaRPr lang="en-US" sz="1200" dirty="0"/>
+          </a:p>
+          <a:p>
+            <a:pPr marL="342900" indent="-342900">
+              <a:spcBef>
+                <a:spcPts val="600"/>
+              </a:spcBef>
+              <a:buClr>
+                <a:srgbClr val="00B0F0"/>
+              </a:buClr>
+              <a:buSzPts val="1400"/>
+              <a:buFont typeface="+mj-lt"/>
+              <a:buAutoNum type="arabicPeriod"/>
+            </a:pPr>
+            <a:r>
+              <a:rPr lang="en-US" b="0" i="0" u="none" strike="noStrike" cap="none" dirty="0">
+                <a:solidFill>
+                  <a:srgbClr val="00B0F0"/>
+                </a:solidFill>
+                <a:latin typeface="Calibri"/>
+                <a:ea typeface="Calibri"/>
+                <a:cs typeface="Calibri"/>
+                <a:sym typeface="Calibri"/>
+              </a:rPr>
+              <a:t>Left Trigger, Right Trigger &amp; Y to drop in high junction from </a:t>
+            </a:r>
+            <a:r>
+              <a:rPr lang="en-US" b="0" i="0" u="none" strike="noStrike" cap="none" dirty="0">
+                <a:solidFill>
+                  <a:srgbClr val="FF0000"/>
+                </a:solidFill>
+                <a:latin typeface="Calibri"/>
+                <a:ea typeface="Calibri"/>
+                <a:cs typeface="Calibri"/>
+                <a:sym typeface="Calibri"/>
+              </a:rPr>
+              <a:t>substation</a:t>
+            </a:r>
+            <a:r>
+              <a:rPr lang="en-US" b="0" i="0" u="none" strike="noStrike" cap="none" dirty="0">
+                <a:solidFill>
+                  <a:srgbClr val="00B0F0"/>
+                </a:solidFill>
+                <a:latin typeface="Calibri"/>
+                <a:ea typeface="Calibri"/>
+                <a:cs typeface="Calibri"/>
+                <a:sym typeface="Calibri"/>
+              </a:rPr>
+              <a:t> continuously</a:t>
+            </a:r>
+            <a:endParaRPr lang="en-US" dirty="0">
+              <a:solidFill>
+                <a:srgbClr val="00B0F0"/>
+              </a:solidFill>
+              <a:latin typeface="Calibri"/>
+              <a:ea typeface="Calibri"/>
+              <a:cs typeface="Calibri"/>
+              <a:sym typeface="Calibri"/>
+            </a:endParaRPr>
           </a:p>
         </p:txBody>
       </p:sp>

--- a/ProgrammingDocs/Gamepad_AT_2022.pptx
+++ b/ProgrammingDocs/Gamepad_AT_2022.pptx
@@ -12689,7 +12689,7 @@
         <p:spPr>
           <a:xfrm>
             <a:off x="6152914" y="1217060"/>
-            <a:ext cx="5909723" cy="1477287"/>
+            <a:ext cx="5909723" cy="1692731"/>
           </a:xfrm>
           <a:prstGeom prst="rect">
             <a:avLst/>
@@ -12747,7 +12747,7 @@
                 <a:cs typeface="Calibri"/>
                 <a:sym typeface="Calibri"/>
               </a:rPr>
-              <a:t>move to robo</a:t>
+              <a:t>move robo</a:t>
             </a:r>
             <a:r>
               <a:rPr lang="en-US" dirty="0">
@@ -12771,7 +12771,7 @@
                 <a:cs typeface="Calibri"/>
                 <a:sym typeface="Calibri"/>
               </a:rPr>
-              <a:t>in Auton</a:t>
+              <a:t>into Substation Pickup (*** robot has to stay close to your alliance zone for auto positioning)</a:t>
             </a:r>
             <a:endParaRPr sz="1200" dirty="0"/>
           </a:p>

--- a/ProgrammingDocs/Gamepad_AT_2022.pptx
+++ b/ProgrammingDocs/Gamepad_AT_2022.pptx
@@ -247,7 +247,7 @@
       <p15:sldGuideLst xmlns:p15="http://schemas.microsoft.com/office/powerpoint/2012/main"/>
     </p:ext>
     <p:ext uri="http://customooxmlschemas.google.com/">
-      <go:slidesCustomData xmlns="" xmlns:mc="http://schemas.openxmlformats.org/markup-compatibility/2006" xmlns:mv="urn:schemas-microsoft-com:mac:vml" xmlns:c="http://schemas.openxmlformats.org/drawingml/2006/chart" xmlns:dgm="http://schemas.openxmlformats.org/drawingml/2006/diagram" xmlns:o="urn:schemas-microsoft-com:office:office" xmlns:v="urn:schemas-microsoft-com:vml" xmlns:pvml="urn:schemas-microsoft-com:office:powerpoint" xmlns:com="http://schemas.openxmlformats.org/drawingml/2006/compatibility" xmlns:p14="http://schemas.microsoft.com/office/powerpoint/2010/main" xmlns:p15="http://schemas.microsoft.com/office/powerpoint/2012/main" xmlns:ahyp="http://schemas.microsoft.com/office/drawing/2018/hyperlinkcolor" xmlns:go="http://customooxmlschemas.google.com/" r:id="rId9" roundtripDataSignature="AMtx7mg7/Uy38vozo7lv7lODiH/+yduhyA=="/>
+      <go:slidesCustomData xmlns:go="http://customooxmlschemas.google.com/" xmlns:ahyp="http://schemas.microsoft.com/office/drawing/2018/hyperlinkcolor" xmlns:p15="http://schemas.microsoft.com/office/powerpoint/2012/main" xmlns:p14="http://schemas.microsoft.com/office/powerpoint/2010/main" xmlns:com="http://schemas.openxmlformats.org/drawingml/2006/compatibility" xmlns:pvml="urn:schemas-microsoft-com:office:powerpoint" xmlns:v="urn:schemas-microsoft-com:vml" xmlns:o="urn:schemas-microsoft-com:office:office" xmlns:dgm="http://schemas.openxmlformats.org/drawingml/2006/diagram" xmlns:c="http://schemas.openxmlformats.org/drawingml/2006/chart" xmlns:mv="urn:schemas-microsoft-com:mac:vml" xmlns:mc="http://schemas.openxmlformats.org/markup-compatibility/2006" xmlns="" r:id="rId9" roundtripDataSignature="AMtx7mg7/Uy38vozo7lv7lODiH/+yduhyA=="/>
     </p:ext>
   </p:extLst>
 </p:presentation>
